--- a/VideoSessionsMaterials/understanding.pptx
+++ b/VideoSessionsMaterials/understanding.pptx
@@ -5,15 +5,18 @@
     <p:sldMasterId id="2147483648" r:id="rId1"/>
   </p:sldMasterIdLst>
   <p:notesMasterIdLst>
-    <p:notesMasterId r:id="rId8"/>
+    <p:notesMasterId r:id="rId11"/>
   </p:notesMasterIdLst>
   <p:sldIdLst>
     <p:sldId id="364" r:id="rId2"/>
-    <p:sldId id="326" r:id="rId3"/>
-    <p:sldId id="367" r:id="rId4"/>
-    <p:sldId id="368" r:id="rId5"/>
-    <p:sldId id="369" r:id="rId6"/>
-    <p:sldId id="322" r:id="rId7"/>
+    <p:sldId id="367" r:id="rId3"/>
+    <p:sldId id="368" r:id="rId4"/>
+    <p:sldId id="326" r:id="rId5"/>
+    <p:sldId id="370" r:id="rId6"/>
+    <p:sldId id="371" r:id="rId7"/>
+    <p:sldId id="372" r:id="rId8"/>
+    <p:sldId id="369" r:id="rId9"/>
+    <p:sldId id="322" r:id="rId10"/>
   </p:sldIdLst>
   <p:sldSz cx="17327563" cy="9747250"/>
   <p:notesSz cx="6858000" cy="9144000"/>
@@ -228,7 +231,7 @@
             <a:fld id="{DDC063FE-8627-9A42-970F-0BBEEB02B587}" type="datetimeFigureOut">
               <a:rPr lang="en-US" smtClean="0"/>
               <a:pPr/>
-              <a:t>12/4/13</a:t>
+              <a:t>12/5/13</a:t>
             </a:fld>
             <a:endParaRPr lang="en-US" dirty="0"/>
           </a:p>
@@ -856,65 +859,250 @@
       </p:grpSpPr>
       <p:sp>
         <p:nvSpPr>
-          <p:cNvPr id="2" name="Slide Image Placeholder 1"/>
-          <p:cNvSpPr>
-            <a:spLocks noGrp="1" noRot="1" noChangeAspect="1"/>
-          </p:cNvSpPr>
-          <p:nvPr>
-            <p:ph type="sldImg"/>
-          </p:nvPr>
-        </p:nvSpPr>
-        <p:spPr/>
-      </p:sp>
-      <p:sp>
-        <p:nvSpPr>
-          <p:cNvPr id="3" name="Notes Placeholder 2"/>
-          <p:cNvSpPr>
-            <a:spLocks noGrp="1"/>
-          </p:cNvSpPr>
-          <p:nvPr>
-            <p:ph type="body" idx="1"/>
-          </p:nvPr>
-        </p:nvSpPr>
-        <p:spPr/>
-        <p:txBody>
-          <a:bodyPr/>
-          <a:lstStyle/>
-          <a:p>
-            <a:endParaRPr lang="en-US"/>
-          </a:p>
-        </p:txBody>
-      </p:sp>
-      <p:sp>
-        <p:nvSpPr>
-          <p:cNvPr id="4" name="Slide Number Placeholder 3"/>
-          <p:cNvSpPr>
-            <a:spLocks noGrp="1"/>
-          </p:cNvSpPr>
-          <p:nvPr>
-            <p:ph type="sldNum" sz="quarter" idx="10"/>
-          </p:nvPr>
-        </p:nvSpPr>
-        <p:spPr/>
-        <p:txBody>
-          <a:bodyPr/>
-          <a:lstStyle/>
-          <a:p>
-            <a:fld id="{3560C2FB-C494-1A46-A471-884A4E75440F}" type="slidenum">
-              <a:rPr lang="en-US" smtClean="0"/>
-              <a:pPr/>
+          <p:cNvPr id="23553" name="Rectangle 7"/>
+          <p:cNvSpPr txBox="1">
+            <a:spLocks noGrp="1" noChangeArrowheads="1"/>
+          </p:cNvSpPr>
+          <p:nvPr/>
+        </p:nvSpPr>
+        <p:spPr bwMode="auto">
+          <a:xfrm>
+            <a:off x="3886200" y="8686800"/>
+            <a:ext cx="2971800" cy="457200"/>
+          </a:xfrm>
+          <a:prstGeom prst="rect">
+            <a:avLst/>
+          </a:prstGeom>
+          <a:noFill/>
+          <a:ln>
+            <a:noFill/>
+          </a:ln>
+          <a:extLst>
+            <a:ext uri="{909E8E84-426E-40dd-AFC4-6F175D3DCCD1}">
+              <a14:hiddenFill xmlns:a14="http://schemas.microsoft.com/office/drawing/2010/main">
+                <a:solidFill>
+                  <a:srgbClr val="FFFFFF"/>
+                </a:solidFill>
+              </a14:hiddenFill>
+            </a:ext>
+            <a:ext uri="{91240B29-F687-4f45-9708-019B960494DF}">
+              <a14:hiddenLine xmlns:a14="http://schemas.microsoft.com/office/drawing/2010/main" w="9525">
+                <a:solidFill>
+                  <a:srgbClr val="000000"/>
+                </a:solidFill>
+                <a:miter lim="800000"/>
+                <a:headEnd/>
+                <a:tailEnd/>
+              </a14:hiddenLine>
+            </a:ext>
+          </a:extLst>
+        </p:spPr>
+        <p:txBody>
+          <a:bodyPr anchor="b"/>
+          <a:lstStyle>
+            <a:lvl1pPr eaLnBrk="0" hangingPunct="0">
+              <a:defRPr sz="3000">
+                <a:solidFill>
+                  <a:schemeClr val="tx1"/>
+                </a:solidFill>
+                <a:latin typeface="Arial" charset="0"/>
+                <a:ea typeface="ＭＳ Ｐゴシック" charset="0"/>
+                <a:cs typeface="ＭＳ Ｐゴシック" charset="0"/>
+              </a:defRPr>
+            </a:lvl1pPr>
+            <a:lvl2pPr marL="742950" indent="-285750" eaLnBrk="0" hangingPunct="0">
+              <a:defRPr sz="3000">
+                <a:solidFill>
+                  <a:schemeClr val="tx1"/>
+                </a:solidFill>
+                <a:latin typeface="Arial" charset="0"/>
+                <a:ea typeface="ＭＳ Ｐゴシック" charset="0"/>
+              </a:defRPr>
+            </a:lvl2pPr>
+            <a:lvl3pPr marL="1143000" indent="-228600" eaLnBrk="0" hangingPunct="0">
+              <a:defRPr sz="3000">
+                <a:solidFill>
+                  <a:schemeClr val="tx1"/>
+                </a:solidFill>
+                <a:latin typeface="Arial" charset="0"/>
+                <a:ea typeface="ＭＳ Ｐゴシック" charset="0"/>
+              </a:defRPr>
+            </a:lvl3pPr>
+            <a:lvl4pPr marL="1600200" indent="-228600" eaLnBrk="0" hangingPunct="0">
+              <a:defRPr sz="3000">
+                <a:solidFill>
+                  <a:schemeClr val="tx1"/>
+                </a:solidFill>
+                <a:latin typeface="Arial" charset="0"/>
+                <a:ea typeface="ＭＳ Ｐゴシック" charset="0"/>
+              </a:defRPr>
+            </a:lvl4pPr>
+            <a:lvl5pPr marL="2057400" indent="-228600" eaLnBrk="0" hangingPunct="0">
+              <a:defRPr sz="3000">
+                <a:solidFill>
+                  <a:schemeClr val="tx1"/>
+                </a:solidFill>
+                <a:latin typeface="Arial" charset="0"/>
+                <a:ea typeface="ＭＳ Ｐゴシック" charset="0"/>
+              </a:defRPr>
+            </a:lvl5pPr>
+            <a:lvl6pPr marL="2514600" indent="-228600" defTabSz="773113" eaLnBrk="0" fontAlgn="base" hangingPunct="0">
+              <a:spcBef>
+                <a:spcPct val="0"/>
+              </a:spcBef>
+              <a:spcAft>
+                <a:spcPct val="0"/>
+              </a:spcAft>
+              <a:defRPr sz="3000">
+                <a:solidFill>
+                  <a:schemeClr val="tx1"/>
+                </a:solidFill>
+                <a:latin typeface="Arial" charset="0"/>
+                <a:ea typeface="ＭＳ Ｐゴシック" charset="0"/>
+              </a:defRPr>
+            </a:lvl6pPr>
+            <a:lvl7pPr marL="2971800" indent="-228600" defTabSz="773113" eaLnBrk="0" fontAlgn="base" hangingPunct="0">
+              <a:spcBef>
+                <a:spcPct val="0"/>
+              </a:spcBef>
+              <a:spcAft>
+                <a:spcPct val="0"/>
+              </a:spcAft>
+              <a:defRPr sz="3000">
+                <a:solidFill>
+                  <a:schemeClr val="tx1"/>
+                </a:solidFill>
+                <a:latin typeface="Arial" charset="0"/>
+                <a:ea typeface="ＭＳ Ｐゴシック" charset="0"/>
+              </a:defRPr>
+            </a:lvl7pPr>
+            <a:lvl8pPr marL="3429000" indent="-228600" defTabSz="773113" eaLnBrk="0" fontAlgn="base" hangingPunct="0">
+              <a:spcBef>
+                <a:spcPct val="0"/>
+              </a:spcBef>
+              <a:spcAft>
+                <a:spcPct val="0"/>
+              </a:spcAft>
+              <a:defRPr sz="3000">
+                <a:solidFill>
+                  <a:schemeClr val="tx1"/>
+                </a:solidFill>
+                <a:latin typeface="Arial" charset="0"/>
+                <a:ea typeface="ＭＳ Ｐゴシック" charset="0"/>
+              </a:defRPr>
+            </a:lvl8pPr>
+            <a:lvl9pPr marL="3886200" indent="-228600" defTabSz="773113" eaLnBrk="0" fontAlgn="base" hangingPunct="0">
+              <a:spcBef>
+                <a:spcPct val="0"/>
+              </a:spcBef>
+              <a:spcAft>
+                <a:spcPct val="0"/>
+              </a:spcAft>
+              <a:defRPr sz="3000">
+                <a:solidFill>
+                  <a:schemeClr val="tx1"/>
+                </a:solidFill>
+                <a:latin typeface="Arial" charset="0"/>
+                <a:ea typeface="ＭＳ Ｐゴシック" charset="0"/>
+              </a:defRPr>
+            </a:lvl9pPr>
+          </a:lstStyle>
+          <a:p>
+            <a:pPr algn="r"/>
+            <a:fld id="{95567F61-CC3E-2741-90C5-D4613DBA27B7}" type="slidenum">
+              <a:rPr lang="en-US" sz="1200"/>
+              <a:pPr algn="r"/>
               <a:t>5</a:t>
             </a:fld>
-            <a:endParaRPr lang="en-US" dirty="0"/>
+            <a:endParaRPr lang="en-US" sz="1200"/>
+          </a:p>
+        </p:txBody>
+      </p:sp>
+      <p:sp>
+        <p:nvSpPr>
+          <p:cNvPr id="23554" name="Rectangle 2"/>
+          <p:cNvSpPr>
+            <a:spLocks noGrp="1" noRot="1" noChangeAspect="1" noChangeArrowheads="1" noTextEdit="1"/>
+          </p:cNvSpPr>
+          <p:nvPr>
+            <p:ph type="sldImg"/>
+          </p:nvPr>
+        </p:nvSpPr>
+        <p:spPr bwMode="auto">
+          <a:noFill/>
+          <a:ln>
+            <a:solidFill>
+              <a:srgbClr val="000000"/>
+            </a:solidFill>
+            <a:miter lim="800000"/>
+            <a:headEnd/>
+            <a:tailEnd/>
+          </a:ln>
+          <a:extLst>
+            <a:ext uri="{909E8E84-426E-40dd-AFC4-6F175D3DCCD1}">
+              <a14:hiddenFill xmlns:a14="http://schemas.microsoft.com/office/drawing/2010/main">
+                <a:solidFill>
+                  <a:srgbClr val="FFFFFF"/>
+                </a:solidFill>
+              </a14:hiddenFill>
+            </a:ext>
+            <a:ext uri="{FAA26D3D-D897-4be2-8F04-BA451C77F1D7}">
+              <ma14:placeholderFlag xmlns:ma14="http://schemas.microsoft.com/office/mac/drawingml/2011/main" val="1"/>
+            </a:ext>
+          </a:extLst>
+        </p:spPr>
+      </p:sp>
+      <p:sp>
+        <p:nvSpPr>
+          <p:cNvPr id="23555" name="Rectangle 3"/>
+          <p:cNvSpPr>
+            <a:spLocks noGrp="1" noChangeArrowheads="1"/>
+          </p:cNvSpPr>
+          <p:nvPr>
+            <p:ph type="body" idx="1"/>
+          </p:nvPr>
+        </p:nvSpPr>
+        <p:spPr bwMode="auto">
+          <a:noFill/>
+          <a:extLst>
+            <a:ext uri="{909E8E84-426E-40dd-AFC4-6F175D3DCCD1}">
+              <a14:hiddenFill xmlns:a14="http://schemas.microsoft.com/office/drawing/2010/main">
+                <a:solidFill>
+                  <a:srgbClr val="FFFFFF"/>
+                </a:solidFill>
+              </a14:hiddenFill>
+            </a:ext>
+            <a:ext uri="{91240B29-F687-4f45-9708-019B960494DF}">
+              <a14:hiddenLine xmlns:a14="http://schemas.microsoft.com/office/drawing/2010/main" w="9525">
+                <a:solidFill>
+                  <a:srgbClr val="000000"/>
+                </a:solidFill>
+                <a:miter lim="800000"/>
+                <a:headEnd/>
+                <a:tailEnd/>
+              </a14:hiddenLine>
+            </a:ext>
+            <a:ext uri="{FAA26D3D-D897-4be2-8F04-BA451C77F1D7}">
+              <ma14:placeholderFlag xmlns:ma14="http://schemas.microsoft.com/office/mac/drawingml/2011/main" val="1"/>
+            </a:ext>
+          </a:extLst>
+        </p:spPr>
+        <p:txBody>
+          <a:bodyPr wrap="square" numCol="1" anchor="t" anchorCtr="0" compatLnSpc="1">
+            <a:prstTxWarp prst="textNoShape">
+              <a:avLst/>
+            </a:prstTxWarp>
+          </a:bodyPr>
+          <a:lstStyle/>
+          <a:p>
+            <a:pPr eaLnBrk="1" hangingPunct="1"/>
+            <a:endParaRPr lang="en-US">
+              <a:latin typeface="Calibri" charset="0"/>
+            </a:endParaRPr>
           </a:p>
         </p:txBody>
       </p:sp>
     </p:spTree>
-    <p:extLst>
-      <p:ext uri="{BB962C8B-B14F-4D97-AF65-F5344CB8AC3E}">
-        <p14:creationId xmlns:p14="http://schemas.microsoft.com/office/powerpoint/2010/main" val="963676054"/>
-      </p:ext>
-    </p:extLst>
   </p:cSld>
   <p:clrMapOvr>
     <a:masterClrMapping/>
@@ -989,6 +1177,446 @@
               <a:rPr lang="en-US" smtClean="0"/>
               <a:pPr/>
               <a:t>6</a:t>
+            </a:fld>
+            <a:endParaRPr lang="en-US" dirty="0"/>
+          </a:p>
+        </p:txBody>
+      </p:sp>
+    </p:spTree>
+    <p:extLst>
+      <p:ext uri="{BB962C8B-B14F-4D97-AF65-F5344CB8AC3E}">
+        <p14:creationId xmlns:p14="http://schemas.microsoft.com/office/powerpoint/2010/main" val="963676054"/>
+      </p:ext>
+    </p:extLst>
+  </p:cSld>
+  <p:clrMapOvr>
+    <a:masterClrMapping/>
+  </p:clrMapOvr>
+</p:notes>
+</file>
+
+<file path=ppt/notesSlides/notesSlide7.xml><?xml version="1.0" encoding="utf-8"?>
+<p:notes xmlns:a="http://schemas.openxmlformats.org/drawingml/2006/main" xmlns:r="http://schemas.openxmlformats.org/officeDocument/2006/relationships" xmlns:p="http://schemas.openxmlformats.org/presentationml/2006/main">
+  <p:cSld>
+    <p:spTree>
+      <p:nvGrpSpPr>
+        <p:cNvPr id="1" name=""/>
+        <p:cNvGrpSpPr/>
+        <p:nvPr/>
+      </p:nvGrpSpPr>
+      <p:grpSpPr>
+        <a:xfrm>
+          <a:off x="0" y="0"/>
+          <a:ext cx="0" cy="0"/>
+          <a:chOff x="0" y="0"/>
+          <a:chExt cx="0" cy="0"/>
+        </a:xfrm>
+      </p:grpSpPr>
+      <p:sp>
+        <p:nvSpPr>
+          <p:cNvPr id="19457" name="Rectangle 7"/>
+          <p:cNvSpPr txBox="1">
+            <a:spLocks noGrp="1" noChangeArrowheads="1"/>
+          </p:cNvSpPr>
+          <p:nvPr/>
+        </p:nvSpPr>
+        <p:spPr bwMode="auto">
+          <a:xfrm>
+            <a:off x="3886200" y="8686800"/>
+            <a:ext cx="2971800" cy="457200"/>
+          </a:xfrm>
+          <a:prstGeom prst="rect">
+            <a:avLst/>
+          </a:prstGeom>
+          <a:noFill/>
+          <a:ln>
+            <a:noFill/>
+          </a:ln>
+          <a:extLst>
+            <a:ext uri="{909E8E84-426E-40dd-AFC4-6F175D3DCCD1}">
+              <a14:hiddenFill xmlns:a14="http://schemas.microsoft.com/office/drawing/2010/main">
+                <a:solidFill>
+                  <a:srgbClr val="FFFFFF"/>
+                </a:solidFill>
+              </a14:hiddenFill>
+            </a:ext>
+            <a:ext uri="{91240B29-F687-4f45-9708-019B960494DF}">
+              <a14:hiddenLine xmlns:a14="http://schemas.microsoft.com/office/drawing/2010/main" w="9525">
+                <a:solidFill>
+                  <a:srgbClr val="000000"/>
+                </a:solidFill>
+                <a:miter lim="800000"/>
+                <a:headEnd/>
+                <a:tailEnd/>
+              </a14:hiddenLine>
+            </a:ext>
+          </a:extLst>
+        </p:spPr>
+        <p:txBody>
+          <a:bodyPr anchor="b"/>
+          <a:lstStyle>
+            <a:lvl1pPr eaLnBrk="0" hangingPunct="0">
+              <a:defRPr sz="3000">
+                <a:solidFill>
+                  <a:schemeClr val="tx1"/>
+                </a:solidFill>
+                <a:latin typeface="Arial" charset="0"/>
+                <a:ea typeface="ＭＳ Ｐゴシック" charset="0"/>
+                <a:cs typeface="ＭＳ Ｐゴシック" charset="0"/>
+              </a:defRPr>
+            </a:lvl1pPr>
+            <a:lvl2pPr marL="742950" indent="-285750" eaLnBrk="0" hangingPunct="0">
+              <a:defRPr sz="3000">
+                <a:solidFill>
+                  <a:schemeClr val="tx1"/>
+                </a:solidFill>
+                <a:latin typeface="Arial" charset="0"/>
+                <a:ea typeface="ＭＳ Ｐゴシック" charset="0"/>
+              </a:defRPr>
+            </a:lvl2pPr>
+            <a:lvl3pPr marL="1143000" indent="-228600" eaLnBrk="0" hangingPunct="0">
+              <a:defRPr sz="3000">
+                <a:solidFill>
+                  <a:schemeClr val="tx1"/>
+                </a:solidFill>
+                <a:latin typeface="Arial" charset="0"/>
+                <a:ea typeface="ＭＳ Ｐゴシック" charset="0"/>
+              </a:defRPr>
+            </a:lvl3pPr>
+            <a:lvl4pPr marL="1600200" indent="-228600" eaLnBrk="0" hangingPunct="0">
+              <a:defRPr sz="3000">
+                <a:solidFill>
+                  <a:schemeClr val="tx1"/>
+                </a:solidFill>
+                <a:latin typeface="Arial" charset="0"/>
+                <a:ea typeface="ＭＳ Ｐゴシック" charset="0"/>
+              </a:defRPr>
+            </a:lvl4pPr>
+            <a:lvl5pPr marL="2057400" indent="-228600" eaLnBrk="0" hangingPunct="0">
+              <a:defRPr sz="3000">
+                <a:solidFill>
+                  <a:schemeClr val="tx1"/>
+                </a:solidFill>
+                <a:latin typeface="Arial" charset="0"/>
+                <a:ea typeface="ＭＳ Ｐゴシック" charset="0"/>
+              </a:defRPr>
+            </a:lvl5pPr>
+            <a:lvl6pPr marL="2514600" indent="-228600" defTabSz="773113" eaLnBrk="0" fontAlgn="base" hangingPunct="0">
+              <a:spcBef>
+                <a:spcPct val="0"/>
+              </a:spcBef>
+              <a:spcAft>
+                <a:spcPct val="0"/>
+              </a:spcAft>
+              <a:defRPr sz="3000">
+                <a:solidFill>
+                  <a:schemeClr val="tx1"/>
+                </a:solidFill>
+                <a:latin typeface="Arial" charset="0"/>
+                <a:ea typeface="ＭＳ Ｐゴシック" charset="0"/>
+              </a:defRPr>
+            </a:lvl6pPr>
+            <a:lvl7pPr marL="2971800" indent="-228600" defTabSz="773113" eaLnBrk="0" fontAlgn="base" hangingPunct="0">
+              <a:spcBef>
+                <a:spcPct val="0"/>
+              </a:spcBef>
+              <a:spcAft>
+                <a:spcPct val="0"/>
+              </a:spcAft>
+              <a:defRPr sz="3000">
+                <a:solidFill>
+                  <a:schemeClr val="tx1"/>
+                </a:solidFill>
+                <a:latin typeface="Arial" charset="0"/>
+                <a:ea typeface="ＭＳ Ｐゴシック" charset="0"/>
+              </a:defRPr>
+            </a:lvl7pPr>
+            <a:lvl8pPr marL="3429000" indent="-228600" defTabSz="773113" eaLnBrk="0" fontAlgn="base" hangingPunct="0">
+              <a:spcBef>
+                <a:spcPct val="0"/>
+              </a:spcBef>
+              <a:spcAft>
+                <a:spcPct val="0"/>
+              </a:spcAft>
+              <a:defRPr sz="3000">
+                <a:solidFill>
+                  <a:schemeClr val="tx1"/>
+                </a:solidFill>
+                <a:latin typeface="Arial" charset="0"/>
+                <a:ea typeface="ＭＳ Ｐゴシック" charset="0"/>
+              </a:defRPr>
+            </a:lvl8pPr>
+            <a:lvl9pPr marL="3886200" indent="-228600" defTabSz="773113" eaLnBrk="0" fontAlgn="base" hangingPunct="0">
+              <a:spcBef>
+                <a:spcPct val="0"/>
+              </a:spcBef>
+              <a:spcAft>
+                <a:spcPct val="0"/>
+              </a:spcAft>
+              <a:defRPr sz="3000">
+                <a:solidFill>
+                  <a:schemeClr val="tx1"/>
+                </a:solidFill>
+                <a:latin typeface="Arial" charset="0"/>
+                <a:ea typeface="ＭＳ Ｐゴシック" charset="0"/>
+              </a:defRPr>
+            </a:lvl9pPr>
+          </a:lstStyle>
+          <a:p>
+            <a:pPr algn="r"/>
+            <a:fld id="{2B39469B-059F-1748-8EE8-53A83509598D}" type="slidenum">
+              <a:rPr lang="en-US" sz="1200"/>
+              <a:pPr algn="r"/>
+              <a:t>7</a:t>
+            </a:fld>
+            <a:endParaRPr lang="en-US" sz="1200"/>
+          </a:p>
+        </p:txBody>
+      </p:sp>
+      <p:sp>
+        <p:nvSpPr>
+          <p:cNvPr id="19458" name="Rectangle 2"/>
+          <p:cNvSpPr>
+            <a:spLocks noGrp="1" noRot="1" noChangeAspect="1" noChangeArrowheads="1" noTextEdit="1"/>
+          </p:cNvSpPr>
+          <p:nvPr>
+            <p:ph type="sldImg"/>
+          </p:nvPr>
+        </p:nvSpPr>
+        <p:spPr bwMode="auto">
+          <a:noFill/>
+          <a:ln>
+            <a:solidFill>
+              <a:srgbClr val="000000"/>
+            </a:solidFill>
+            <a:miter lim="800000"/>
+            <a:headEnd/>
+            <a:tailEnd/>
+          </a:ln>
+          <a:extLst>
+            <a:ext uri="{909E8E84-426E-40dd-AFC4-6F175D3DCCD1}">
+              <a14:hiddenFill xmlns:a14="http://schemas.microsoft.com/office/drawing/2010/main">
+                <a:solidFill>
+                  <a:srgbClr val="FFFFFF"/>
+                </a:solidFill>
+              </a14:hiddenFill>
+            </a:ext>
+            <a:ext uri="{FAA26D3D-D897-4be2-8F04-BA451C77F1D7}">
+              <ma14:placeholderFlag xmlns:ma14="http://schemas.microsoft.com/office/mac/drawingml/2011/main" val="1"/>
+            </a:ext>
+          </a:extLst>
+        </p:spPr>
+      </p:sp>
+      <p:sp>
+        <p:nvSpPr>
+          <p:cNvPr id="19459" name="Rectangle 3"/>
+          <p:cNvSpPr>
+            <a:spLocks noGrp="1" noChangeArrowheads="1"/>
+          </p:cNvSpPr>
+          <p:nvPr>
+            <p:ph type="body" idx="1"/>
+          </p:nvPr>
+        </p:nvSpPr>
+        <p:spPr bwMode="auto">
+          <a:noFill/>
+          <a:extLst>
+            <a:ext uri="{909E8E84-426E-40dd-AFC4-6F175D3DCCD1}">
+              <a14:hiddenFill xmlns:a14="http://schemas.microsoft.com/office/drawing/2010/main">
+                <a:solidFill>
+                  <a:srgbClr val="FFFFFF"/>
+                </a:solidFill>
+              </a14:hiddenFill>
+            </a:ext>
+            <a:ext uri="{91240B29-F687-4f45-9708-019B960494DF}">
+              <a14:hiddenLine xmlns:a14="http://schemas.microsoft.com/office/drawing/2010/main" w="9525">
+                <a:solidFill>
+                  <a:srgbClr val="000000"/>
+                </a:solidFill>
+                <a:miter lim="800000"/>
+                <a:headEnd/>
+                <a:tailEnd/>
+              </a14:hiddenLine>
+            </a:ext>
+            <a:ext uri="{FAA26D3D-D897-4be2-8F04-BA451C77F1D7}">
+              <ma14:placeholderFlag xmlns:ma14="http://schemas.microsoft.com/office/mac/drawingml/2011/main" val="1"/>
+            </a:ext>
+          </a:extLst>
+        </p:spPr>
+        <p:txBody>
+          <a:bodyPr wrap="square" numCol="1" anchor="t" anchorCtr="0" compatLnSpc="1">
+            <a:prstTxWarp prst="textNoShape">
+              <a:avLst/>
+            </a:prstTxWarp>
+          </a:bodyPr>
+          <a:lstStyle/>
+          <a:p>
+            <a:pPr eaLnBrk="1" hangingPunct="1"/>
+            <a:endParaRPr lang="en-US">
+              <a:latin typeface="Calibri" charset="0"/>
+            </a:endParaRPr>
+          </a:p>
+        </p:txBody>
+      </p:sp>
+    </p:spTree>
+  </p:cSld>
+  <p:clrMapOvr>
+    <a:masterClrMapping/>
+  </p:clrMapOvr>
+</p:notes>
+</file>
+
+<file path=ppt/notesSlides/notesSlide8.xml><?xml version="1.0" encoding="utf-8"?>
+<p:notes xmlns:a="http://schemas.openxmlformats.org/drawingml/2006/main" xmlns:r="http://schemas.openxmlformats.org/officeDocument/2006/relationships" xmlns:p="http://schemas.openxmlformats.org/presentationml/2006/main">
+  <p:cSld>
+    <p:spTree>
+      <p:nvGrpSpPr>
+        <p:cNvPr id="1" name=""/>
+        <p:cNvGrpSpPr/>
+        <p:nvPr/>
+      </p:nvGrpSpPr>
+      <p:grpSpPr>
+        <a:xfrm>
+          <a:off x="0" y="0"/>
+          <a:ext cx="0" cy="0"/>
+          <a:chOff x="0" y="0"/>
+          <a:chExt cx="0" cy="0"/>
+        </a:xfrm>
+      </p:grpSpPr>
+      <p:sp>
+        <p:nvSpPr>
+          <p:cNvPr id="2" name="Slide Image Placeholder 1"/>
+          <p:cNvSpPr>
+            <a:spLocks noGrp="1" noRot="1" noChangeAspect="1"/>
+          </p:cNvSpPr>
+          <p:nvPr>
+            <p:ph type="sldImg"/>
+          </p:nvPr>
+        </p:nvSpPr>
+        <p:spPr/>
+      </p:sp>
+      <p:sp>
+        <p:nvSpPr>
+          <p:cNvPr id="3" name="Notes Placeholder 2"/>
+          <p:cNvSpPr>
+            <a:spLocks noGrp="1"/>
+          </p:cNvSpPr>
+          <p:nvPr>
+            <p:ph type="body" idx="1"/>
+          </p:nvPr>
+        </p:nvSpPr>
+        <p:spPr/>
+        <p:txBody>
+          <a:bodyPr/>
+          <a:lstStyle/>
+          <a:p>
+            <a:endParaRPr lang="en-US"/>
+          </a:p>
+        </p:txBody>
+      </p:sp>
+      <p:sp>
+        <p:nvSpPr>
+          <p:cNvPr id="4" name="Slide Number Placeholder 3"/>
+          <p:cNvSpPr>
+            <a:spLocks noGrp="1"/>
+          </p:cNvSpPr>
+          <p:nvPr>
+            <p:ph type="sldNum" sz="quarter" idx="10"/>
+          </p:nvPr>
+        </p:nvSpPr>
+        <p:spPr/>
+        <p:txBody>
+          <a:bodyPr/>
+          <a:lstStyle/>
+          <a:p>
+            <a:fld id="{3560C2FB-C494-1A46-A471-884A4E75440F}" type="slidenum">
+              <a:rPr lang="en-US" smtClean="0"/>
+              <a:pPr/>
+              <a:t>8</a:t>
+            </a:fld>
+            <a:endParaRPr lang="en-US" dirty="0"/>
+          </a:p>
+        </p:txBody>
+      </p:sp>
+    </p:spTree>
+    <p:extLst>
+      <p:ext uri="{BB962C8B-B14F-4D97-AF65-F5344CB8AC3E}">
+        <p14:creationId xmlns:p14="http://schemas.microsoft.com/office/powerpoint/2010/main" val="963676054"/>
+      </p:ext>
+    </p:extLst>
+  </p:cSld>
+  <p:clrMapOvr>
+    <a:masterClrMapping/>
+  </p:clrMapOvr>
+</p:notes>
+</file>
+
+<file path=ppt/notesSlides/notesSlide9.xml><?xml version="1.0" encoding="utf-8"?>
+<p:notes xmlns:a="http://schemas.openxmlformats.org/drawingml/2006/main" xmlns:r="http://schemas.openxmlformats.org/officeDocument/2006/relationships" xmlns:p="http://schemas.openxmlformats.org/presentationml/2006/main">
+  <p:cSld>
+    <p:spTree>
+      <p:nvGrpSpPr>
+        <p:cNvPr id="1" name=""/>
+        <p:cNvGrpSpPr/>
+        <p:nvPr/>
+      </p:nvGrpSpPr>
+      <p:grpSpPr>
+        <a:xfrm>
+          <a:off x="0" y="0"/>
+          <a:ext cx="0" cy="0"/>
+          <a:chOff x="0" y="0"/>
+          <a:chExt cx="0" cy="0"/>
+        </a:xfrm>
+      </p:grpSpPr>
+      <p:sp>
+        <p:nvSpPr>
+          <p:cNvPr id="2" name="Slide Image Placeholder 1"/>
+          <p:cNvSpPr>
+            <a:spLocks noGrp="1" noRot="1" noChangeAspect="1"/>
+          </p:cNvSpPr>
+          <p:nvPr>
+            <p:ph type="sldImg"/>
+          </p:nvPr>
+        </p:nvSpPr>
+        <p:spPr/>
+      </p:sp>
+      <p:sp>
+        <p:nvSpPr>
+          <p:cNvPr id="3" name="Notes Placeholder 2"/>
+          <p:cNvSpPr>
+            <a:spLocks noGrp="1"/>
+          </p:cNvSpPr>
+          <p:nvPr>
+            <p:ph type="body" idx="1"/>
+          </p:nvPr>
+        </p:nvSpPr>
+        <p:spPr/>
+        <p:txBody>
+          <a:bodyPr/>
+          <a:lstStyle/>
+          <a:p>
+            <a:endParaRPr lang="en-US"/>
+          </a:p>
+        </p:txBody>
+      </p:sp>
+      <p:sp>
+        <p:nvSpPr>
+          <p:cNvPr id="4" name="Slide Number Placeholder 3"/>
+          <p:cNvSpPr>
+            <a:spLocks noGrp="1"/>
+          </p:cNvSpPr>
+          <p:nvPr>
+            <p:ph type="sldNum" sz="quarter" idx="10"/>
+          </p:nvPr>
+        </p:nvSpPr>
+        <p:spPr/>
+        <p:txBody>
+          <a:bodyPr/>
+          <a:lstStyle/>
+          <a:p>
+            <a:fld id="{3560C2FB-C494-1A46-A471-884A4E75440F}" type="slidenum">
+              <a:rPr lang="en-US" smtClean="0"/>
+              <a:pPr/>
+              <a:t>9</a:t>
             </a:fld>
             <a:endParaRPr lang="en-US" dirty="0"/>
           </a:p>
@@ -5260,7 +5888,7 @@
             <a:pPr lvl="0"/>
             <a:r>
               <a:rPr lang="en-US" sz="6600" dirty="0" smtClean="0"/>
-              <a:t>Title</a:t>
+              <a:t>Understanding the Media API</a:t>
             </a:r>
             <a:endParaRPr lang="en-US" sz="6600" dirty="0"/>
           </a:p>
@@ -5360,7 +5988,7 @@
           <a:p>
             <a:r>
               <a:rPr lang="en-US" dirty="0" smtClean="0"/>
-              <a:t>Title</a:t>
+              <a:t>Media API details</a:t>
             </a:r>
             <a:endParaRPr lang="en-US" dirty="0"/>
           </a:p>
@@ -5384,9 +6012,78 @@
           <a:lstStyle/>
           <a:p>
             <a:r>
+              <a:rPr lang="en-US" sz="3200" dirty="0"/>
+              <a:t>The </a:t>
+            </a:r>
+            <a:r>
               <a:rPr lang="en-US" sz="3200" dirty="0" smtClean="0"/>
-              <a:t>Content</a:t>
-            </a:r>
+              <a:t>allows </a:t>
+            </a:r>
+            <a:r>
+              <a:rPr lang="en-US" sz="3200" dirty="0"/>
+              <a:t>you to interact with your Video Cloud media </a:t>
+            </a:r>
+            <a:r>
+              <a:rPr lang="en-US" sz="3200" dirty="0" smtClean="0"/>
+              <a:t>library</a:t>
+            </a:r>
+          </a:p>
+          <a:p>
+            <a:r>
+              <a:rPr lang="en-US" sz="3200" dirty="0" smtClean="0"/>
+              <a:t>Can use </a:t>
+            </a:r>
+            <a:r>
+              <a:rPr lang="en-US" sz="3200" dirty="0"/>
+              <a:t>any programming language you </a:t>
+            </a:r>
+            <a:r>
+              <a:rPr lang="en-US" sz="3200" dirty="0" smtClean="0"/>
+              <a:t>choose</a:t>
+            </a:r>
+          </a:p>
+          <a:p>
+            <a:r>
+              <a:rPr lang="en-US" sz="3200" dirty="0" smtClean="0"/>
+              <a:t>Works </a:t>
+            </a:r>
+            <a:r>
+              <a:rPr lang="en-US" sz="3200" dirty="0"/>
+              <a:t>from the server or client </a:t>
+            </a:r>
+            <a:r>
+              <a:rPr lang="en-US" sz="3200" dirty="0" smtClean="0"/>
+              <a:t>side</a:t>
+            </a:r>
+          </a:p>
+          <a:p>
+            <a:r>
+              <a:rPr lang="en-US" sz="3200" dirty="0" smtClean="0"/>
+              <a:t>Read methods </a:t>
+            </a:r>
+            <a:r>
+              <a:rPr lang="en-US" sz="3200" dirty="0"/>
+              <a:t>allow you to perform complex searches for videos or </a:t>
+            </a:r>
+            <a:r>
+              <a:rPr lang="en-US" sz="3200" dirty="0" smtClean="0"/>
+              <a:t>playlists</a:t>
+            </a:r>
+          </a:p>
+          <a:p>
+            <a:r>
+              <a:rPr lang="en-US" sz="3200" dirty="0" smtClean="0"/>
+              <a:t>Write methods </a:t>
+            </a:r>
+            <a:r>
+              <a:rPr lang="en-US" sz="3200" dirty="0"/>
+              <a:t>allow you to add, update, and delete video and playlist </a:t>
+            </a:r>
+            <a:r>
+              <a:rPr lang="en-US" sz="3200" dirty="0" smtClean="0"/>
+              <a:t>assets</a:t>
+            </a:r>
+            <a:endParaRPr lang="en-US" sz="3200" dirty="0" smtClean="0"/>
           </a:p>
           <a:p>
             <a:endParaRPr lang="en-US" sz="3200" dirty="0"/>
@@ -5396,7 +6093,7 @@
     </p:spTree>
     <p:extLst>
       <p:ext uri="{BB962C8B-B14F-4D97-AF65-F5344CB8AC3E}">
-        <p14:creationId xmlns:p14="http://schemas.microsoft.com/office/powerpoint/2010/main" val="1723545958"/>
+        <p14:creationId xmlns:p14="http://schemas.microsoft.com/office/powerpoint/2010/main" val="2108713422"/>
       </p:ext>
     </p:extLst>
   </p:cSld>
@@ -5447,7 +6144,15 @@
           <a:p>
             <a:r>
               <a:rPr lang="en-US" dirty="0" smtClean="0"/>
-              <a:t>Title</a:t>
+              <a:t>media </a:t>
+            </a:r>
+            <a:r>
+              <a:rPr lang="en-US" dirty="0" err="1" smtClean="0"/>
+              <a:t>api</a:t>
+            </a:r>
+            <a:r>
+              <a:rPr lang="en-US" dirty="0" smtClean="0"/>
+              <a:t> reference</a:t>
             </a:r>
             <a:endParaRPr lang="en-US" dirty="0"/>
           </a:p>
@@ -5472,8 +6177,30 @@
           <a:p>
             <a:r>
               <a:rPr lang="en-US" sz="3200" dirty="0" smtClean="0"/>
-              <a:t>Content</a:t>
-            </a:r>
+              <a:t>Reference documentation reflects the API's purpose</a:t>
+            </a:r>
+          </a:p>
+          <a:p>
+            <a:pPr marL="0" indent="0">
+              <a:buNone/>
+            </a:pPr>
+            <a:r>
+              <a:rPr lang="en-US" sz="3200" dirty="0"/>
+              <a:t>http://</a:t>
+            </a:r>
+            <a:r>
+              <a:rPr lang="en-US" sz="3200" dirty="0" err="1"/>
+              <a:t>docs.brightcove.com</a:t>
+            </a:r>
+            <a:r>
+              <a:rPr lang="en-US" sz="3200" dirty="0"/>
+              <a:t>/en/video-cloud/media/</a:t>
+            </a:r>
+            <a:r>
+              <a:rPr lang="en-US" sz="3200" dirty="0" err="1"/>
+              <a:t>reference.html</a:t>
+            </a:r>
+            <a:endParaRPr lang="en-US" sz="3200" dirty="0" smtClean="0"/>
           </a:p>
           <a:p>
             <a:endParaRPr lang="en-US" sz="3200" dirty="0"/>
@@ -5483,7 +6210,7 @@
     </p:spTree>
     <p:extLst>
       <p:ext uri="{BB962C8B-B14F-4D97-AF65-F5344CB8AC3E}">
-        <p14:creationId xmlns:p14="http://schemas.microsoft.com/office/powerpoint/2010/main" val="2108713422"/>
+        <p14:creationId xmlns:p14="http://schemas.microsoft.com/office/powerpoint/2010/main" val="2805855639"/>
       </p:ext>
     </p:extLst>
   </p:cSld>
@@ -5534,7 +6261,19 @@
           <a:p>
             <a:r>
               <a:rPr lang="en-US" dirty="0" smtClean="0"/>
-              <a:t>Title</a:t>
+              <a:t>Media </a:t>
+            </a:r>
+            <a:r>
+              <a:rPr lang="en-US" dirty="0" err="1" smtClean="0"/>
+              <a:t>api</a:t>
+            </a:r>
+            <a:r>
+              <a:rPr lang="en-US" dirty="0" smtClean="0"/>
+              <a:t> "speaks" </a:t>
+            </a:r>
+            <a:r>
+              <a:rPr lang="en-US" dirty="0" err="1" smtClean="0"/>
+              <a:t>json</a:t>
             </a:r>
             <a:endParaRPr lang="en-US" dirty="0"/>
           </a:p>
@@ -5559,8 +6298,15 @@
           <a:p>
             <a:r>
               <a:rPr lang="en-US" sz="3200" dirty="0" smtClean="0"/>
-              <a:t>Content</a:t>
-            </a:r>
+              <a:t>Requests are formulated in JSON</a:t>
+            </a:r>
+          </a:p>
+          <a:p>
+            <a:r>
+              <a:rPr lang="en-US" sz="3200" dirty="0" smtClean="0"/>
+              <a:t>Results are returned in JSON</a:t>
+            </a:r>
+            <a:endParaRPr lang="en-US" sz="3200" dirty="0" smtClean="0"/>
           </a:p>
           <a:p>
             <a:endParaRPr lang="en-US" sz="3200" dirty="0"/>
@@ -5570,7 +6316,7 @@
     </p:spTree>
     <p:extLst>
       <p:ext uri="{BB962C8B-B14F-4D97-AF65-F5344CB8AC3E}">
-        <p14:creationId xmlns:p14="http://schemas.microsoft.com/office/powerpoint/2010/main" val="2805855639"/>
+        <p14:creationId xmlns:p14="http://schemas.microsoft.com/office/powerpoint/2010/main" val="1723545958"/>
       </p:ext>
     </p:extLst>
   </p:cSld>
@@ -5606,30 +6352,217 @@
       </p:grpSpPr>
       <p:sp>
         <p:nvSpPr>
-          <p:cNvPr id="3" name="Title 2"/>
-          <p:cNvSpPr>
+          <p:cNvPr id="22529" name="Slide Number Placeholder 4"/>
+          <p:cNvSpPr txBox="1">
             <a:spLocks noGrp="1"/>
           </p:cNvSpPr>
+          <p:nvPr/>
+        </p:nvSpPr>
+        <p:spPr bwMode="auto">
+          <a:xfrm>
+            <a:off x="315913" y="9190038"/>
+            <a:ext cx="866775" cy="541337"/>
+          </a:xfrm>
+          <a:prstGeom prst="rect">
+            <a:avLst/>
+          </a:prstGeom>
+          <a:noFill/>
+          <a:ln>
+            <a:noFill/>
+          </a:ln>
+          <a:extLst>
+            <a:ext uri="{909E8E84-426E-40dd-AFC4-6F175D3DCCD1}">
+              <a14:hiddenFill xmlns:a14="http://schemas.microsoft.com/office/drawing/2010/main">
+                <a:solidFill>
+                  <a:srgbClr val="FFFFFF"/>
+                </a:solidFill>
+              </a14:hiddenFill>
+            </a:ext>
+            <a:ext uri="{91240B29-F687-4f45-9708-019B960494DF}">
+              <a14:hiddenLine xmlns:a14="http://schemas.microsoft.com/office/drawing/2010/main" w="9525">
+                <a:solidFill>
+                  <a:srgbClr val="000000"/>
+                </a:solidFill>
+                <a:miter lim="800000"/>
+                <a:headEnd/>
+                <a:tailEnd/>
+              </a14:hiddenLine>
+            </a:ext>
+          </a:extLst>
+        </p:spPr>
+        <p:txBody>
+          <a:bodyPr lIns="154707" tIns="77354" rIns="154707" bIns="77354"/>
+          <a:lstStyle>
+            <a:lvl1pPr eaLnBrk="0" hangingPunct="0">
+              <a:defRPr sz="3000">
+                <a:solidFill>
+                  <a:schemeClr val="tx1"/>
+                </a:solidFill>
+                <a:latin typeface="Arial" charset="0"/>
+                <a:ea typeface="ＭＳ Ｐゴシック" charset="0"/>
+                <a:cs typeface="ＭＳ Ｐゴシック" charset="0"/>
+              </a:defRPr>
+            </a:lvl1pPr>
+            <a:lvl2pPr marL="742950" indent="-285750" eaLnBrk="0" hangingPunct="0">
+              <a:defRPr sz="3000">
+                <a:solidFill>
+                  <a:schemeClr val="tx1"/>
+                </a:solidFill>
+                <a:latin typeface="Arial" charset="0"/>
+                <a:ea typeface="ＭＳ Ｐゴシック" charset="0"/>
+              </a:defRPr>
+            </a:lvl2pPr>
+            <a:lvl3pPr marL="1143000" indent="-228600" eaLnBrk="0" hangingPunct="0">
+              <a:defRPr sz="3000">
+                <a:solidFill>
+                  <a:schemeClr val="tx1"/>
+                </a:solidFill>
+                <a:latin typeface="Arial" charset="0"/>
+                <a:ea typeface="ＭＳ Ｐゴシック" charset="0"/>
+              </a:defRPr>
+            </a:lvl3pPr>
+            <a:lvl4pPr marL="1600200" indent="-228600" eaLnBrk="0" hangingPunct="0">
+              <a:defRPr sz="3000">
+                <a:solidFill>
+                  <a:schemeClr val="tx1"/>
+                </a:solidFill>
+                <a:latin typeface="Arial" charset="0"/>
+                <a:ea typeface="ＭＳ Ｐゴシック" charset="0"/>
+              </a:defRPr>
+            </a:lvl4pPr>
+            <a:lvl5pPr marL="2057400" indent="-228600" eaLnBrk="0" hangingPunct="0">
+              <a:defRPr sz="3000">
+                <a:solidFill>
+                  <a:schemeClr val="tx1"/>
+                </a:solidFill>
+                <a:latin typeface="Arial" charset="0"/>
+                <a:ea typeface="ＭＳ Ｐゴシック" charset="0"/>
+              </a:defRPr>
+            </a:lvl5pPr>
+            <a:lvl6pPr marL="2514600" indent="-228600" defTabSz="773113" eaLnBrk="0" fontAlgn="base" hangingPunct="0">
+              <a:spcBef>
+                <a:spcPct val="0"/>
+              </a:spcBef>
+              <a:spcAft>
+                <a:spcPct val="0"/>
+              </a:spcAft>
+              <a:defRPr sz="3000">
+                <a:solidFill>
+                  <a:schemeClr val="tx1"/>
+                </a:solidFill>
+                <a:latin typeface="Arial" charset="0"/>
+                <a:ea typeface="ＭＳ Ｐゴシック" charset="0"/>
+              </a:defRPr>
+            </a:lvl6pPr>
+            <a:lvl7pPr marL="2971800" indent="-228600" defTabSz="773113" eaLnBrk="0" fontAlgn="base" hangingPunct="0">
+              <a:spcBef>
+                <a:spcPct val="0"/>
+              </a:spcBef>
+              <a:spcAft>
+                <a:spcPct val="0"/>
+              </a:spcAft>
+              <a:defRPr sz="3000">
+                <a:solidFill>
+                  <a:schemeClr val="tx1"/>
+                </a:solidFill>
+                <a:latin typeface="Arial" charset="0"/>
+                <a:ea typeface="ＭＳ Ｐゴシック" charset="0"/>
+              </a:defRPr>
+            </a:lvl7pPr>
+            <a:lvl8pPr marL="3429000" indent="-228600" defTabSz="773113" eaLnBrk="0" fontAlgn="base" hangingPunct="0">
+              <a:spcBef>
+                <a:spcPct val="0"/>
+              </a:spcBef>
+              <a:spcAft>
+                <a:spcPct val="0"/>
+              </a:spcAft>
+              <a:defRPr sz="3000">
+                <a:solidFill>
+                  <a:schemeClr val="tx1"/>
+                </a:solidFill>
+                <a:latin typeface="Arial" charset="0"/>
+                <a:ea typeface="ＭＳ Ｐゴシック" charset="0"/>
+              </a:defRPr>
+            </a:lvl8pPr>
+            <a:lvl9pPr marL="3886200" indent="-228600" defTabSz="773113" eaLnBrk="0" fontAlgn="base" hangingPunct="0">
+              <a:spcBef>
+                <a:spcPct val="0"/>
+              </a:spcBef>
+              <a:spcAft>
+                <a:spcPct val="0"/>
+              </a:spcAft>
+              <a:defRPr sz="3000">
+                <a:solidFill>
+                  <a:schemeClr val="tx1"/>
+                </a:solidFill>
+                <a:latin typeface="Arial" charset="0"/>
+                <a:ea typeface="ＭＳ Ｐゴシック" charset="0"/>
+              </a:defRPr>
+            </a:lvl9pPr>
+          </a:lstStyle>
+          <a:p>
+            <a:fld id="{12F579D4-BAC5-D946-87EB-0068FA8271F5}" type="slidenum">
+              <a:rPr lang="en-US" sz="1500" b="1">
+                <a:solidFill>
+                  <a:srgbClr val="7B7B7B"/>
+                </a:solidFill>
+              </a:rPr>
+              <a:pPr/>
+              <a:t>5</a:t>
+            </a:fld>
+            <a:endParaRPr lang="en-US" sz="1500" b="1">
+              <a:solidFill>
+                <a:srgbClr val="7B7B7B"/>
+              </a:solidFill>
+            </a:endParaRPr>
+          </a:p>
+        </p:txBody>
+      </p:sp>
+      <p:sp>
+        <p:nvSpPr>
+          <p:cNvPr id="22530" name="Rectangle 2"/>
+          <p:cNvSpPr>
+            <a:spLocks noGrp="1" noChangeArrowheads="1"/>
+          </p:cNvSpPr>
           <p:nvPr>
             <p:ph type="title"/>
           </p:nvPr>
         </p:nvSpPr>
-        <p:spPr/>
+        <p:spPr>
+          <a:xfrm>
+            <a:off x="541338" y="300038"/>
+            <a:ext cx="14724062" cy="1449387"/>
+          </a:xfrm>
+        </p:spPr>
         <p:txBody>
           <a:bodyPr/>
           <a:lstStyle/>
           <a:p>
-            <a:r>
-              <a:rPr lang="en-US" dirty="0" smtClean="0"/>
-              <a:t>Title</a:t>
-            </a:r>
-            <a:endParaRPr lang="en-US" dirty="0"/>
-          </a:p>
-        </p:txBody>
-      </p:sp>
-      <p:sp>
-        <p:nvSpPr>
-          <p:cNvPr id="4" name="Content Placeholder 3"/>
+            <a:pPr eaLnBrk="1" hangingPunct="1"/>
+            <a:r>
+              <a:rPr lang="en-US" dirty="0">
+                <a:latin typeface="Arial" charset="0"/>
+                <a:ea typeface="ＭＳ Ｐゴシック" charset="0"/>
+              </a:rPr>
+              <a:t>JSON </a:t>
+            </a:r>
+            <a:r>
+              <a:rPr lang="en-US" dirty="0" smtClean="0">
+                <a:latin typeface="Arial" charset="0"/>
+                <a:ea typeface="ＭＳ Ｐゴシック" charset="0"/>
+              </a:rPr>
+              <a:t>Format Details</a:t>
+            </a:r>
+            <a:endParaRPr lang="en-US" dirty="0">
+              <a:latin typeface="Arial" charset="0"/>
+              <a:ea typeface="ＭＳ Ｐゴシック" charset="0"/>
+            </a:endParaRPr>
+          </a:p>
+        </p:txBody>
+      </p:sp>
+      <p:sp>
+        <p:nvSpPr>
+          <p:cNvPr id="22531" name="Content Placeholder 2"/>
           <p:cNvSpPr>
             <a:spLocks noGrp="1"/>
           </p:cNvSpPr>
@@ -5637,39 +6570,644 @@
             <p:ph idx="1"/>
           </p:nvPr>
         </p:nvSpPr>
-        <p:spPr/>
-        <p:txBody>
-          <a:bodyPr>
-            <a:normAutofit/>
-          </a:bodyPr>
+        <p:spPr>
+          <a:xfrm>
+            <a:off x="541338" y="1911350"/>
+            <a:ext cx="15878175" cy="6202363"/>
+          </a:xfrm>
+        </p:spPr>
+        <p:txBody>
+          <a:bodyPr/>
           <a:lstStyle/>
           <a:p>
-            <a:r>
-              <a:rPr lang="en-US" sz="3200" dirty="0" smtClean="0"/>
-              <a:t>Content</a:t>
-            </a:r>
-          </a:p>
-          <a:p>
-            <a:endParaRPr lang="en-US" sz="3200" dirty="0"/>
+            <a:pPr marL="479425" indent="-479425">
+              <a:spcBef>
+                <a:spcPct val="50000"/>
+              </a:spcBef>
+              <a:buFontTx/>
+              <a:buBlip>
+                <a:blip r:embed="rId3"/>
+              </a:buBlip>
+            </a:pPr>
+            <a:r>
+              <a:rPr lang="en-US" sz="3200" b="1" dirty="0">
+                <a:solidFill>
+                  <a:srgbClr val="23383A"/>
+                </a:solidFill>
+                <a:latin typeface="Arial" charset="0"/>
+                <a:ea typeface="ＭＳ Ｐゴシック" charset="0"/>
+              </a:rPr>
+              <a:t>Object</a:t>
+            </a:r>
+            <a:endParaRPr lang="en-US" sz="3200" dirty="0">
+              <a:solidFill>
+                <a:srgbClr val="23383A"/>
+              </a:solidFill>
+              <a:latin typeface="Arial" charset="0"/>
+              <a:ea typeface="ＭＳ Ｐゴシック" charset="0"/>
+            </a:endParaRPr>
+          </a:p>
+          <a:p>
+            <a:pPr marL="1169988" lvl="1" indent="-396875">
+              <a:spcBef>
+                <a:spcPct val="15000"/>
+              </a:spcBef>
+              <a:spcAft>
+                <a:spcPct val="5000"/>
+              </a:spcAft>
+              <a:buFontTx/>
+              <a:buBlip>
+                <a:blip r:embed="rId4"/>
+              </a:buBlip>
+            </a:pPr>
+            <a:r>
+              <a:rPr lang="en-US" sz="3200" dirty="0" smtClean="0">
+                <a:solidFill>
+                  <a:srgbClr val="23383A"/>
+                </a:solidFill>
+                <a:latin typeface="Arial" charset="0"/>
+                <a:ea typeface="ＭＳ Ｐゴシック" charset="0"/>
+                <a:cs typeface="ＭＳ Ｐゴシック" charset="0"/>
+              </a:rPr>
+              <a:t>Unordered </a:t>
+            </a:r>
+            <a:r>
+              <a:rPr lang="en-US" sz="3200" dirty="0">
+                <a:solidFill>
+                  <a:srgbClr val="23383A"/>
+                </a:solidFill>
+                <a:latin typeface="Arial" charset="0"/>
+                <a:ea typeface="ＭＳ Ｐゴシック" charset="0"/>
+                <a:cs typeface="ＭＳ Ｐゴシック" charset="0"/>
+              </a:rPr>
+              <a:t>name/value pairs</a:t>
+            </a:r>
+          </a:p>
+          <a:p>
+            <a:pPr marL="1169988" lvl="1" indent="-396875">
+              <a:spcBef>
+                <a:spcPct val="15000"/>
+              </a:spcBef>
+              <a:spcAft>
+                <a:spcPct val="5000"/>
+              </a:spcAft>
+              <a:buFontTx/>
+              <a:buBlip>
+                <a:blip r:embed="rId4"/>
+              </a:buBlip>
+            </a:pPr>
+            <a:r>
+              <a:rPr lang="en-US" sz="3200" dirty="0" smtClean="0">
+                <a:solidFill>
+                  <a:srgbClr val="23383A"/>
+                </a:solidFill>
+                <a:latin typeface="Arial" charset="0"/>
+                <a:ea typeface="ＭＳ Ｐゴシック" charset="0"/>
+                <a:cs typeface="ＭＳ Ｐゴシック" charset="0"/>
+              </a:rPr>
+              <a:t>Begins </a:t>
+            </a:r>
+            <a:r>
+              <a:rPr lang="en-US" sz="3200" dirty="0">
+                <a:solidFill>
+                  <a:srgbClr val="23383A"/>
+                </a:solidFill>
+                <a:latin typeface="Arial" charset="0"/>
+                <a:ea typeface="ＭＳ Ｐゴシック" charset="0"/>
+                <a:cs typeface="ＭＳ Ｐゴシック" charset="0"/>
+              </a:rPr>
+              <a:t>with </a:t>
+            </a:r>
+            <a:r>
+              <a:rPr lang="en-US" sz="3200" b="1" dirty="0">
+                <a:solidFill>
+                  <a:srgbClr val="23383A"/>
+                </a:solidFill>
+                <a:latin typeface="Arial" charset="0"/>
+                <a:ea typeface="ＭＳ Ｐゴシック" charset="0"/>
+                <a:cs typeface="ＭＳ Ｐゴシック" charset="0"/>
+              </a:rPr>
+              <a:t>{</a:t>
+            </a:r>
+            <a:r>
+              <a:rPr lang="en-US" sz="3200" dirty="0">
+                <a:solidFill>
+                  <a:srgbClr val="23383A"/>
+                </a:solidFill>
+                <a:latin typeface="Arial" charset="0"/>
+                <a:ea typeface="ＭＳ Ｐゴシック" charset="0"/>
+                <a:cs typeface="ＭＳ Ｐゴシック" charset="0"/>
+              </a:rPr>
+              <a:t> and ends with </a:t>
+            </a:r>
+            <a:r>
+              <a:rPr lang="en-US" sz="3200" b="1" dirty="0">
+                <a:solidFill>
+                  <a:srgbClr val="23383A"/>
+                </a:solidFill>
+                <a:latin typeface="Arial" charset="0"/>
+                <a:ea typeface="ＭＳ Ｐゴシック" charset="0"/>
+                <a:cs typeface="ＭＳ Ｐゴシック" charset="0"/>
+              </a:rPr>
+              <a:t>}</a:t>
+            </a:r>
+          </a:p>
+          <a:p>
+            <a:pPr marL="1169988" lvl="1" indent="-396875">
+              <a:spcBef>
+                <a:spcPct val="15000"/>
+              </a:spcBef>
+              <a:spcAft>
+                <a:spcPct val="5000"/>
+              </a:spcAft>
+              <a:buFontTx/>
+              <a:buBlip>
+                <a:blip r:embed="rId4"/>
+              </a:buBlip>
+            </a:pPr>
+            <a:r>
+              <a:rPr lang="en-US" sz="3200" dirty="0" smtClean="0">
+                <a:solidFill>
+                  <a:srgbClr val="23383A"/>
+                </a:solidFill>
+                <a:latin typeface="Arial" charset="0"/>
+                <a:ea typeface="ＭＳ Ｐゴシック" charset="0"/>
+                <a:cs typeface="ＭＳ Ｐゴシック" charset="0"/>
+              </a:rPr>
+              <a:t>Name </a:t>
+            </a:r>
+            <a:r>
+              <a:rPr lang="en-US" sz="3200" dirty="0">
+                <a:solidFill>
+                  <a:srgbClr val="23383A"/>
+                </a:solidFill>
+                <a:latin typeface="Arial" charset="0"/>
+                <a:ea typeface="ＭＳ Ｐゴシック" charset="0"/>
+                <a:cs typeface="ＭＳ Ｐゴシック" charset="0"/>
+              </a:rPr>
+              <a:t>is followed by </a:t>
+            </a:r>
+            <a:r>
+              <a:rPr lang="en-US" sz="3200" b="1" dirty="0">
+                <a:solidFill>
+                  <a:srgbClr val="23383A"/>
+                </a:solidFill>
+                <a:latin typeface="Arial" charset="0"/>
+                <a:ea typeface="ＭＳ Ｐゴシック" charset="0"/>
+                <a:cs typeface="ＭＳ Ｐゴシック" charset="0"/>
+              </a:rPr>
+              <a:t>:</a:t>
+            </a:r>
+          </a:p>
+          <a:p>
+            <a:pPr marL="1169988" lvl="1" indent="-396875">
+              <a:spcBef>
+                <a:spcPct val="15000"/>
+              </a:spcBef>
+              <a:spcAft>
+                <a:spcPct val="5000"/>
+              </a:spcAft>
+              <a:buFontTx/>
+              <a:buBlip>
+                <a:blip r:embed="rId4"/>
+              </a:buBlip>
+            </a:pPr>
+            <a:r>
+              <a:rPr lang="en-US" sz="3200" dirty="0" smtClean="0">
+                <a:solidFill>
+                  <a:srgbClr val="23383A"/>
+                </a:solidFill>
+                <a:latin typeface="Arial" charset="0"/>
+                <a:ea typeface="ＭＳ Ｐゴシック" charset="0"/>
+                <a:cs typeface="ＭＳ Ｐゴシック" charset="0"/>
+              </a:rPr>
+              <a:t>Name</a:t>
+            </a:r>
+            <a:r>
+              <a:rPr lang="en-US" sz="3200" dirty="0">
+                <a:solidFill>
+                  <a:srgbClr val="23383A"/>
+                </a:solidFill>
+                <a:latin typeface="Arial" charset="0"/>
+                <a:ea typeface="ＭＳ Ｐゴシック" charset="0"/>
+                <a:cs typeface="ＭＳ Ｐゴシック" charset="0"/>
+              </a:rPr>
+              <a:t>/value pairs are separated by </a:t>
+            </a:r>
+            <a:r>
+              <a:rPr lang="en-US" sz="3200" b="1" dirty="0">
+                <a:solidFill>
+                  <a:srgbClr val="23383A"/>
+                </a:solidFill>
+                <a:latin typeface="Arial" charset="0"/>
+                <a:ea typeface="ＭＳ Ｐゴシック" charset="0"/>
+                <a:cs typeface="ＭＳ Ｐゴシック" charset="0"/>
+              </a:rPr>
+              <a:t>,</a:t>
+            </a:r>
+          </a:p>
+          <a:p>
+            <a:pPr marL="479425" indent="-479425">
+              <a:spcBef>
+                <a:spcPct val="15000"/>
+              </a:spcBef>
+              <a:spcAft>
+                <a:spcPct val="5000"/>
+              </a:spcAft>
+              <a:buFontTx/>
+              <a:buBlip>
+                <a:blip r:embed="rId4"/>
+              </a:buBlip>
+            </a:pPr>
+            <a:r>
+              <a:rPr lang="en-US" sz="3200" b="1" dirty="0">
+                <a:solidFill>
+                  <a:srgbClr val="23383A"/>
+                </a:solidFill>
+                <a:latin typeface="Arial" charset="0"/>
+                <a:ea typeface="ＭＳ Ｐゴシック" charset="0"/>
+              </a:rPr>
+              <a:t>Array</a:t>
+            </a:r>
+          </a:p>
+          <a:p>
+            <a:pPr marL="1169988" lvl="1" indent="-396875">
+              <a:spcBef>
+                <a:spcPct val="15000"/>
+              </a:spcBef>
+              <a:spcAft>
+                <a:spcPct val="5000"/>
+              </a:spcAft>
+              <a:buFontTx/>
+              <a:buBlip>
+                <a:blip r:embed="rId4"/>
+              </a:buBlip>
+            </a:pPr>
+            <a:r>
+              <a:rPr lang="en-US" sz="3200" dirty="0" smtClean="0">
+                <a:solidFill>
+                  <a:srgbClr val="23383A"/>
+                </a:solidFill>
+                <a:latin typeface="Arial" charset="0"/>
+                <a:ea typeface="ＭＳ Ｐゴシック" charset="0"/>
+                <a:cs typeface="ＭＳ Ｐゴシック" charset="0"/>
+              </a:rPr>
+              <a:t>Collection </a:t>
+            </a:r>
+            <a:r>
+              <a:rPr lang="en-US" sz="3200" dirty="0">
+                <a:solidFill>
+                  <a:srgbClr val="23383A"/>
+                </a:solidFill>
+                <a:latin typeface="Arial" charset="0"/>
+                <a:ea typeface="ＭＳ Ｐゴシック" charset="0"/>
+                <a:cs typeface="ＭＳ Ｐゴシック" charset="0"/>
+              </a:rPr>
+              <a:t>of values</a:t>
+            </a:r>
+          </a:p>
+          <a:p>
+            <a:pPr marL="1169988" lvl="1" indent="-396875">
+              <a:spcBef>
+                <a:spcPct val="15000"/>
+              </a:spcBef>
+              <a:spcAft>
+                <a:spcPct val="5000"/>
+              </a:spcAft>
+              <a:buFontTx/>
+              <a:buBlip>
+                <a:blip r:embed="rId4"/>
+              </a:buBlip>
+            </a:pPr>
+            <a:r>
+              <a:rPr lang="en-US" sz="3200" dirty="0" smtClean="0">
+                <a:solidFill>
+                  <a:srgbClr val="23383A"/>
+                </a:solidFill>
+                <a:latin typeface="Arial" charset="0"/>
+                <a:ea typeface="ＭＳ Ｐゴシック" charset="0"/>
+                <a:cs typeface="ＭＳ Ｐゴシック" charset="0"/>
+              </a:rPr>
+              <a:t>Begins </a:t>
+            </a:r>
+            <a:r>
+              <a:rPr lang="en-US" sz="3200" dirty="0">
+                <a:solidFill>
+                  <a:srgbClr val="23383A"/>
+                </a:solidFill>
+                <a:latin typeface="Arial" charset="0"/>
+                <a:ea typeface="ＭＳ Ｐゴシック" charset="0"/>
+                <a:cs typeface="ＭＳ Ｐゴシック" charset="0"/>
+              </a:rPr>
+              <a:t>with </a:t>
+            </a:r>
+            <a:r>
+              <a:rPr lang="en-US" sz="3200" b="1" dirty="0">
+                <a:solidFill>
+                  <a:srgbClr val="23383A"/>
+                </a:solidFill>
+                <a:latin typeface="Arial" charset="0"/>
+                <a:ea typeface="ＭＳ Ｐゴシック" charset="0"/>
+                <a:cs typeface="ＭＳ Ｐゴシック" charset="0"/>
+              </a:rPr>
+              <a:t>[</a:t>
+            </a:r>
+            <a:r>
+              <a:rPr lang="en-US" sz="3200" dirty="0">
+                <a:solidFill>
+                  <a:srgbClr val="23383A"/>
+                </a:solidFill>
+                <a:latin typeface="Arial" charset="0"/>
+                <a:ea typeface="ＭＳ Ｐゴシック" charset="0"/>
+                <a:cs typeface="ＭＳ Ｐゴシック" charset="0"/>
+              </a:rPr>
+              <a:t> and ends with </a:t>
+            </a:r>
+            <a:r>
+              <a:rPr lang="en-US" sz="3200" b="1" dirty="0">
+                <a:solidFill>
+                  <a:srgbClr val="23383A"/>
+                </a:solidFill>
+                <a:latin typeface="Arial" charset="0"/>
+                <a:ea typeface="ＭＳ Ｐゴシック" charset="0"/>
+                <a:cs typeface="ＭＳ Ｐゴシック" charset="0"/>
+              </a:rPr>
+              <a:t>]</a:t>
+            </a:r>
+            <a:endParaRPr lang="en-US" sz="3200" dirty="0">
+              <a:solidFill>
+                <a:srgbClr val="23383A"/>
+              </a:solidFill>
+              <a:latin typeface="Arial" charset="0"/>
+              <a:ea typeface="ＭＳ Ｐゴシック" charset="0"/>
+              <a:cs typeface="ＭＳ Ｐゴシック" charset="0"/>
+            </a:endParaRPr>
+          </a:p>
+          <a:p>
+            <a:pPr marL="1169988" lvl="1" indent="-396875">
+              <a:spcBef>
+                <a:spcPct val="15000"/>
+              </a:spcBef>
+              <a:spcAft>
+                <a:spcPct val="5000"/>
+              </a:spcAft>
+              <a:buFontTx/>
+              <a:buBlip>
+                <a:blip r:embed="rId4"/>
+              </a:buBlip>
+            </a:pPr>
+            <a:r>
+              <a:rPr lang="en-US" sz="3200" dirty="0" smtClean="0">
+                <a:solidFill>
+                  <a:srgbClr val="23383A"/>
+                </a:solidFill>
+                <a:latin typeface="Arial" charset="0"/>
+                <a:ea typeface="ＭＳ Ｐゴシック" charset="0"/>
+                <a:cs typeface="ＭＳ Ｐゴシック" charset="0"/>
+              </a:rPr>
+              <a:t>Values </a:t>
+            </a:r>
+            <a:r>
+              <a:rPr lang="en-US" sz="3200" dirty="0">
+                <a:solidFill>
+                  <a:srgbClr val="23383A"/>
+                </a:solidFill>
+                <a:latin typeface="Arial" charset="0"/>
+                <a:ea typeface="ＭＳ Ｐゴシック" charset="0"/>
+                <a:cs typeface="ＭＳ Ｐゴシック" charset="0"/>
+              </a:rPr>
+              <a:t>are separated by </a:t>
+            </a:r>
+            <a:r>
+              <a:rPr lang="en-US" sz="3200" b="1" dirty="0">
+                <a:solidFill>
+                  <a:srgbClr val="23383A"/>
+                </a:solidFill>
+                <a:latin typeface="Arial" charset="0"/>
+                <a:ea typeface="ＭＳ Ｐゴシック" charset="0"/>
+                <a:cs typeface="ＭＳ Ｐゴシック" charset="0"/>
+              </a:rPr>
+              <a:t>,</a:t>
+            </a:r>
+            <a:r>
+              <a:rPr lang="en-US" sz="3200" dirty="0">
+                <a:latin typeface="Arial" charset="0"/>
+                <a:ea typeface="ＭＳ Ｐゴシック" charset="0"/>
+              </a:rPr>
+              <a:t> </a:t>
+            </a:r>
+            <a:endParaRPr lang="en-US" sz="3200" dirty="0">
+              <a:solidFill>
+                <a:srgbClr val="23383A"/>
+              </a:solidFill>
+              <a:latin typeface="Arial" charset="0"/>
+              <a:ea typeface="ＭＳ Ｐゴシック" charset="0"/>
+              <a:cs typeface="ＭＳ Ｐゴシック" charset="0"/>
+            </a:endParaRPr>
+          </a:p>
+          <a:p>
+            <a:pPr marL="479425" indent="-479425">
+              <a:spcBef>
+                <a:spcPct val="15000"/>
+              </a:spcBef>
+              <a:spcAft>
+                <a:spcPct val="5000"/>
+              </a:spcAft>
+              <a:buFontTx/>
+              <a:buBlip>
+                <a:blip r:embed="rId4"/>
+              </a:buBlip>
+            </a:pPr>
+            <a:r>
+              <a:rPr lang="en-US" sz="3200" dirty="0">
+                <a:solidFill>
+                  <a:srgbClr val="23383A"/>
+                </a:solidFill>
+                <a:latin typeface="Arial" charset="0"/>
+                <a:ea typeface="ＭＳ Ｐゴシック" charset="0"/>
+                <a:cs typeface="ＭＳ Ｐゴシック" charset="0"/>
+              </a:rPr>
+              <a:t>If you are not familiar with JSON, see: </a:t>
+            </a:r>
+            <a:r>
+              <a:rPr lang="en-US" sz="3200" dirty="0">
+                <a:solidFill>
+                  <a:srgbClr val="23383A"/>
+                </a:solidFill>
+                <a:latin typeface="Arial" charset="0"/>
+                <a:ea typeface="ＭＳ Ｐゴシック" charset="0"/>
+                <a:cs typeface="ＭＳ Ｐゴシック" charset="0"/>
+                <a:hlinkClick r:id="rId5"/>
+              </a:rPr>
+              <a:t>Using JSON</a:t>
+            </a:r>
+            <a:endParaRPr lang="en-US" sz="3200" dirty="0">
+              <a:solidFill>
+                <a:srgbClr val="23383A"/>
+              </a:solidFill>
+              <a:latin typeface="Arial" charset="0"/>
+              <a:ea typeface="ＭＳ Ｐゴシック" charset="0"/>
+              <a:cs typeface="ＭＳ Ｐゴシック" charset="0"/>
+            </a:endParaRPr>
+          </a:p>
+        </p:txBody>
+      </p:sp>
+      <p:sp>
+        <p:nvSpPr>
+          <p:cNvPr id="249860" name="Rectangle 4"/>
+          <p:cNvSpPr>
+            <a:spLocks noChangeArrowheads="1"/>
+          </p:cNvSpPr>
+          <p:nvPr/>
+        </p:nvSpPr>
+        <p:spPr bwMode="auto">
+          <a:xfrm>
+            <a:off x="866775" y="1733550"/>
+            <a:ext cx="15305088" cy="6497638"/>
+          </a:xfrm>
+          <a:prstGeom prst="rect">
+            <a:avLst/>
+          </a:prstGeom>
+          <a:noFill/>
+          <a:ln>
+            <a:noFill/>
+          </a:ln>
+          <a:extLst>
+            <a:ext uri="{909E8E84-426E-40dd-AFC4-6F175D3DCCD1}">
+              <a14:hiddenFill xmlns:a14="http://schemas.microsoft.com/office/drawing/2010/main">
+                <a:solidFill>
+                  <a:srgbClr val="FFFFFF"/>
+                </a:solidFill>
+              </a14:hiddenFill>
+            </a:ext>
+            <a:ext uri="{91240B29-F687-4f45-9708-019B960494DF}">
+              <a14:hiddenLine xmlns:a14="http://schemas.microsoft.com/office/drawing/2010/main" w="9525">
+                <a:solidFill>
+                  <a:srgbClr val="000000"/>
+                </a:solidFill>
+                <a:miter lim="800000"/>
+                <a:headEnd/>
+                <a:tailEnd/>
+              </a14:hiddenLine>
+            </a:ext>
+          </a:extLst>
+        </p:spPr>
+        <p:txBody>
+          <a:bodyPr lIns="154707" tIns="77354" rIns="154707" bIns="77354"/>
+          <a:lstStyle/>
+          <a:p>
+            <a:pPr marL="479425" indent="-479425">
+              <a:spcBef>
+                <a:spcPct val="50000"/>
+              </a:spcBef>
+              <a:buFontTx/>
+              <a:buBlip>
+                <a:blip r:embed="rId3"/>
+              </a:buBlip>
+            </a:pPr>
+            <a:endParaRPr lang="en-US" sz="4100">
+              <a:solidFill>
+                <a:srgbClr val="23383A"/>
+              </a:solidFill>
+            </a:endParaRPr>
           </a:p>
         </p:txBody>
       </p:sp>
     </p:spTree>
     <p:extLst>
       <p:ext uri="{BB962C8B-B14F-4D97-AF65-F5344CB8AC3E}">
-        <p14:creationId xmlns:p14="http://schemas.microsoft.com/office/powerpoint/2010/main" val="2514608167"/>
+        <p14:creationId xmlns:p14="http://schemas.microsoft.com/office/powerpoint/2010/main" val="1205781187"/>
       </p:ext>
     </p:extLst>
   </p:cSld>
   <p:clrMapOvr>
     <a:masterClrMapping/>
   </p:clrMapOvr>
+  <p:transition xmlns:p14="http://schemas.microsoft.com/office/powerpoint/2010/main">
+    <p:fade/>
+  </p:transition>
   <p:timing>
     <p:tnLst>
       <p:par>
-        <p:cTn xmlns:p14="http://schemas.microsoft.com/office/powerpoint/2010/main" id="1" dur="indefinite" restart="never" nodeType="tmRoot"/>
+        <p:cTn xmlns:p14="http://schemas.microsoft.com/office/powerpoint/2010/main" id="1" dur="indefinite" restart="never" nodeType="tmRoot">
+          <p:childTnLst>
+            <p:seq concurrent="1" nextAc="seek">
+              <p:cTn id="2" dur="indefinite" nodeType="mainSeq">
+                <p:childTnLst>
+                  <p:par>
+                    <p:cTn id="3" fill="hold" nodeType="clickPar">
+                      <p:stCondLst>
+                        <p:cond delay="indefinite"/>
+                      </p:stCondLst>
+                      <p:childTnLst>
+                        <p:par>
+                          <p:cTn id="4" fill="hold" nodeType="withGroup">
+                            <p:stCondLst>
+                              <p:cond delay="0"/>
+                            </p:stCondLst>
+                            <p:childTnLst>
+                              <p:par>
+                                <p:cTn id="5" presetID="1" presetClass="entr" presetSubtype="0" fill="hold" grpId="0" nodeType="clickEffect" nodePh="1">
+                                  <p:stCondLst>
+                                    <p:cond delay="0"/>
+                                  </p:stCondLst>
+                                  <p:endCondLst>
+                                    <p:cond evt="begin" delay="0">
+                                      <p:tn val="5"/>
+                                    </p:cond>
+                                  </p:endCondLst>
+                                  <p:childTnLst>
+                                    <p:set>
+                                      <p:cBhvr>
+                                        <p:cTn id="6" dur="1" fill="hold">
+                                          <p:stCondLst>
+                                            <p:cond delay="0"/>
+                                          </p:stCondLst>
+                                        </p:cTn>
+                                        <p:tgtEl>
+                                          <p:spTgt spid="249860"/>
+                                        </p:tgtEl>
+                                        <p:attrNameLst>
+                                          <p:attrName>style.visibility</p:attrName>
+                                        </p:attrNameLst>
+                                      </p:cBhvr>
+                                      <p:to>
+                                        <p:strVal val="visible"/>
+                                      </p:to>
+                                    </p:set>
+                                  </p:childTnLst>
+                                </p:cTn>
+                              </p:par>
+                            </p:childTnLst>
+                          </p:cTn>
+                        </p:par>
+                      </p:childTnLst>
+                    </p:cTn>
+                  </p:par>
+                </p:childTnLst>
+              </p:cTn>
+              <p:prevCondLst>
+                <p:cond evt="onPrev" delay="0">
+                  <p:tgtEl>
+                    <p:sldTgt/>
+                  </p:tgtEl>
+                </p:cond>
+              </p:prevCondLst>
+              <p:nextCondLst>
+                <p:cond evt="onNext" delay="0">
+                  <p:tgtEl>
+                    <p:sldTgt/>
+                  </p:tgtEl>
+                </p:cond>
+              </p:nextCondLst>
+            </p:seq>
+          </p:childTnLst>
+        </p:cTn>
       </p:par>
     </p:tnLst>
+    <p:bldLst>
+      <p:bldP spid="249860" grpId="0"/>
+    </p:bldLst>
   </p:timing>
 </p:sld>
 </file>
@@ -5693,6 +7231,917 @@
       </p:grpSpPr>
       <p:sp>
         <p:nvSpPr>
+          <p:cNvPr id="3" name="Title 2"/>
+          <p:cNvSpPr>
+            <a:spLocks noGrp="1"/>
+          </p:cNvSpPr>
+          <p:nvPr>
+            <p:ph type="title"/>
+          </p:nvPr>
+        </p:nvSpPr>
+        <p:spPr/>
+        <p:txBody>
+          <a:bodyPr/>
+          <a:lstStyle/>
+          <a:p>
+            <a:r>
+              <a:rPr lang="en-US" dirty="0" err="1" smtClean="0"/>
+              <a:t>json</a:t>
+            </a:r>
+            <a:r>
+              <a:rPr lang="en-US" dirty="0" smtClean="0"/>
+              <a:t> example</a:t>
+            </a:r>
+            <a:endParaRPr lang="en-US" dirty="0"/>
+          </a:p>
+        </p:txBody>
+      </p:sp>
+      <p:sp>
+        <p:nvSpPr>
+          <p:cNvPr id="4" name="Content Placeholder 3"/>
+          <p:cNvSpPr>
+            <a:spLocks noGrp="1"/>
+          </p:cNvSpPr>
+          <p:nvPr>
+            <p:ph idx="1"/>
+          </p:nvPr>
+        </p:nvSpPr>
+        <p:spPr/>
+        <p:txBody>
+          <a:bodyPr>
+            <a:normAutofit fontScale="92500" lnSpcReduction="10000"/>
+          </a:bodyPr>
+          <a:lstStyle/>
+          <a:p>
+            <a:pPr marL="0" indent="0">
+              <a:buNone/>
+            </a:pPr>
+            <a:r>
+              <a:rPr lang="en-US" sz="3200" dirty="0">
+                <a:latin typeface="Source Code Pro"/>
+                <a:cs typeface="Source Code Pro"/>
+              </a:rPr>
+              <a:t>{</a:t>
+            </a:r>
+          </a:p>
+          <a:p>
+            <a:pPr marL="0" indent="0">
+              <a:buNone/>
+            </a:pPr>
+            <a:r>
+              <a:rPr lang="en-US" sz="3200" dirty="0">
+                <a:latin typeface="Source Code Pro"/>
+                <a:cs typeface="Source Code Pro"/>
+              </a:rPr>
+              <a:t>  "items": [</a:t>
+            </a:r>
+          </a:p>
+          <a:p>
+            <a:pPr marL="0" indent="0">
+              <a:buNone/>
+            </a:pPr>
+            <a:r>
+              <a:rPr lang="en-US" sz="3200" dirty="0">
+                <a:latin typeface="Source Code Pro"/>
+                <a:cs typeface="Source Code Pro"/>
+              </a:rPr>
+              <a:t>    {</a:t>
+            </a:r>
+          </a:p>
+          <a:p>
+            <a:pPr marL="0" indent="0">
+              <a:buNone/>
+            </a:pPr>
+            <a:r>
+              <a:rPr lang="en-US" sz="3200" dirty="0">
+                <a:latin typeface="Source Code Pro"/>
+                <a:cs typeface="Source Code Pro"/>
+              </a:rPr>
+              <a:t>      "id": 1969844728001,</a:t>
+            </a:r>
+          </a:p>
+          <a:p>
+            <a:pPr marL="0" indent="0">
+              <a:buNone/>
+            </a:pPr>
+            <a:r>
+              <a:rPr lang="en-US" sz="3200" dirty="0">
+                <a:latin typeface="Source Code Pro"/>
+                <a:cs typeface="Source Code Pro"/>
+              </a:rPr>
+              <a:t>      "name": "Water-Splashing",</a:t>
+            </a:r>
+          </a:p>
+          <a:p>
+            <a:pPr marL="0" indent="0">
+              <a:buNone/>
+            </a:pPr>
+            <a:r>
+              <a:rPr lang="en-US" sz="3200" dirty="0">
+                <a:latin typeface="Source Code Pro"/>
+                <a:cs typeface="Source Code Pro"/>
+              </a:rPr>
+              <a:t>      "</a:t>
+            </a:r>
+            <a:r>
+              <a:rPr lang="en-US" sz="3200" dirty="0" err="1">
+                <a:latin typeface="Source Code Pro"/>
+                <a:cs typeface="Source Code Pro"/>
+              </a:rPr>
+              <a:t>shortDescription</a:t>
+            </a:r>
+            <a:r>
+              <a:rPr lang="en-US" sz="3200" dirty="0">
+                <a:latin typeface="Source Code Pro"/>
+                <a:cs typeface="Source Code Pro"/>
+              </a:rPr>
+              <a:t>": "Water-Splashing1"</a:t>
+            </a:r>
+          </a:p>
+          <a:p>
+            <a:pPr marL="0" indent="0">
+              <a:buNone/>
+            </a:pPr>
+            <a:r>
+              <a:rPr lang="en-US" sz="3200" dirty="0">
+                <a:latin typeface="Source Code Pro"/>
+                <a:cs typeface="Source Code Pro"/>
+              </a:rPr>
+              <a:t>    }</a:t>
+            </a:r>
+          </a:p>
+          <a:p>
+            <a:pPr marL="0" indent="0">
+              <a:buNone/>
+            </a:pPr>
+            <a:r>
+              <a:rPr lang="en-US" sz="3200" dirty="0">
+                <a:latin typeface="Source Code Pro"/>
+                <a:cs typeface="Source Code Pro"/>
+              </a:rPr>
+              <a:t>  ],</a:t>
+            </a:r>
+          </a:p>
+          <a:p>
+            <a:pPr marL="0" indent="0">
+              <a:buNone/>
+            </a:pPr>
+            <a:r>
+              <a:rPr lang="en-US" sz="3200" dirty="0">
+                <a:latin typeface="Source Code Pro"/>
+                <a:cs typeface="Source Code Pro"/>
+              </a:rPr>
+              <a:t>  "</a:t>
+            </a:r>
+            <a:r>
+              <a:rPr lang="en-US" sz="3200" dirty="0" err="1">
+                <a:latin typeface="Source Code Pro"/>
+                <a:cs typeface="Source Code Pro"/>
+              </a:rPr>
+              <a:t>page_number</a:t>
+            </a:r>
+            <a:r>
+              <a:rPr lang="en-US" sz="3200" dirty="0">
+                <a:latin typeface="Source Code Pro"/>
+                <a:cs typeface="Source Code Pro"/>
+              </a:rPr>
+              <a:t>": 0,</a:t>
+            </a:r>
+          </a:p>
+          <a:p>
+            <a:pPr marL="0" indent="0">
+              <a:buNone/>
+            </a:pPr>
+            <a:r>
+              <a:rPr lang="en-US" sz="3200" dirty="0">
+                <a:latin typeface="Source Code Pro"/>
+                <a:cs typeface="Source Code Pro"/>
+              </a:rPr>
+              <a:t>  "</a:t>
+            </a:r>
+            <a:r>
+              <a:rPr lang="en-US" sz="3200" dirty="0" err="1">
+                <a:latin typeface="Source Code Pro"/>
+                <a:cs typeface="Source Code Pro"/>
+              </a:rPr>
+              <a:t>page_size</a:t>
+            </a:r>
+            <a:r>
+              <a:rPr lang="en-US" sz="3200" dirty="0">
+                <a:latin typeface="Source Code Pro"/>
+                <a:cs typeface="Source Code Pro"/>
+              </a:rPr>
+              <a:t>": 5,</a:t>
+            </a:r>
+          </a:p>
+          <a:p>
+            <a:pPr marL="0" indent="0">
+              <a:buNone/>
+            </a:pPr>
+            <a:r>
+              <a:rPr lang="en-US" sz="3200" dirty="0">
+                <a:latin typeface="Source Code Pro"/>
+                <a:cs typeface="Source Code Pro"/>
+              </a:rPr>
+              <a:t>  "</a:t>
+            </a:r>
+            <a:r>
+              <a:rPr lang="en-US" sz="3200" dirty="0" err="1">
+                <a:latin typeface="Source Code Pro"/>
+                <a:cs typeface="Source Code Pro"/>
+              </a:rPr>
+              <a:t>total_count</a:t>
+            </a:r>
+            <a:r>
+              <a:rPr lang="en-US" sz="3200" dirty="0">
+                <a:latin typeface="Source Code Pro"/>
+                <a:cs typeface="Source Code Pro"/>
+              </a:rPr>
+              <a:t>": 1</a:t>
+            </a:r>
+          </a:p>
+          <a:p>
+            <a:pPr marL="0" indent="0">
+              <a:buNone/>
+            </a:pPr>
+            <a:r>
+              <a:rPr lang="en-US" sz="3200" dirty="0">
+                <a:latin typeface="Source Code Pro"/>
+                <a:cs typeface="Source Code Pro"/>
+              </a:rPr>
+              <a:t>}</a:t>
+            </a:r>
+            <a:endParaRPr lang="en-US" sz="3200" dirty="0">
+              <a:latin typeface="Source Code Pro"/>
+              <a:cs typeface="Source Code Pro"/>
+            </a:endParaRPr>
+          </a:p>
+        </p:txBody>
+      </p:sp>
+    </p:spTree>
+    <p:extLst>
+      <p:ext uri="{BB962C8B-B14F-4D97-AF65-F5344CB8AC3E}">
+        <p14:creationId xmlns:p14="http://schemas.microsoft.com/office/powerpoint/2010/main" val="3592400868"/>
+      </p:ext>
+    </p:extLst>
+  </p:cSld>
+  <p:clrMapOvr>
+    <a:masterClrMapping/>
+  </p:clrMapOvr>
+  <p:timing>
+    <p:tnLst>
+      <p:par>
+        <p:cTn xmlns:p14="http://schemas.microsoft.com/office/powerpoint/2010/main" id="1" dur="indefinite" restart="never" nodeType="tmRoot"/>
+      </p:par>
+    </p:tnLst>
+  </p:timing>
+</p:sld>
+</file>
+
+<file path=ppt/slides/slide7.xml><?xml version="1.0" encoding="utf-8"?>
+<p:sld xmlns:a="http://schemas.openxmlformats.org/drawingml/2006/main" xmlns:r="http://schemas.openxmlformats.org/officeDocument/2006/relationships" xmlns:p="http://schemas.openxmlformats.org/presentationml/2006/main">
+  <p:cSld>
+    <p:spTree>
+      <p:nvGrpSpPr>
+        <p:cNvPr id="1" name=""/>
+        <p:cNvGrpSpPr/>
+        <p:nvPr/>
+      </p:nvGrpSpPr>
+      <p:grpSpPr>
+        <a:xfrm>
+          <a:off x="0" y="0"/>
+          <a:ext cx="0" cy="0"/>
+          <a:chOff x="0" y="0"/>
+          <a:chExt cx="0" cy="0"/>
+        </a:xfrm>
+      </p:grpSpPr>
+      <p:sp>
+        <p:nvSpPr>
+          <p:cNvPr id="18433" name="Slide Number Placeholder 4"/>
+          <p:cNvSpPr txBox="1">
+            <a:spLocks noGrp="1"/>
+          </p:cNvSpPr>
+          <p:nvPr/>
+        </p:nvSpPr>
+        <p:spPr bwMode="auto">
+          <a:xfrm>
+            <a:off x="315913" y="9190038"/>
+            <a:ext cx="866775" cy="541337"/>
+          </a:xfrm>
+          <a:prstGeom prst="rect">
+            <a:avLst/>
+          </a:prstGeom>
+          <a:noFill/>
+          <a:ln>
+            <a:noFill/>
+          </a:ln>
+          <a:extLst>
+            <a:ext uri="{909E8E84-426E-40dd-AFC4-6F175D3DCCD1}">
+              <a14:hiddenFill xmlns:a14="http://schemas.microsoft.com/office/drawing/2010/main">
+                <a:solidFill>
+                  <a:srgbClr val="FFFFFF"/>
+                </a:solidFill>
+              </a14:hiddenFill>
+            </a:ext>
+            <a:ext uri="{91240B29-F687-4f45-9708-019B960494DF}">
+              <a14:hiddenLine xmlns:a14="http://schemas.microsoft.com/office/drawing/2010/main" w="9525">
+                <a:solidFill>
+                  <a:srgbClr val="000000"/>
+                </a:solidFill>
+                <a:miter lim="800000"/>
+                <a:headEnd/>
+                <a:tailEnd/>
+              </a14:hiddenLine>
+            </a:ext>
+          </a:extLst>
+        </p:spPr>
+        <p:txBody>
+          <a:bodyPr lIns="154707" tIns="77354" rIns="154707" bIns="77354"/>
+          <a:lstStyle>
+            <a:lvl1pPr eaLnBrk="0" hangingPunct="0">
+              <a:defRPr sz="3000">
+                <a:solidFill>
+                  <a:schemeClr val="tx1"/>
+                </a:solidFill>
+                <a:latin typeface="Arial" charset="0"/>
+                <a:ea typeface="ＭＳ Ｐゴシック" charset="0"/>
+                <a:cs typeface="ＭＳ Ｐゴシック" charset="0"/>
+              </a:defRPr>
+            </a:lvl1pPr>
+            <a:lvl2pPr marL="742950" indent="-285750" eaLnBrk="0" hangingPunct="0">
+              <a:defRPr sz="3000">
+                <a:solidFill>
+                  <a:schemeClr val="tx1"/>
+                </a:solidFill>
+                <a:latin typeface="Arial" charset="0"/>
+                <a:ea typeface="ＭＳ Ｐゴシック" charset="0"/>
+              </a:defRPr>
+            </a:lvl2pPr>
+            <a:lvl3pPr marL="1143000" indent="-228600" eaLnBrk="0" hangingPunct="0">
+              <a:defRPr sz="3000">
+                <a:solidFill>
+                  <a:schemeClr val="tx1"/>
+                </a:solidFill>
+                <a:latin typeface="Arial" charset="0"/>
+                <a:ea typeface="ＭＳ Ｐゴシック" charset="0"/>
+              </a:defRPr>
+            </a:lvl3pPr>
+            <a:lvl4pPr marL="1600200" indent="-228600" eaLnBrk="0" hangingPunct="0">
+              <a:defRPr sz="3000">
+                <a:solidFill>
+                  <a:schemeClr val="tx1"/>
+                </a:solidFill>
+                <a:latin typeface="Arial" charset="0"/>
+                <a:ea typeface="ＭＳ Ｐゴシック" charset="0"/>
+              </a:defRPr>
+            </a:lvl4pPr>
+            <a:lvl5pPr marL="2057400" indent="-228600" eaLnBrk="0" hangingPunct="0">
+              <a:defRPr sz="3000">
+                <a:solidFill>
+                  <a:schemeClr val="tx1"/>
+                </a:solidFill>
+                <a:latin typeface="Arial" charset="0"/>
+                <a:ea typeface="ＭＳ Ｐゴシック" charset="0"/>
+              </a:defRPr>
+            </a:lvl5pPr>
+            <a:lvl6pPr marL="2514600" indent="-228600" defTabSz="773113" eaLnBrk="0" fontAlgn="base" hangingPunct="0">
+              <a:spcBef>
+                <a:spcPct val="0"/>
+              </a:spcBef>
+              <a:spcAft>
+                <a:spcPct val="0"/>
+              </a:spcAft>
+              <a:defRPr sz="3000">
+                <a:solidFill>
+                  <a:schemeClr val="tx1"/>
+                </a:solidFill>
+                <a:latin typeface="Arial" charset="0"/>
+                <a:ea typeface="ＭＳ Ｐゴシック" charset="0"/>
+              </a:defRPr>
+            </a:lvl6pPr>
+            <a:lvl7pPr marL="2971800" indent="-228600" defTabSz="773113" eaLnBrk="0" fontAlgn="base" hangingPunct="0">
+              <a:spcBef>
+                <a:spcPct val="0"/>
+              </a:spcBef>
+              <a:spcAft>
+                <a:spcPct val="0"/>
+              </a:spcAft>
+              <a:defRPr sz="3000">
+                <a:solidFill>
+                  <a:schemeClr val="tx1"/>
+                </a:solidFill>
+                <a:latin typeface="Arial" charset="0"/>
+                <a:ea typeface="ＭＳ Ｐゴシック" charset="0"/>
+              </a:defRPr>
+            </a:lvl7pPr>
+            <a:lvl8pPr marL="3429000" indent="-228600" defTabSz="773113" eaLnBrk="0" fontAlgn="base" hangingPunct="0">
+              <a:spcBef>
+                <a:spcPct val="0"/>
+              </a:spcBef>
+              <a:spcAft>
+                <a:spcPct val="0"/>
+              </a:spcAft>
+              <a:defRPr sz="3000">
+                <a:solidFill>
+                  <a:schemeClr val="tx1"/>
+                </a:solidFill>
+                <a:latin typeface="Arial" charset="0"/>
+                <a:ea typeface="ＭＳ Ｐゴシック" charset="0"/>
+              </a:defRPr>
+            </a:lvl8pPr>
+            <a:lvl9pPr marL="3886200" indent="-228600" defTabSz="773113" eaLnBrk="0" fontAlgn="base" hangingPunct="0">
+              <a:spcBef>
+                <a:spcPct val="0"/>
+              </a:spcBef>
+              <a:spcAft>
+                <a:spcPct val="0"/>
+              </a:spcAft>
+              <a:defRPr sz="3000">
+                <a:solidFill>
+                  <a:schemeClr val="tx1"/>
+                </a:solidFill>
+                <a:latin typeface="Arial" charset="0"/>
+                <a:ea typeface="ＭＳ Ｐゴシック" charset="0"/>
+              </a:defRPr>
+            </a:lvl9pPr>
+          </a:lstStyle>
+          <a:p>
+            <a:fld id="{2A58CF07-4E2E-524D-BDE5-533CEDE8ECEF}" type="slidenum">
+              <a:rPr lang="en-US" sz="1500" b="1">
+                <a:solidFill>
+                  <a:srgbClr val="7B7B7B"/>
+                </a:solidFill>
+              </a:rPr>
+              <a:pPr/>
+              <a:t>7</a:t>
+            </a:fld>
+            <a:endParaRPr lang="en-US" sz="1500" b="1">
+              <a:solidFill>
+                <a:srgbClr val="7B7B7B"/>
+              </a:solidFill>
+            </a:endParaRPr>
+          </a:p>
+        </p:txBody>
+      </p:sp>
+      <p:sp>
+        <p:nvSpPr>
+          <p:cNvPr id="18434" name="Rectangle 2"/>
+          <p:cNvSpPr>
+            <a:spLocks noGrp="1" noChangeArrowheads="1"/>
+          </p:cNvSpPr>
+          <p:nvPr>
+            <p:ph type="title"/>
+          </p:nvPr>
+        </p:nvSpPr>
+        <p:spPr>
+          <a:xfrm>
+            <a:off x="541338" y="300038"/>
+            <a:ext cx="14724062" cy="1449387"/>
+          </a:xfrm>
+        </p:spPr>
+        <p:txBody>
+          <a:bodyPr/>
+          <a:lstStyle/>
+          <a:p>
+            <a:pPr eaLnBrk="1" hangingPunct="1"/>
+            <a:r>
+              <a:rPr lang="en-US">
+                <a:latin typeface="Arial" charset="0"/>
+                <a:ea typeface="ＭＳ Ｐゴシック" charset="0"/>
+              </a:rPr>
+              <a:t>Media API &amp; Security</a:t>
+            </a:r>
+          </a:p>
+        </p:txBody>
+      </p:sp>
+      <p:sp>
+        <p:nvSpPr>
+          <p:cNvPr id="18435" name="Content Placeholder 4"/>
+          <p:cNvSpPr>
+            <a:spLocks noGrp="1"/>
+          </p:cNvSpPr>
+          <p:nvPr>
+            <p:ph idx="1"/>
+          </p:nvPr>
+        </p:nvSpPr>
+        <p:spPr>
+          <a:xfrm>
+            <a:off x="541338" y="1911350"/>
+            <a:ext cx="15878175" cy="6202363"/>
+          </a:xfrm>
+        </p:spPr>
+        <p:txBody>
+          <a:bodyPr/>
+          <a:lstStyle/>
+          <a:p>
+            <a:pPr marL="479425" indent="-479425">
+              <a:spcBef>
+                <a:spcPct val="50000"/>
+              </a:spcBef>
+              <a:buFontTx/>
+              <a:buBlip>
+                <a:blip r:embed="rId3"/>
+              </a:buBlip>
+            </a:pPr>
+            <a:r>
+              <a:rPr lang="en-US" sz="3000">
+                <a:solidFill>
+                  <a:srgbClr val="23383A"/>
+                </a:solidFill>
+                <a:latin typeface="Arial" charset="0"/>
+                <a:ea typeface="ＭＳ Ｐゴシック" charset="0"/>
+                <a:cs typeface="ＭＳ Ｐゴシック" charset="0"/>
+              </a:rPr>
+              <a:t>Access to the API is protected with tokens that you pass as a parameter when making API calls</a:t>
+            </a:r>
+          </a:p>
+          <a:p>
+            <a:pPr marL="479425" indent="-479425">
+              <a:spcBef>
+                <a:spcPct val="50000"/>
+              </a:spcBef>
+              <a:buFontTx/>
+              <a:buBlip>
+                <a:blip r:embed="rId3"/>
+              </a:buBlip>
+            </a:pPr>
+            <a:r>
+              <a:rPr lang="en-US" sz="3000">
+                <a:solidFill>
+                  <a:srgbClr val="23383A"/>
+                </a:solidFill>
+                <a:latin typeface="Arial" charset="0"/>
+                <a:ea typeface="ＭＳ Ｐゴシック" charset="0"/>
+                <a:cs typeface="ＭＳ Ｐゴシック" charset="0"/>
+              </a:rPr>
+              <a:t>Tokens are generated for you by Brightcove and protected by you</a:t>
+            </a:r>
+          </a:p>
+          <a:p>
+            <a:pPr marL="479425" indent="-479425">
+              <a:spcBef>
+                <a:spcPct val="50000"/>
+              </a:spcBef>
+              <a:buFontTx/>
+              <a:buBlip>
+                <a:blip r:embed="rId3"/>
+              </a:buBlip>
+            </a:pPr>
+            <a:r>
+              <a:rPr lang="en-US" sz="3000">
+                <a:solidFill>
+                  <a:srgbClr val="CC3366"/>
+                </a:solidFill>
+                <a:latin typeface="Arial" charset="0"/>
+                <a:ea typeface="ＭＳ Ｐゴシック" charset="0"/>
+                <a:cs typeface="ＭＳ Ｐゴシック" charset="0"/>
+              </a:rPr>
+              <a:t>There is a </a:t>
+            </a:r>
+            <a:r>
+              <a:rPr lang="en-US" sz="3000" b="1">
+                <a:solidFill>
+                  <a:srgbClr val="CC3366"/>
+                </a:solidFill>
+                <a:latin typeface="Arial" charset="0"/>
+                <a:ea typeface="ＭＳ Ｐゴシック" charset="0"/>
+                <a:cs typeface="ＭＳ Ｐゴシック" charset="0"/>
+              </a:rPr>
+              <a:t>serious </a:t>
+            </a:r>
+            <a:r>
+              <a:rPr lang="en-US" sz="3000">
+                <a:solidFill>
+                  <a:srgbClr val="CC3366"/>
+                </a:solidFill>
+                <a:latin typeface="Arial" charset="0"/>
+                <a:ea typeface="ＭＳ Ｐゴシック" charset="0"/>
+                <a:cs typeface="ＭＳ Ｐゴシック" charset="0"/>
+              </a:rPr>
+              <a:t>risk in including tokens in client-side scripts or SWFs, </a:t>
+            </a:r>
+            <a:r>
+              <a:rPr lang="en-US" sz="3000" b="1">
+                <a:solidFill>
+                  <a:srgbClr val="CC3366"/>
+                </a:solidFill>
+                <a:latin typeface="Arial" charset="0"/>
+                <a:ea typeface="ＭＳ Ｐゴシック" charset="0"/>
+                <a:cs typeface="ＭＳ Ｐゴシック" charset="0"/>
+              </a:rPr>
+              <a:t>especially </a:t>
+            </a:r>
+            <a:r>
+              <a:rPr lang="en-US" sz="3000">
+                <a:solidFill>
+                  <a:srgbClr val="CC3366"/>
+                </a:solidFill>
+                <a:latin typeface="Arial" charset="0"/>
+                <a:ea typeface="ＭＳ Ｐゴシック" charset="0"/>
+                <a:cs typeface="ＭＳ Ｐゴシック" charset="0"/>
+              </a:rPr>
+              <a:t>WRITE tokens</a:t>
+            </a:r>
+            <a:endParaRPr lang="en-US" sz="3000">
+              <a:solidFill>
+                <a:srgbClr val="23383A"/>
+              </a:solidFill>
+              <a:latin typeface="Arial" charset="0"/>
+              <a:ea typeface="ＭＳ Ｐゴシック" charset="0"/>
+              <a:cs typeface="ＭＳ Ｐゴシック" charset="0"/>
+            </a:endParaRPr>
+          </a:p>
+          <a:p>
+            <a:pPr marL="479425" indent="-479425">
+              <a:spcBef>
+                <a:spcPct val="50000"/>
+              </a:spcBef>
+              <a:buFontTx/>
+              <a:buBlip>
+                <a:blip r:embed="rId3"/>
+              </a:buBlip>
+            </a:pPr>
+            <a:r>
+              <a:rPr lang="en-US" sz="3000">
+                <a:solidFill>
+                  <a:srgbClr val="23383A"/>
+                </a:solidFill>
+                <a:latin typeface="Arial" charset="0"/>
+                <a:ea typeface="ＭＳ Ｐゴシック" charset="0"/>
+                <a:cs typeface="ＭＳ Ｐゴシック" charset="0"/>
+              </a:rPr>
+              <a:t>There are separate tokens for READ and WRITE access, and two kinds of READ token</a:t>
+            </a:r>
+          </a:p>
+          <a:p>
+            <a:pPr marL="1169988" lvl="1" indent="-396875">
+              <a:spcBef>
+                <a:spcPct val="50000"/>
+              </a:spcBef>
+              <a:buFontTx/>
+              <a:buBlip>
+                <a:blip r:embed="rId3"/>
+              </a:buBlip>
+            </a:pPr>
+            <a:r>
+              <a:rPr lang="en-US" sz="3000">
+                <a:solidFill>
+                  <a:srgbClr val="23383A"/>
+                </a:solidFill>
+                <a:latin typeface="Arial" charset="0"/>
+                <a:ea typeface="ＭＳ Ｐゴシック" charset="0"/>
+                <a:cs typeface="ＭＳ Ｐゴシック" charset="0"/>
+              </a:rPr>
+              <a:t>This allows you to develop applications with </a:t>
+            </a:r>
+            <a:br>
+              <a:rPr lang="en-US" sz="3000">
+                <a:solidFill>
+                  <a:srgbClr val="23383A"/>
+                </a:solidFill>
+                <a:latin typeface="Arial" charset="0"/>
+                <a:ea typeface="ＭＳ Ｐゴシック" charset="0"/>
+                <a:cs typeface="ＭＳ Ｐゴシック" charset="0"/>
+              </a:rPr>
+            </a:br>
+            <a:r>
+              <a:rPr lang="en-US" sz="3000">
+                <a:solidFill>
+                  <a:srgbClr val="23383A"/>
+                </a:solidFill>
+                <a:latin typeface="Arial" charset="0"/>
+                <a:ea typeface="ＭＳ Ｐゴシック" charset="0"/>
+                <a:cs typeface="ＭＳ Ｐゴシック" charset="0"/>
+              </a:rPr>
+              <a:t>role-based access</a:t>
+            </a:r>
+          </a:p>
+          <a:p>
+            <a:pPr marL="1169988" lvl="1" indent="-396875">
+              <a:spcBef>
+                <a:spcPct val="50000"/>
+              </a:spcBef>
+              <a:buFontTx/>
+              <a:buBlip>
+                <a:blip r:embed="rId3"/>
+              </a:buBlip>
+            </a:pPr>
+            <a:r>
+              <a:rPr lang="en-US" sz="3000">
+                <a:solidFill>
+                  <a:srgbClr val="23383A"/>
+                </a:solidFill>
+                <a:latin typeface="Arial" charset="0"/>
+                <a:ea typeface="ＭＳ Ｐゴシック" charset="0"/>
+                <a:cs typeface="ＭＳ Ｐゴシック" charset="0"/>
+              </a:rPr>
+              <a:t>URL Read token returns a link to the video rendition files; regular read token does not</a:t>
+            </a:r>
+          </a:p>
+          <a:p>
+            <a:pPr marL="479425" indent="-479425">
+              <a:spcBef>
+                <a:spcPct val="50000"/>
+              </a:spcBef>
+              <a:buFontTx/>
+              <a:buBlip>
+                <a:blip r:embed="rId3"/>
+              </a:buBlip>
+            </a:pPr>
+            <a:r>
+              <a:rPr lang="en-US" sz="3000">
+                <a:solidFill>
+                  <a:srgbClr val="23383A"/>
+                </a:solidFill>
+                <a:latin typeface="Arial" charset="0"/>
+                <a:ea typeface="ＭＳ Ｐゴシック" charset="0"/>
+                <a:cs typeface="ＭＳ Ｐゴシック" charset="0"/>
+              </a:rPr>
+              <a:t>Tokens generally end with one or more </a:t>
+            </a:r>
+            <a:r>
+              <a:rPr lang="ja-JP" altLang="en-US" sz="3000">
+                <a:solidFill>
+                  <a:srgbClr val="23383A"/>
+                </a:solidFill>
+                <a:latin typeface="Arial" charset="0"/>
+                <a:ea typeface="ＭＳ Ｐゴシック" charset="0"/>
+                <a:cs typeface="ＭＳ Ｐゴシック" charset="0"/>
+              </a:rPr>
+              <a:t>“</a:t>
+            </a:r>
+            <a:r>
+              <a:rPr lang="en-US" altLang="ja-JP" sz="3000">
+                <a:solidFill>
+                  <a:srgbClr val="23383A"/>
+                </a:solidFill>
+                <a:latin typeface="Arial" charset="0"/>
+                <a:ea typeface="ＭＳ Ｐゴシック" charset="0"/>
+                <a:cs typeface="ＭＳ Ｐゴシック" charset="0"/>
+              </a:rPr>
+              <a:t>.</a:t>
+            </a:r>
+            <a:r>
+              <a:rPr lang="ja-JP" altLang="en-US" sz="3000">
+                <a:solidFill>
+                  <a:srgbClr val="23383A"/>
+                </a:solidFill>
+                <a:latin typeface="Arial" charset="0"/>
+                <a:ea typeface="ＭＳ Ｐゴシック" charset="0"/>
+                <a:cs typeface="ＭＳ Ｐゴシック" charset="0"/>
+              </a:rPr>
+              <a:t>”</a:t>
+            </a:r>
+            <a:r>
+              <a:rPr lang="en-US" altLang="ja-JP" sz="3000">
+                <a:solidFill>
+                  <a:srgbClr val="23383A"/>
+                </a:solidFill>
+                <a:latin typeface="Arial" charset="0"/>
+                <a:ea typeface="ＭＳ Ｐゴシック" charset="0"/>
+                <a:cs typeface="ＭＳ Ｐゴシック" charset="0"/>
+              </a:rPr>
+              <a:t> (Be careful not to drop these when you copy/paste)</a:t>
+            </a:r>
+          </a:p>
+          <a:p>
+            <a:pPr marL="479425" indent="-479425"/>
+            <a:endParaRPr lang="en-US" sz="3000">
+              <a:latin typeface="Arial" charset="0"/>
+              <a:ea typeface="ＭＳ Ｐゴシック" charset="0"/>
+            </a:endParaRPr>
+          </a:p>
+        </p:txBody>
+      </p:sp>
+    </p:spTree>
+    <p:extLst>
+      <p:ext uri="{BB962C8B-B14F-4D97-AF65-F5344CB8AC3E}">
+        <p14:creationId xmlns:p14="http://schemas.microsoft.com/office/powerpoint/2010/main" val="1090292893"/>
+      </p:ext>
+    </p:extLst>
+  </p:cSld>
+  <p:clrMapOvr>
+    <a:masterClrMapping/>
+  </p:clrMapOvr>
+  <p:transition xmlns:p14="http://schemas.microsoft.com/office/powerpoint/2010/main">
+    <p:fade/>
+  </p:transition>
+  <p:timing>
+    <p:tnLst>
+      <p:par>
+        <p:cTn xmlns:p14="http://schemas.microsoft.com/office/powerpoint/2010/main" id="1" dur="indefinite" restart="never" nodeType="tmRoot"/>
+      </p:par>
+    </p:tnLst>
+  </p:timing>
+</p:sld>
+</file>
+
+<file path=ppt/slides/slide8.xml><?xml version="1.0" encoding="utf-8"?>
+<p:sld xmlns:a="http://schemas.openxmlformats.org/drawingml/2006/main" xmlns:r="http://schemas.openxmlformats.org/officeDocument/2006/relationships" xmlns:p="http://schemas.openxmlformats.org/presentationml/2006/main">
+  <p:cSld>
+    <p:spTree>
+      <p:nvGrpSpPr>
+        <p:cNvPr id="1" name=""/>
+        <p:cNvGrpSpPr/>
+        <p:nvPr/>
+      </p:nvGrpSpPr>
+      <p:grpSpPr>
+        <a:xfrm>
+          <a:off x="0" y="0"/>
+          <a:ext cx="0" cy="0"/>
+          <a:chOff x="0" y="0"/>
+          <a:chExt cx="0" cy="0"/>
+        </a:xfrm>
+      </p:grpSpPr>
+      <p:sp>
+        <p:nvSpPr>
+          <p:cNvPr id="3" name="Title 2"/>
+          <p:cNvSpPr>
+            <a:spLocks noGrp="1"/>
+          </p:cNvSpPr>
+          <p:nvPr>
+            <p:ph type="title"/>
+          </p:nvPr>
+        </p:nvSpPr>
+        <p:spPr/>
+        <p:txBody>
+          <a:bodyPr/>
+          <a:lstStyle/>
+          <a:p>
+            <a:r>
+              <a:rPr lang="en-US" dirty="0" smtClean="0"/>
+              <a:t>Title</a:t>
+            </a:r>
+            <a:endParaRPr lang="en-US" dirty="0"/>
+          </a:p>
+        </p:txBody>
+      </p:sp>
+      <p:sp>
+        <p:nvSpPr>
+          <p:cNvPr id="4" name="Content Placeholder 3"/>
+          <p:cNvSpPr>
+            <a:spLocks noGrp="1"/>
+          </p:cNvSpPr>
+          <p:nvPr>
+            <p:ph idx="1"/>
+          </p:nvPr>
+        </p:nvSpPr>
+        <p:spPr/>
+        <p:txBody>
+          <a:bodyPr>
+            <a:normAutofit/>
+          </a:bodyPr>
+          <a:lstStyle/>
+          <a:p>
+            <a:r>
+              <a:rPr lang="en-US" sz="3200" dirty="0" smtClean="0"/>
+              <a:t>Content</a:t>
+            </a:r>
+          </a:p>
+          <a:p>
+            <a:endParaRPr lang="en-US" sz="3200" dirty="0"/>
+          </a:p>
+        </p:txBody>
+      </p:sp>
+    </p:spTree>
+    <p:extLst>
+      <p:ext uri="{BB962C8B-B14F-4D97-AF65-F5344CB8AC3E}">
+        <p14:creationId xmlns:p14="http://schemas.microsoft.com/office/powerpoint/2010/main" val="2514608167"/>
+      </p:ext>
+    </p:extLst>
+  </p:cSld>
+  <p:clrMapOvr>
+    <a:masterClrMapping/>
+  </p:clrMapOvr>
+  <p:timing>
+    <p:tnLst>
+      <p:par>
+        <p:cTn xmlns:p14="http://schemas.microsoft.com/office/powerpoint/2010/main" id="1" dur="indefinite" restart="never" nodeType="tmRoot"/>
+      </p:par>
+    </p:tnLst>
+  </p:timing>
+</p:sld>
+</file>
+
+<file path=ppt/slides/slide9.xml><?xml version="1.0" encoding="utf-8"?>
+<p:sld xmlns:a="http://schemas.openxmlformats.org/drawingml/2006/main" xmlns:r="http://schemas.openxmlformats.org/officeDocument/2006/relationships" xmlns:p="http://schemas.openxmlformats.org/presentationml/2006/main">
+  <p:cSld>
+    <p:spTree>
+      <p:nvGrpSpPr>
+        <p:cNvPr id="1" name=""/>
+        <p:cNvGrpSpPr/>
+        <p:nvPr/>
+      </p:nvGrpSpPr>
+      <p:grpSpPr>
+        <a:xfrm>
+          <a:off x="0" y="0"/>
+          <a:ext cx="0" cy="0"/>
+          <a:chOff x="0" y="0"/>
+          <a:chExt cx="0" cy="0"/>
+        </a:xfrm>
+      </p:grpSpPr>
+      <p:sp>
+        <p:nvSpPr>
           <p:cNvPr id="3" name="Text Placeholder 2"/>
           <p:cNvSpPr>
             <a:spLocks noGrp="1"/>
@@ -5767,7 +8216,7 @@
               <a:pPr>
                 <a:defRPr/>
               </a:pPr>
-              <a:t>6</a:t>
+              <a:t>9</a:t>
             </a:fld>
             <a:endParaRPr lang="en-US" dirty="0"/>
           </a:p>

--- a/VideoSessionsMaterials/understanding.pptx
+++ b/VideoSessionsMaterials/understanding.pptx
@@ -1,11 +1,11 @@
 
 <file path=ppt/presentation.xml><?xml version="1.0" encoding="utf-8"?>
-<p:presentation xmlns:a="http://schemas.openxmlformats.org/drawingml/2006/main" xmlns:r="http://schemas.openxmlformats.org/officeDocument/2006/relationships" xmlns:p="http://schemas.openxmlformats.org/presentationml/2006/main" showSpecialPlsOnTitleSld="0" saveSubsetFonts="1" autoCompressPictures="0">
+<p:presentation xmlns:a="http://schemas.openxmlformats.org/drawingml/2006/main" xmlns:r="http://schemas.openxmlformats.org/officeDocument/2006/relationships" xmlns:mc="http://schemas.openxmlformats.org/markup-compatibility/2006" xmlns:mv="urn:schemas-microsoft-com:mac:vml" xmlns:p="http://schemas.openxmlformats.org/presentationml/2006/main" mc:Ignorable="mv" mc:PreserveAttributes="mv:*" showSpecialPlsOnTitleSld="0" saveSubsetFonts="1" autoCompressPictures="0">
   <p:sldMasterIdLst>
     <p:sldMasterId id="2147483648" r:id="rId1"/>
   </p:sldMasterIdLst>
   <p:notesMasterIdLst>
-    <p:notesMasterId r:id="rId11"/>
+    <p:notesMasterId r:id="rId10"/>
   </p:notesMasterIdLst>
   <p:sldIdLst>
     <p:sldId id="364" r:id="rId2"/>
@@ -15,8 +15,7 @@
     <p:sldId id="370" r:id="rId6"/>
     <p:sldId id="371" r:id="rId7"/>
     <p:sldId id="372" r:id="rId8"/>
-    <p:sldId id="369" r:id="rId9"/>
-    <p:sldId id="322" r:id="rId10"/>
+    <p:sldId id="322" r:id="rId9"/>
   </p:sldIdLst>
   <p:sldSz cx="17327563" cy="9747250"/>
   <p:notesSz cx="6858000" cy="9144000"/>
@@ -149,7 +148,7 @@
 </file>
 
 <file path=ppt/notesMasters/notesMaster1.xml><?xml version="1.0" encoding="utf-8"?>
-<p:notesMaster xmlns:a="http://schemas.openxmlformats.org/drawingml/2006/main" xmlns:r="http://schemas.openxmlformats.org/officeDocument/2006/relationships" xmlns:p="http://schemas.openxmlformats.org/presentationml/2006/main">
+<p:notesMaster xmlns:a="http://schemas.openxmlformats.org/drawingml/2006/main" xmlns:r="http://schemas.openxmlformats.org/officeDocument/2006/relationships" xmlns:mc="http://schemas.openxmlformats.org/markup-compatibility/2006" xmlns:mv="urn:schemas-microsoft-com:mac:vml" xmlns:p="http://schemas.openxmlformats.org/presentationml/2006/main" mc:Ignorable="mv" mc:PreserveAttributes="mv:*">
   <p:cSld>
     <p:bg>
       <p:bgRef idx="1001">
@@ -231,7 +230,7 @@
             <a:fld id="{DDC063FE-8627-9A42-970F-0BBEEB02B587}" type="datetimeFigureOut">
               <a:rPr lang="en-US" smtClean="0"/>
               <a:pPr/>
-              <a:t>12/5/13</a:t>
+              <a:t>12/6/13</a:t>
             </a:fld>
             <a:endParaRPr lang="en-US" dirty="0"/>
           </a:p>
@@ -400,7 +399,7 @@
     </p:spTree>
     <p:extLst>
       <p:ext uri="{BB962C8B-B14F-4D97-AF65-F5344CB8AC3E}">
-        <p14:creationId xmlns:p14="http://schemas.microsoft.com/office/powerpoint/2010/main" val="4045051341"/>
+        <p14:creationId xmlns:p14="http://schemas.microsoft.com/office/powerpoint/2010/main" xmlns:p="http://schemas.openxmlformats.org/presentationml/2006/main" xmlns:r="http://schemas.openxmlformats.org/officeDocument/2006/relationships" xmlns:a="http://schemas.openxmlformats.org/drawingml/2006/main" xmlns="" val="4045051341"/>
       </p:ext>
     </p:extLst>
   </p:cSld>
@@ -501,7 +500,7 @@
 </file>
 
 <file path=ppt/notesSlides/notesSlide1.xml><?xml version="1.0" encoding="utf-8"?>
-<p:notes xmlns:a="http://schemas.openxmlformats.org/drawingml/2006/main" xmlns:r="http://schemas.openxmlformats.org/officeDocument/2006/relationships" xmlns:p="http://schemas.openxmlformats.org/presentationml/2006/main">
+<p:notes xmlns:a="http://schemas.openxmlformats.org/drawingml/2006/main" xmlns:r="http://schemas.openxmlformats.org/officeDocument/2006/relationships" xmlns:mc="http://schemas.openxmlformats.org/markup-compatibility/2006" xmlns:mv="urn:schemas-microsoft-com:mac:vml" xmlns:p="http://schemas.openxmlformats.org/presentationml/2006/main" mc:Ignorable="mv" mc:PreserveAttributes="mv:*">
   <p:cSld>
     <p:spTree>
       <p:nvGrpSpPr>
@@ -575,7 +574,7 @@
     </p:spTree>
     <p:extLst>
       <p:ext uri="{BB962C8B-B14F-4D97-AF65-F5344CB8AC3E}">
-        <p14:creationId xmlns:p14="http://schemas.microsoft.com/office/powerpoint/2010/main" val="3250658828"/>
+        <p14:creationId xmlns:p14="http://schemas.microsoft.com/office/powerpoint/2010/main" xmlns:p="http://schemas.openxmlformats.org/presentationml/2006/main" xmlns:r="http://schemas.openxmlformats.org/officeDocument/2006/relationships" xmlns:a="http://schemas.openxmlformats.org/drawingml/2006/main" xmlns="" val="3250658828"/>
       </p:ext>
     </p:extLst>
   </p:cSld>
@@ -586,7 +585,7 @@
 </file>
 
 <file path=ppt/notesSlides/notesSlide2.xml><?xml version="1.0" encoding="utf-8"?>
-<p:notes xmlns:a="http://schemas.openxmlformats.org/drawingml/2006/main" xmlns:r="http://schemas.openxmlformats.org/officeDocument/2006/relationships" xmlns:p="http://schemas.openxmlformats.org/presentationml/2006/main">
+<p:notes xmlns:a="http://schemas.openxmlformats.org/drawingml/2006/main" xmlns:r="http://schemas.openxmlformats.org/officeDocument/2006/relationships" xmlns:mc="http://schemas.openxmlformats.org/markup-compatibility/2006" xmlns:mv="urn:schemas-microsoft-com:mac:vml" xmlns:p="http://schemas.openxmlformats.org/presentationml/2006/main" mc:Ignorable="mv" mc:PreserveAttributes="mv:*">
   <p:cSld>
     <p:spTree>
       <p:nvGrpSpPr>
@@ -660,7 +659,7 @@
     </p:spTree>
     <p:extLst>
       <p:ext uri="{BB962C8B-B14F-4D97-AF65-F5344CB8AC3E}">
-        <p14:creationId xmlns:p14="http://schemas.microsoft.com/office/powerpoint/2010/main" val="963676054"/>
+        <p14:creationId xmlns:p14="http://schemas.microsoft.com/office/powerpoint/2010/main" xmlns:p="http://schemas.openxmlformats.org/presentationml/2006/main" xmlns:r="http://schemas.openxmlformats.org/officeDocument/2006/relationships" xmlns:a="http://schemas.openxmlformats.org/drawingml/2006/main" xmlns="" val="963676054"/>
       </p:ext>
     </p:extLst>
   </p:cSld>
@@ -671,7 +670,7 @@
 </file>
 
 <file path=ppt/notesSlides/notesSlide3.xml><?xml version="1.0" encoding="utf-8"?>
-<p:notes xmlns:a="http://schemas.openxmlformats.org/drawingml/2006/main" xmlns:r="http://schemas.openxmlformats.org/officeDocument/2006/relationships" xmlns:p="http://schemas.openxmlformats.org/presentationml/2006/main">
+<p:notes xmlns:a="http://schemas.openxmlformats.org/drawingml/2006/main" xmlns:r="http://schemas.openxmlformats.org/officeDocument/2006/relationships" xmlns:mc="http://schemas.openxmlformats.org/markup-compatibility/2006" xmlns:mv="urn:schemas-microsoft-com:mac:vml" xmlns:p="http://schemas.openxmlformats.org/presentationml/2006/main" mc:Ignorable="mv" mc:PreserveAttributes="mv:*">
   <p:cSld>
     <p:spTree>
       <p:nvGrpSpPr>
@@ -745,7 +744,7 @@
     </p:spTree>
     <p:extLst>
       <p:ext uri="{BB962C8B-B14F-4D97-AF65-F5344CB8AC3E}">
-        <p14:creationId xmlns:p14="http://schemas.microsoft.com/office/powerpoint/2010/main" val="963676054"/>
+        <p14:creationId xmlns:p14="http://schemas.microsoft.com/office/powerpoint/2010/main" xmlns:p="http://schemas.openxmlformats.org/presentationml/2006/main" xmlns:r="http://schemas.openxmlformats.org/officeDocument/2006/relationships" xmlns:a="http://schemas.openxmlformats.org/drawingml/2006/main" xmlns="" val="963676054"/>
       </p:ext>
     </p:extLst>
   </p:cSld>
@@ -756,7 +755,7 @@
 </file>
 
 <file path=ppt/notesSlides/notesSlide4.xml><?xml version="1.0" encoding="utf-8"?>
-<p:notes xmlns:a="http://schemas.openxmlformats.org/drawingml/2006/main" xmlns:r="http://schemas.openxmlformats.org/officeDocument/2006/relationships" xmlns:p="http://schemas.openxmlformats.org/presentationml/2006/main">
+<p:notes xmlns:a="http://schemas.openxmlformats.org/drawingml/2006/main" xmlns:r="http://schemas.openxmlformats.org/officeDocument/2006/relationships" xmlns:mc="http://schemas.openxmlformats.org/markup-compatibility/2006" xmlns:mv="urn:schemas-microsoft-com:mac:vml" xmlns:p="http://schemas.openxmlformats.org/presentationml/2006/main" mc:Ignorable="mv" mc:PreserveAttributes="mv:*">
   <p:cSld>
     <p:spTree>
       <p:nvGrpSpPr>
@@ -830,7 +829,7 @@
     </p:spTree>
     <p:extLst>
       <p:ext uri="{BB962C8B-B14F-4D97-AF65-F5344CB8AC3E}">
-        <p14:creationId xmlns:p14="http://schemas.microsoft.com/office/powerpoint/2010/main" val="963676054"/>
+        <p14:creationId xmlns:p14="http://schemas.microsoft.com/office/powerpoint/2010/main" xmlns:p="http://schemas.openxmlformats.org/presentationml/2006/main" xmlns:r="http://schemas.openxmlformats.org/officeDocument/2006/relationships" xmlns:a="http://schemas.openxmlformats.org/drawingml/2006/main" xmlns="" val="963676054"/>
       </p:ext>
     </p:extLst>
   </p:cSld>
@@ -841,7 +840,7 @@
 </file>
 
 <file path=ppt/notesSlides/notesSlide5.xml><?xml version="1.0" encoding="utf-8"?>
-<p:notes xmlns:a="http://schemas.openxmlformats.org/drawingml/2006/main" xmlns:r="http://schemas.openxmlformats.org/officeDocument/2006/relationships" xmlns:p="http://schemas.openxmlformats.org/presentationml/2006/main">
+<p:notes xmlns:a="http://schemas.openxmlformats.org/drawingml/2006/main" xmlns:r="http://schemas.openxmlformats.org/officeDocument/2006/relationships" xmlns:mc="http://schemas.openxmlformats.org/markup-compatibility/2006" xmlns:mv="urn:schemas-microsoft-com:mac:vml" xmlns:p="http://schemas.openxmlformats.org/presentationml/2006/main" mc:Ignorable="mv" mc:PreserveAttributes="mv:*">
   <p:cSld>
     <p:spTree>
       <p:nvGrpSpPr>
@@ -879,14 +878,14 @@
           </a:ln>
           <a:extLst>
             <a:ext uri="{909E8E84-426E-40dd-AFC4-6F175D3DCCD1}">
-              <a14:hiddenFill xmlns:a14="http://schemas.microsoft.com/office/drawing/2010/main">
+              <a14:hiddenFill xmlns:a14="http://schemas.microsoft.com/office/drawing/2010/main" xmlns:p="http://schemas.openxmlformats.org/presentationml/2006/main" xmlns:r="http://schemas.openxmlformats.org/officeDocument/2006/relationships" xmlns:a="http://schemas.openxmlformats.org/drawingml/2006/main" xmlns="">
                 <a:solidFill>
                   <a:srgbClr val="FFFFFF"/>
                 </a:solidFill>
               </a14:hiddenFill>
             </a:ext>
             <a:ext uri="{91240B29-F687-4f45-9708-019B960494DF}">
-              <a14:hiddenLine xmlns:a14="http://schemas.microsoft.com/office/drawing/2010/main" w="9525">
+              <a14:hiddenLine xmlns:a14="http://schemas.microsoft.com/office/drawing/2010/main" xmlns:p="http://schemas.openxmlformats.org/presentationml/2006/main" xmlns:r="http://schemas.openxmlformats.org/officeDocument/2006/relationships" xmlns:a="http://schemas.openxmlformats.org/drawingml/2006/main" xmlns="" w="9525">
                 <a:solidFill>
                   <a:srgbClr val="000000"/>
                 </a:solidFill>
@@ -1040,14 +1039,14 @@
           </a:ln>
           <a:extLst>
             <a:ext uri="{909E8E84-426E-40dd-AFC4-6F175D3DCCD1}">
-              <a14:hiddenFill xmlns:a14="http://schemas.microsoft.com/office/drawing/2010/main">
+              <a14:hiddenFill xmlns:a14="http://schemas.microsoft.com/office/drawing/2010/main" xmlns:p="http://schemas.openxmlformats.org/presentationml/2006/main" xmlns:r="http://schemas.openxmlformats.org/officeDocument/2006/relationships" xmlns:a="http://schemas.openxmlformats.org/drawingml/2006/main" xmlns="">
                 <a:solidFill>
                   <a:srgbClr val="FFFFFF"/>
                 </a:solidFill>
               </a14:hiddenFill>
             </a:ext>
             <a:ext uri="{FAA26D3D-D897-4be2-8F04-BA451C77F1D7}">
-              <ma14:placeholderFlag xmlns:ma14="http://schemas.microsoft.com/office/mac/drawingml/2011/main" val="1"/>
+              <ma14:placeholderFlag xmlns:ma14="http://schemas.microsoft.com/office/mac/drawingml/2011/main" xmlns:p="http://schemas.openxmlformats.org/presentationml/2006/main" xmlns:r="http://schemas.openxmlformats.org/officeDocument/2006/relationships" xmlns:a="http://schemas.openxmlformats.org/drawingml/2006/main" xmlns="" val="1"/>
             </a:ext>
           </a:extLst>
         </p:spPr>
@@ -1066,14 +1065,14 @@
           <a:noFill/>
           <a:extLst>
             <a:ext uri="{909E8E84-426E-40dd-AFC4-6F175D3DCCD1}">
-              <a14:hiddenFill xmlns:a14="http://schemas.microsoft.com/office/drawing/2010/main">
+              <a14:hiddenFill xmlns:a14="http://schemas.microsoft.com/office/drawing/2010/main" xmlns:p="http://schemas.openxmlformats.org/presentationml/2006/main" xmlns:r="http://schemas.openxmlformats.org/officeDocument/2006/relationships" xmlns:a="http://schemas.openxmlformats.org/drawingml/2006/main" xmlns="">
                 <a:solidFill>
                   <a:srgbClr val="FFFFFF"/>
                 </a:solidFill>
               </a14:hiddenFill>
             </a:ext>
             <a:ext uri="{91240B29-F687-4f45-9708-019B960494DF}">
-              <a14:hiddenLine xmlns:a14="http://schemas.microsoft.com/office/drawing/2010/main" w="9525">
+              <a14:hiddenLine xmlns:a14="http://schemas.microsoft.com/office/drawing/2010/main" xmlns:p="http://schemas.openxmlformats.org/presentationml/2006/main" xmlns:r="http://schemas.openxmlformats.org/officeDocument/2006/relationships" xmlns:a="http://schemas.openxmlformats.org/drawingml/2006/main" xmlns="" w="9525">
                 <a:solidFill>
                   <a:srgbClr val="000000"/>
                 </a:solidFill>
@@ -1083,7 +1082,7 @@
               </a14:hiddenLine>
             </a:ext>
             <a:ext uri="{FAA26D3D-D897-4be2-8F04-BA451C77F1D7}">
-              <ma14:placeholderFlag xmlns:ma14="http://schemas.microsoft.com/office/mac/drawingml/2011/main" val="1"/>
+              <ma14:placeholderFlag xmlns:ma14="http://schemas.microsoft.com/office/mac/drawingml/2011/main" xmlns:p="http://schemas.openxmlformats.org/presentationml/2006/main" xmlns:r="http://schemas.openxmlformats.org/officeDocument/2006/relationships" xmlns:a="http://schemas.openxmlformats.org/drawingml/2006/main" xmlns="" val="1"/>
             </a:ext>
           </a:extLst>
         </p:spPr>
@@ -1111,7 +1110,7 @@
 </file>
 
 <file path=ppt/notesSlides/notesSlide6.xml><?xml version="1.0" encoding="utf-8"?>
-<p:notes xmlns:a="http://schemas.openxmlformats.org/drawingml/2006/main" xmlns:r="http://schemas.openxmlformats.org/officeDocument/2006/relationships" xmlns:p="http://schemas.openxmlformats.org/presentationml/2006/main">
+<p:notes xmlns:a="http://schemas.openxmlformats.org/drawingml/2006/main" xmlns:r="http://schemas.openxmlformats.org/officeDocument/2006/relationships" xmlns:mc="http://schemas.openxmlformats.org/markup-compatibility/2006" xmlns:mv="urn:schemas-microsoft-com:mac:vml" xmlns:p="http://schemas.openxmlformats.org/presentationml/2006/main" mc:Ignorable="mv" mc:PreserveAttributes="mv:*">
   <p:cSld>
     <p:spTree>
       <p:nvGrpSpPr>
@@ -1185,7 +1184,7 @@
     </p:spTree>
     <p:extLst>
       <p:ext uri="{BB962C8B-B14F-4D97-AF65-F5344CB8AC3E}">
-        <p14:creationId xmlns:p14="http://schemas.microsoft.com/office/powerpoint/2010/main" val="963676054"/>
+        <p14:creationId xmlns:p14="http://schemas.microsoft.com/office/powerpoint/2010/main" xmlns:p="http://schemas.openxmlformats.org/presentationml/2006/main" xmlns:r="http://schemas.openxmlformats.org/officeDocument/2006/relationships" xmlns:a="http://schemas.openxmlformats.org/drawingml/2006/main" xmlns="" val="963676054"/>
       </p:ext>
     </p:extLst>
   </p:cSld>
@@ -1196,7 +1195,7 @@
 </file>
 
 <file path=ppt/notesSlides/notesSlide7.xml><?xml version="1.0" encoding="utf-8"?>
-<p:notes xmlns:a="http://schemas.openxmlformats.org/drawingml/2006/main" xmlns:r="http://schemas.openxmlformats.org/officeDocument/2006/relationships" xmlns:p="http://schemas.openxmlformats.org/presentationml/2006/main">
+<p:notes xmlns:a="http://schemas.openxmlformats.org/drawingml/2006/main" xmlns:r="http://schemas.openxmlformats.org/officeDocument/2006/relationships" xmlns:mc="http://schemas.openxmlformats.org/markup-compatibility/2006" xmlns:mv="urn:schemas-microsoft-com:mac:vml" xmlns:p="http://schemas.openxmlformats.org/presentationml/2006/main" mc:Ignorable="mv" mc:PreserveAttributes="mv:*">
   <p:cSld>
     <p:spTree>
       <p:nvGrpSpPr>
@@ -1234,14 +1233,14 @@
           </a:ln>
           <a:extLst>
             <a:ext uri="{909E8E84-426E-40dd-AFC4-6F175D3DCCD1}">
-              <a14:hiddenFill xmlns:a14="http://schemas.microsoft.com/office/drawing/2010/main">
+              <a14:hiddenFill xmlns:a14="http://schemas.microsoft.com/office/drawing/2010/main" xmlns:p="http://schemas.openxmlformats.org/presentationml/2006/main" xmlns:r="http://schemas.openxmlformats.org/officeDocument/2006/relationships" xmlns:a="http://schemas.openxmlformats.org/drawingml/2006/main" xmlns="">
                 <a:solidFill>
                   <a:srgbClr val="FFFFFF"/>
                 </a:solidFill>
               </a14:hiddenFill>
             </a:ext>
             <a:ext uri="{91240B29-F687-4f45-9708-019B960494DF}">
-              <a14:hiddenLine xmlns:a14="http://schemas.microsoft.com/office/drawing/2010/main" w="9525">
+              <a14:hiddenLine xmlns:a14="http://schemas.microsoft.com/office/drawing/2010/main" xmlns:p="http://schemas.openxmlformats.org/presentationml/2006/main" xmlns:r="http://schemas.openxmlformats.org/officeDocument/2006/relationships" xmlns:a="http://schemas.openxmlformats.org/drawingml/2006/main" xmlns="" w="9525">
                 <a:solidFill>
                   <a:srgbClr val="000000"/>
                 </a:solidFill>
@@ -1395,14 +1394,14 @@
           </a:ln>
           <a:extLst>
             <a:ext uri="{909E8E84-426E-40dd-AFC4-6F175D3DCCD1}">
-              <a14:hiddenFill xmlns:a14="http://schemas.microsoft.com/office/drawing/2010/main">
+              <a14:hiddenFill xmlns:a14="http://schemas.microsoft.com/office/drawing/2010/main" xmlns:p="http://schemas.openxmlformats.org/presentationml/2006/main" xmlns:r="http://schemas.openxmlformats.org/officeDocument/2006/relationships" xmlns:a="http://schemas.openxmlformats.org/drawingml/2006/main" xmlns="">
                 <a:solidFill>
                   <a:srgbClr val="FFFFFF"/>
                 </a:solidFill>
               </a14:hiddenFill>
             </a:ext>
             <a:ext uri="{FAA26D3D-D897-4be2-8F04-BA451C77F1D7}">
-              <ma14:placeholderFlag xmlns:ma14="http://schemas.microsoft.com/office/mac/drawingml/2011/main" val="1"/>
+              <ma14:placeholderFlag xmlns:ma14="http://schemas.microsoft.com/office/mac/drawingml/2011/main" xmlns:p="http://schemas.openxmlformats.org/presentationml/2006/main" xmlns:r="http://schemas.openxmlformats.org/officeDocument/2006/relationships" xmlns:a="http://schemas.openxmlformats.org/drawingml/2006/main" xmlns="" val="1"/>
             </a:ext>
           </a:extLst>
         </p:spPr>
@@ -1421,14 +1420,14 @@
           <a:noFill/>
           <a:extLst>
             <a:ext uri="{909E8E84-426E-40dd-AFC4-6F175D3DCCD1}">
-              <a14:hiddenFill xmlns:a14="http://schemas.microsoft.com/office/drawing/2010/main">
+              <a14:hiddenFill xmlns:a14="http://schemas.microsoft.com/office/drawing/2010/main" xmlns:p="http://schemas.openxmlformats.org/presentationml/2006/main" xmlns:r="http://schemas.openxmlformats.org/officeDocument/2006/relationships" xmlns:a="http://schemas.openxmlformats.org/drawingml/2006/main" xmlns="">
                 <a:solidFill>
                   <a:srgbClr val="FFFFFF"/>
                 </a:solidFill>
               </a14:hiddenFill>
             </a:ext>
             <a:ext uri="{91240B29-F687-4f45-9708-019B960494DF}">
-              <a14:hiddenLine xmlns:a14="http://schemas.microsoft.com/office/drawing/2010/main" w="9525">
+              <a14:hiddenLine xmlns:a14="http://schemas.microsoft.com/office/drawing/2010/main" xmlns:p="http://schemas.openxmlformats.org/presentationml/2006/main" xmlns:r="http://schemas.openxmlformats.org/officeDocument/2006/relationships" xmlns:a="http://schemas.openxmlformats.org/drawingml/2006/main" xmlns="" w="9525">
                 <a:solidFill>
                   <a:srgbClr val="000000"/>
                 </a:solidFill>
@@ -1438,7 +1437,7 @@
               </a14:hiddenLine>
             </a:ext>
             <a:ext uri="{FAA26D3D-D897-4be2-8F04-BA451C77F1D7}">
-              <ma14:placeholderFlag xmlns:ma14="http://schemas.microsoft.com/office/mac/drawingml/2011/main" val="1"/>
+              <ma14:placeholderFlag xmlns:ma14="http://schemas.microsoft.com/office/mac/drawingml/2011/main" xmlns:p="http://schemas.openxmlformats.org/presentationml/2006/main" xmlns:r="http://schemas.openxmlformats.org/officeDocument/2006/relationships" xmlns:a="http://schemas.openxmlformats.org/drawingml/2006/main" xmlns="" val="1"/>
             </a:ext>
           </a:extLst>
         </p:spPr>
@@ -1466,7 +1465,7 @@
 </file>
 
 <file path=ppt/notesSlides/notesSlide8.xml><?xml version="1.0" encoding="utf-8"?>
-<p:notes xmlns:a="http://schemas.openxmlformats.org/drawingml/2006/main" xmlns:r="http://schemas.openxmlformats.org/officeDocument/2006/relationships" xmlns:p="http://schemas.openxmlformats.org/presentationml/2006/main">
+<p:notes xmlns:a="http://schemas.openxmlformats.org/drawingml/2006/main" xmlns:r="http://schemas.openxmlformats.org/officeDocument/2006/relationships" xmlns:mc="http://schemas.openxmlformats.org/markup-compatibility/2006" xmlns:mv="urn:schemas-microsoft-com:mac:vml" xmlns:p="http://schemas.openxmlformats.org/presentationml/2006/main" mc:Ignorable="mv" mc:PreserveAttributes="mv:*">
   <p:cSld>
     <p:spTree>
       <p:nvGrpSpPr>
@@ -1540,92 +1539,7 @@
     </p:spTree>
     <p:extLst>
       <p:ext uri="{BB962C8B-B14F-4D97-AF65-F5344CB8AC3E}">
-        <p14:creationId xmlns:p14="http://schemas.microsoft.com/office/powerpoint/2010/main" val="963676054"/>
-      </p:ext>
-    </p:extLst>
-  </p:cSld>
-  <p:clrMapOvr>
-    <a:masterClrMapping/>
-  </p:clrMapOvr>
-</p:notes>
-</file>
-
-<file path=ppt/notesSlides/notesSlide9.xml><?xml version="1.0" encoding="utf-8"?>
-<p:notes xmlns:a="http://schemas.openxmlformats.org/drawingml/2006/main" xmlns:r="http://schemas.openxmlformats.org/officeDocument/2006/relationships" xmlns:p="http://schemas.openxmlformats.org/presentationml/2006/main">
-  <p:cSld>
-    <p:spTree>
-      <p:nvGrpSpPr>
-        <p:cNvPr id="1" name=""/>
-        <p:cNvGrpSpPr/>
-        <p:nvPr/>
-      </p:nvGrpSpPr>
-      <p:grpSpPr>
-        <a:xfrm>
-          <a:off x="0" y="0"/>
-          <a:ext cx="0" cy="0"/>
-          <a:chOff x="0" y="0"/>
-          <a:chExt cx="0" cy="0"/>
-        </a:xfrm>
-      </p:grpSpPr>
-      <p:sp>
-        <p:nvSpPr>
-          <p:cNvPr id="2" name="Slide Image Placeholder 1"/>
-          <p:cNvSpPr>
-            <a:spLocks noGrp="1" noRot="1" noChangeAspect="1"/>
-          </p:cNvSpPr>
-          <p:nvPr>
-            <p:ph type="sldImg"/>
-          </p:nvPr>
-        </p:nvSpPr>
-        <p:spPr/>
-      </p:sp>
-      <p:sp>
-        <p:nvSpPr>
-          <p:cNvPr id="3" name="Notes Placeholder 2"/>
-          <p:cNvSpPr>
-            <a:spLocks noGrp="1"/>
-          </p:cNvSpPr>
-          <p:nvPr>
-            <p:ph type="body" idx="1"/>
-          </p:nvPr>
-        </p:nvSpPr>
-        <p:spPr/>
-        <p:txBody>
-          <a:bodyPr/>
-          <a:lstStyle/>
-          <a:p>
-            <a:endParaRPr lang="en-US"/>
-          </a:p>
-        </p:txBody>
-      </p:sp>
-      <p:sp>
-        <p:nvSpPr>
-          <p:cNvPr id="4" name="Slide Number Placeholder 3"/>
-          <p:cNvSpPr>
-            <a:spLocks noGrp="1"/>
-          </p:cNvSpPr>
-          <p:nvPr>
-            <p:ph type="sldNum" sz="quarter" idx="10"/>
-          </p:nvPr>
-        </p:nvSpPr>
-        <p:spPr/>
-        <p:txBody>
-          <a:bodyPr/>
-          <a:lstStyle/>
-          <a:p>
-            <a:fld id="{3560C2FB-C494-1A46-A471-884A4E75440F}" type="slidenum">
-              <a:rPr lang="en-US" smtClean="0"/>
-              <a:pPr/>
-              <a:t>9</a:t>
-            </a:fld>
-            <a:endParaRPr lang="en-US" dirty="0"/>
-          </a:p>
-        </p:txBody>
-      </p:sp>
-    </p:spTree>
-    <p:extLst>
-      <p:ext uri="{BB962C8B-B14F-4D97-AF65-F5344CB8AC3E}">
-        <p14:creationId xmlns:p14="http://schemas.microsoft.com/office/powerpoint/2010/main" val="1443086944"/>
+        <p14:creationId xmlns:p14="http://schemas.microsoft.com/office/powerpoint/2010/main" xmlns:p="http://schemas.openxmlformats.org/presentationml/2006/main" xmlns:r="http://schemas.openxmlformats.org/officeDocument/2006/relationships" xmlns:a="http://schemas.openxmlformats.org/drawingml/2006/main" xmlns="" val="1443086944"/>
       </p:ext>
     </p:extLst>
   </p:cSld>
@@ -1636,7 +1550,7 @@
 </file>
 
 <file path=ppt/slideLayouts/slideLayout1.xml><?xml version="1.0" encoding="utf-8"?>
-<p:sldLayout xmlns:a="http://schemas.openxmlformats.org/drawingml/2006/main" xmlns:r="http://schemas.openxmlformats.org/officeDocument/2006/relationships" xmlns:p="http://schemas.openxmlformats.org/presentationml/2006/main" type="title" preserve="1">
+<p:sldLayout xmlns:a="http://schemas.openxmlformats.org/drawingml/2006/main" xmlns:r="http://schemas.openxmlformats.org/officeDocument/2006/relationships" xmlns:mc="http://schemas.openxmlformats.org/markup-compatibility/2006" xmlns:mv="urn:schemas-microsoft-com:mac:vml" xmlns:p="http://schemas.openxmlformats.org/presentationml/2006/main" mc:Ignorable="mv" mc:PreserveAttributes="mv:*" type="title" preserve="1">
   <p:cSld name="Title Slide">
     <p:bg>
       <p:bgPr>
@@ -1860,7 +1774,7 @@
 </file>
 
 <file path=ppt/slideLayouts/slideLayout10.xml><?xml version="1.0" encoding="utf-8"?>
-<p:sldLayout xmlns:a="http://schemas.openxmlformats.org/drawingml/2006/main" xmlns:r="http://schemas.openxmlformats.org/officeDocument/2006/relationships" xmlns:p="http://schemas.openxmlformats.org/presentationml/2006/main" preserve="1" userDrawn="1">
+<p:sldLayout xmlns:a="http://schemas.openxmlformats.org/drawingml/2006/main" xmlns:r="http://schemas.openxmlformats.org/officeDocument/2006/relationships" xmlns:mc="http://schemas.openxmlformats.org/markup-compatibility/2006" xmlns:mv="urn:schemas-microsoft-com:mac:vml" xmlns:p="http://schemas.openxmlformats.org/presentationml/2006/main" mc:Ignorable="mv" mc:PreserveAttributes="mv:*" preserve="1" userDrawn="1">
   <p:cSld name="Impact Slide - Pink">
     <p:bg>
       <p:bgPr>
@@ -1933,7 +1847,7 @@
 </file>
 
 <file path=ppt/slideLayouts/slideLayout11.xml><?xml version="1.0" encoding="utf-8"?>
-<p:sldLayout xmlns:a="http://schemas.openxmlformats.org/drawingml/2006/main" xmlns:r="http://schemas.openxmlformats.org/officeDocument/2006/relationships" xmlns:p="http://schemas.openxmlformats.org/presentationml/2006/main" preserve="1" userDrawn="1">
+<p:sldLayout xmlns:a="http://schemas.openxmlformats.org/drawingml/2006/main" xmlns:r="http://schemas.openxmlformats.org/officeDocument/2006/relationships" xmlns:mc="http://schemas.openxmlformats.org/markup-compatibility/2006" xmlns:mv="urn:schemas-microsoft-com:mac:vml" xmlns:p="http://schemas.openxmlformats.org/presentationml/2006/main" mc:Ignorable="mv" mc:PreserveAttributes="mv:*" preserve="1" userDrawn="1">
   <p:cSld name="Quote Slide - Neutral">
     <p:bg>
       <p:bgPr>
@@ -2092,7 +2006,7 @@
 </file>
 
 <file path=ppt/slideLayouts/slideLayout12.xml><?xml version="1.0" encoding="utf-8"?>
-<p:sldLayout xmlns:a="http://schemas.openxmlformats.org/drawingml/2006/main" xmlns:r="http://schemas.openxmlformats.org/officeDocument/2006/relationships" xmlns:p="http://schemas.openxmlformats.org/presentationml/2006/main" preserve="1" userDrawn="1">
+<p:sldLayout xmlns:a="http://schemas.openxmlformats.org/drawingml/2006/main" xmlns:r="http://schemas.openxmlformats.org/officeDocument/2006/relationships" xmlns:mc="http://schemas.openxmlformats.org/markup-compatibility/2006" xmlns:mv="urn:schemas-microsoft-com:mac:vml" xmlns:p="http://schemas.openxmlformats.org/presentationml/2006/main" mc:Ignorable="mv" mc:PreserveAttributes="mv:*" preserve="1" userDrawn="1">
   <p:cSld name="Quote Slide - Teal">
     <p:bg>
       <p:bgPr>
@@ -2245,7 +2159,7 @@
 </file>
 
 <file path=ppt/slideLayouts/slideLayout13.xml><?xml version="1.0" encoding="utf-8"?>
-<p:sldLayout xmlns:a="http://schemas.openxmlformats.org/drawingml/2006/main" xmlns:r="http://schemas.openxmlformats.org/officeDocument/2006/relationships" xmlns:p="http://schemas.openxmlformats.org/presentationml/2006/main" preserve="1" userDrawn="1">
+<p:sldLayout xmlns:a="http://schemas.openxmlformats.org/drawingml/2006/main" xmlns:r="http://schemas.openxmlformats.org/officeDocument/2006/relationships" xmlns:mc="http://schemas.openxmlformats.org/markup-compatibility/2006" xmlns:mv="urn:schemas-microsoft-com:mac:vml" xmlns:p="http://schemas.openxmlformats.org/presentationml/2006/main" mc:Ignorable="mv" mc:PreserveAttributes="mv:*" preserve="1" userDrawn="1">
   <p:cSld name="Quote Slide - Green">
     <p:bg>
       <p:bgPr>
@@ -2398,7 +2312,7 @@
 </file>
 
 <file path=ppt/slideLayouts/slideLayout14.xml><?xml version="1.0" encoding="utf-8"?>
-<p:sldLayout xmlns:a="http://schemas.openxmlformats.org/drawingml/2006/main" xmlns:r="http://schemas.openxmlformats.org/officeDocument/2006/relationships" xmlns:p="http://schemas.openxmlformats.org/presentationml/2006/main" preserve="1" userDrawn="1">
+<p:sldLayout xmlns:a="http://schemas.openxmlformats.org/drawingml/2006/main" xmlns:r="http://schemas.openxmlformats.org/officeDocument/2006/relationships" xmlns:mc="http://schemas.openxmlformats.org/markup-compatibility/2006" xmlns:mv="urn:schemas-microsoft-com:mac:vml" xmlns:p="http://schemas.openxmlformats.org/presentationml/2006/main" mc:Ignorable="mv" mc:PreserveAttributes="mv:*" preserve="1" userDrawn="1">
   <p:cSld name="Orange Quote Slide">
     <p:bg>
       <p:bgPr>
@@ -2551,7 +2465,7 @@
 </file>
 
 <file path=ppt/slideLayouts/slideLayout15.xml><?xml version="1.0" encoding="utf-8"?>
-<p:sldLayout xmlns:a="http://schemas.openxmlformats.org/drawingml/2006/main" xmlns:r="http://schemas.openxmlformats.org/officeDocument/2006/relationships" xmlns:p="http://schemas.openxmlformats.org/presentationml/2006/main" preserve="1" userDrawn="1">
+<p:sldLayout xmlns:a="http://schemas.openxmlformats.org/drawingml/2006/main" xmlns:r="http://schemas.openxmlformats.org/officeDocument/2006/relationships" xmlns:mc="http://schemas.openxmlformats.org/markup-compatibility/2006" xmlns:mv="urn:schemas-microsoft-com:mac:vml" xmlns:p="http://schemas.openxmlformats.org/presentationml/2006/main" mc:Ignorable="mv" mc:PreserveAttributes="mv:*" preserve="1" userDrawn="1">
   <p:cSld name="Quote Slide - Pink">
     <p:bg>
       <p:bgPr>
@@ -2704,7 +2618,7 @@
 </file>
 
 <file path=ppt/slideLayouts/slideLayout16.xml><?xml version="1.0" encoding="utf-8"?>
-<p:sldLayout xmlns:a="http://schemas.openxmlformats.org/drawingml/2006/main" xmlns:r="http://schemas.openxmlformats.org/officeDocument/2006/relationships" xmlns:p="http://schemas.openxmlformats.org/presentationml/2006/main" preserve="1" userDrawn="1">
+<p:sldLayout xmlns:a="http://schemas.openxmlformats.org/drawingml/2006/main" xmlns:r="http://schemas.openxmlformats.org/officeDocument/2006/relationships" xmlns:mc="http://schemas.openxmlformats.org/markup-compatibility/2006" xmlns:mv="urn:schemas-microsoft-com:mac:vml" xmlns:p="http://schemas.openxmlformats.org/presentationml/2006/main" mc:Ignorable="mv" mc:PreserveAttributes="mv:*" preserve="1" userDrawn="1">
   <p:cSld name="Thank You - Teal">
     <p:bg>
       <p:bgPr>
@@ -2835,7 +2749,7 @@
 </file>
 
 <file path=ppt/slideLayouts/slideLayout17.xml><?xml version="1.0" encoding="utf-8"?>
-<p:sldLayout xmlns:a="http://schemas.openxmlformats.org/drawingml/2006/main" xmlns:r="http://schemas.openxmlformats.org/officeDocument/2006/relationships" xmlns:p="http://schemas.openxmlformats.org/presentationml/2006/main" preserve="1" userDrawn="1">
+<p:sldLayout xmlns:a="http://schemas.openxmlformats.org/drawingml/2006/main" xmlns:r="http://schemas.openxmlformats.org/officeDocument/2006/relationships" xmlns:mc="http://schemas.openxmlformats.org/markup-compatibility/2006" xmlns:mv="urn:schemas-microsoft-com:mac:vml" xmlns:p="http://schemas.openxmlformats.org/presentationml/2006/main" mc:Ignorable="mv" mc:PreserveAttributes="mv:*" preserve="1" userDrawn="1">
   <p:cSld name="Thank You - Green">
     <p:bg>
       <p:bgPr>
@@ -2966,7 +2880,7 @@
 </file>
 
 <file path=ppt/slideLayouts/slideLayout18.xml><?xml version="1.0" encoding="utf-8"?>
-<p:sldLayout xmlns:a="http://schemas.openxmlformats.org/drawingml/2006/main" xmlns:r="http://schemas.openxmlformats.org/officeDocument/2006/relationships" xmlns:p="http://schemas.openxmlformats.org/presentationml/2006/main" userDrawn="1">
+<p:sldLayout xmlns:a="http://schemas.openxmlformats.org/drawingml/2006/main" xmlns:r="http://schemas.openxmlformats.org/officeDocument/2006/relationships" xmlns:mc="http://schemas.openxmlformats.org/markup-compatibility/2006" xmlns:mv="urn:schemas-microsoft-com:mac:vml" xmlns:p="http://schemas.openxmlformats.org/presentationml/2006/main" mc:Ignorable="mv" mc:PreserveAttributes="mv:*" userDrawn="1">
   <p:cSld name="Thank You - Orange">
     <p:bg>
       <p:bgPr>
@@ -3097,7 +3011,7 @@
 </file>
 
 <file path=ppt/slideLayouts/slideLayout19.xml><?xml version="1.0" encoding="utf-8"?>
-<p:sldLayout xmlns:a="http://schemas.openxmlformats.org/drawingml/2006/main" xmlns:r="http://schemas.openxmlformats.org/officeDocument/2006/relationships" xmlns:p="http://schemas.openxmlformats.org/presentationml/2006/main" userDrawn="1">
+<p:sldLayout xmlns:a="http://schemas.openxmlformats.org/drawingml/2006/main" xmlns:r="http://schemas.openxmlformats.org/officeDocument/2006/relationships" xmlns:mc="http://schemas.openxmlformats.org/markup-compatibility/2006" xmlns:mv="urn:schemas-microsoft-com:mac:vml" xmlns:p="http://schemas.openxmlformats.org/presentationml/2006/main" mc:Ignorable="mv" mc:PreserveAttributes="mv:*" userDrawn="1">
   <p:cSld name="Thank You - Pink">
     <p:bg>
       <p:bgPr>
@@ -3228,7 +3142,7 @@
 </file>
 
 <file path=ppt/slideLayouts/slideLayout2.xml><?xml version="1.0" encoding="utf-8"?>
-<p:sldLayout xmlns:a="http://schemas.openxmlformats.org/drawingml/2006/main" xmlns:r="http://schemas.openxmlformats.org/officeDocument/2006/relationships" xmlns:p="http://schemas.openxmlformats.org/presentationml/2006/main" preserve="1" userDrawn="1">
+<p:sldLayout xmlns:a="http://schemas.openxmlformats.org/drawingml/2006/main" xmlns:r="http://schemas.openxmlformats.org/officeDocument/2006/relationships" xmlns:mc="http://schemas.openxmlformats.org/markup-compatibility/2006" xmlns:mv="urn:schemas-microsoft-com:mac:vml" xmlns:p="http://schemas.openxmlformats.org/presentationml/2006/main" mc:Ignorable="mv" mc:PreserveAttributes="mv:*" preserve="1" userDrawn="1">
   <p:cSld name="Title and Single Element">
     <p:spTree>
       <p:nvGrpSpPr>
@@ -3559,7 +3473,7 @@
 </file>
 
 <file path=ppt/slideLayouts/slideLayout3.xml><?xml version="1.0" encoding="utf-8"?>
-<p:sldLayout xmlns:a="http://schemas.openxmlformats.org/drawingml/2006/main" xmlns:r="http://schemas.openxmlformats.org/officeDocument/2006/relationships" xmlns:p="http://schemas.openxmlformats.org/presentationml/2006/main" preserve="1" userDrawn="1">
+<p:sldLayout xmlns:a="http://schemas.openxmlformats.org/drawingml/2006/main" xmlns:r="http://schemas.openxmlformats.org/officeDocument/2006/relationships" xmlns:mc="http://schemas.openxmlformats.org/markup-compatibility/2006" xmlns:mv="urn:schemas-microsoft-com:mac:vml" xmlns:p="http://schemas.openxmlformats.org/presentationml/2006/main" mc:Ignorable="mv" mc:PreserveAttributes="mv:*" preserve="1" userDrawn="1">
   <p:cSld name="Title and Two Element">
     <p:spTree>
       <p:nvGrpSpPr>
@@ -3951,7 +3865,7 @@
 </file>
 
 <file path=ppt/slideLayouts/slideLayout4.xml><?xml version="1.0" encoding="utf-8"?>
-<p:sldLayout xmlns:a="http://schemas.openxmlformats.org/drawingml/2006/main" xmlns:r="http://schemas.openxmlformats.org/officeDocument/2006/relationships" xmlns:p="http://schemas.openxmlformats.org/presentationml/2006/main" preserve="1" userDrawn="1">
+<p:sldLayout xmlns:a="http://schemas.openxmlformats.org/drawingml/2006/main" xmlns:r="http://schemas.openxmlformats.org/officeDocument/2006/relationships" xmlns:mc="http://schemas.openxmlformats.org/markup-compatibility/2006" xmlns:mv="urn:schemas-microsoft-com:mac:vml" xmlns:p="http://schemas.openxmlformats.org/presentationml/2006/main" mc:Ignorable="mv" mc:PreserveAttributes="mv:*" preserve="1" userDrawn="1">
   <p:cSld name="Title Only and Blank">
     <p:spTree>
       <p:nvGrpSpPr>
@@ -4225,7 +4139,7 @@
 </file>
 
 <file path=ppt/slideLayouts/slideLayout5.xml><?xml version="1.0" encoding="utf-8"?>
-<p:sldLayout xmlns:a="http://schemas.openxmlformats.org/drawingml/2006/main" xmlns:r="http://schemas.openxmlformats.org/officeDocument/2006/relationships" xmlns:p="http://schemas.openxmlformats.org/presentationml/2006/main" userDrawn="1">
+<p:sldLayout xmlns:a="http://schemas.openxmlformats.org/drawingml/2006/main" xmlns:r="http://schemas.openxmlformats.org/officeDocument/2006/relationships" xmlns:mc="http://schemas.openxmlformats.org/markup-compatibility/2006" xmlns:mv="urn:schemas-microsoft-com:mac:vml" xmlns:p="http://schemas.openxmlformats.org/presentationml/2006/main" mc:Ignorable="mv" mc:PreserveAttributes="mv:*" userDrawn="1">
   <p:cSld name="Left Text and Right Image">
     <p:spTree>
       <p:nvGrpSpPr>
@@ -4586,7 +4500,7 @@
 </file>
 
 <file path=ppt/slideLayouts/slideLayout6.xml><?xml version="1.0" encoding="utf-8"?>
-<p:sldLayout xmlns:a="http://schemas.openxmlformats.org/drawingml/2006/main" xmlns:r="http://schemas.openxmlformats.org/officeDocument/2006/relationships" xmlns:p="http://schemas.openxmlformats.org/presentationml/2006/main" preserve="1" userDrawn="1">
+<p:sldLayout xmlns:a="http://schemas.openxmlformats.org/drawingml/2006/main" xmlns:r="http://schemas.openxmlformats.org/officeDocument/2006/relationships" xmlns:mc="http://schemas.openxmlformats.org/markup-compatibility/2006" xmlns:mv="urn:schemas-microsoft-com:mac:vml" xmlns:p="http://schemas.openxmlformats.org/presentationml/2006/main" mc:Ignorable="mv" mc:PreserveAttributes="mv:*" preserve="1" userDrawn="1">
   <p:cSld name="Left Image and Right Text">
     <p:spTree>
       <p:nvGrpSpPr>
@@ -4947,7 +4861,7 @@
 </file>
 
 <file path=ppt/slideLayouts/slideLayout7.xml><?xml version="1.0" encoding="utf-8"?>
-<p:sldLayout xmlns:a="http://schemas.openxmlformats.org/drawingml/2006/main" xmlns:r="http://schemas.openxmlformats.org/officeDocument/2006/relationships" xmlns:p="http://schemas.openxmlformats.org/presentationml/2006/main" preserve="1" userDrawn="1">
+<p:sldLayout xmlns:a="http://schemas.openxmlformats.org/drawingml/2006/main" xmlns:r="http://schemas.openxmlformats.org/officeDocument/2006/relationships" xmlns:mc="http://schemas.openxmlformats.org/markup-compatibility/2006" xmlns:mv="urn:schemas-microsoft-com:mac:vml" xmlns:p="http://schemas.openxmlformats.org/presentationml/2006/main" mc:Ignorable="mv" mc:PreserveAttributes="mv:*" preserve="1" userDrawn="1">
   <p:cSld name="Impact Slide - Teal">
     <p:bg>
       <p:bgPr>
@@ -5042,7 +4956,7 @@
 </file>
 
 <file path=ppt/slideLayouts/slideLayout8.xml><?xml version="1.0" encoding="utf-8"?>
-<p:sldLayout xmlns:a="http://schemas.openxmlformats.org/drawingml/2006/main" xmlns:r="http://schemas.openxmlformats.org/officeDocument/2006/relationships" xmlns:p="http://schemas.openxmlformats.org/presentationml/2006/main" preserve="1" userDrawn="1">
+<p:sldLayout xmlns:a="http://schemas.openxmlformats.org/drawingml/2006/main" xmlns:r="http://schemas.openxmlformats.org/officeDocument/2006/relationships" xmlns:mc="http://schemas.openxmlformats.org/markup-compatibility/2006" xmlns:mv="urn:schemas-microsoft-com:mac:vml" xmlns:p="http://schemas.openxmlformats.org/presentationml/2006/main" mc:Ignorable="mv" mc:PreserveAttributes="mv:*" preserve="1" userDrawn="1">
   <p:cSld name="Impact Slide - Green">
     <p:bg>
       <p:bgPr>
@@ -5137,7 +5051,7 @@
 </file>
 
 <file path=ppt/slideLayouts/slideLayout9.xml><?xml version="1.0" encoding="utf-8"?>
-<p:sldLayout xmlns:a="http://schemas.openxmlformats.org/drawingml/2006/main" xmlns:r="http://schemas.openxmlformats.org/officeDocument/2006/relationships" xmlns:p="http://schemas.openxmlformats.org/presentationml/2006/main" preserve="1" userDrawn="1">
+<p:sldLayout xmlns:a="http://schemas.openxmlformats.org/drawingml/2006/main" xmlns:r="http://schemas.openxmlformats.org/officeDocument/2006/relationships" xmlns:mc="http://schemas.openxmlformats.org/markup-compatibility/2006" xmlns:mv="urn:schemas-microsoft-com:mac:vml" xmlns:p="http://schemas.openxmlformats.org/presentationml/2006/main" mc:Ignorable="mv" mc:PreserveAttributes="mv:*" preserve="1" userDrawn="1">
   <p:cSld name="Impact Slide - Orange">
     <p:bg>
       <p:bgPr>
@@ -5232,7 +5146,7 @@
 </file>
 
 <file path=ppt/slideMasters/slideMaster1.xml><?xml version="1.0" encoding="utf-8"?>
-<p:sldMaster xmlns:a="http://schemas.openxmlformats.org/drawingml/2006/main" xmlns:r="http://schemas.openxmlformats.org/officeDocument/2006/relationships" xmlns:p="http://schemas.openxmlformats.org/presentationml/2006/main">
+<p:sldMaster xmlns:a="http://schemas.openxmlformats.org/drawingml/2006/main" xmlns:r="http://schemas.openxmlformats.org/officeDocument/2006/relationships" xmlns:mc="http://schemas.openxmlformats.org/markup-compatibility/2006" xmlns:mv="urn:schemas-microsoft-com:mac:vml" xmlns:p="http://schemas.openxmlformats.org/presentationml/2006/main" mc:Ignorable="mv" mc:PreserveAttributes="mv:*">
   <p:cSld>
     <p:bg>
       <p:bgPr>
@@ -5854,7 +5768,7 @@
 </file>
 
 <file path=ppt/slides/slide1.xml><?xml version="1.0" encoding="utf-8"?>
-<p:sld xmlns:a="http://schemas.openxmlformats.org/drawingml/2006/main" xmlns:r="http://schemas.openxmlformats.org/officeDocument/2006/relationships" xmlns:p="http://schemas.openxmlformats.org/presentationml/2006/main">
+<p:sld xmlns:a="http://schemas.openxmlformats.org/drawingml/2006/main" xmlns:r="http://schemas.openxmlformats.org/officeDocument/2006/relationships" xmlns:mc="http://schemas.openxmlformats.org/markup-compatibility/2006" xmlns:mv="urn:schemas-microsoft-com:mac:vml" xmlns:p="http://schemas.openxmlformats.org/presentationml/2006/main" mc:Ignorable="mv" mc:PreserveAttributes="mv:*">
   <p:cSld>
     <p:spTree>
       <p:nvGrpSpPr>
@@ -5934,20 +5848,20 @@
     </p:spTree>
     <p:extLst>
       <p:ext uri="{BB962C8B-B14F-4D97-AF65-F5344CB8AC3E}">
-        <p14:creationId xmlns:p14="http://schemas.microsoft.com/office/powerpoint/2010/main" val="2352184382"/>
+        <p14:creationId xmlns:p14="http://schemas.microsoft.com/office/powerpoint/2010/main" xmlns:p="http://schemas.openxmlformats.org/presentationml/2006/main" xmlns:r="http://schemas.openxmlformats.org/officeDocument/2006/relationships" xmlns:a="http://schemas.openxmlformats.org/drawingml/2006/main" xmlns="" val="2352184382"/>
       </p:ext>
     </p:extLst>
   </p:cSld>
   <p:clrMapOvr>
     <a:masterClrMapping/>
   </p:clrMapOvr>
-  <p:transition xmlns:p14="http://schemas.microsoft.com/office/powerpoint/2010/main" spd="med">
+  <p:transition spd="med">
     <p:fade/>
   </p:transition>
   <p:timing>
     <p:tnLst>
       <p:par>
-        <p:cTn xmlns:p14="http://schemas.microsoft.com/office/powerpoint/2010/main" id="1" dur="indefinite" restart="never" nodeType="tmRoot"/>
+        <p:cTn id="1" dur="indefinite" restart="never" nodeType="tmRoot"/>
       </p:par>
     </p:tnLst>
   </p:timing>
@@ -5955,7 +5869,7 @@
 </file>
 
 <file path=ppt/slides/slide2.xml><?xml version="1.0" encoding="utf-8"?>
-<p:sld xmlns:a="http://schemas.openxmlformats.org/drawingml/2006/main" xmlns:r="http://schemas.openxmlformats.org/officeDocument/2006/relationships" xmlns:p="http://schemas.openxmlformats.org/presentationml/2006/main">
+<p:sld xmlns:a="http://schemas.openxmlformats.org/drawingml/2006/main" xmlns:r="http://schemas.openxmlformats.org/officeDocument/2006/relationships" xmlns:mc="http://schemas.openxmlformats.org/markup-compatibility/2006" xmlns:mv="urn:schemas-microsoft-com:mac:vml" xmlns:p="http://schemas.openxmlformats.org/presentationml/2006/main" mc:Ignorable="mv" mc:PreserveAttributes="mv:*">
   <p:cSld>
     <p:spTree>
       <p:nvGrpSpPr>
@@ -6013,11 +5927,11 @@
           <a:p>
             <a:r>
               <a:rPr lang="en-US" sz="3200" dirty="0"/>
-              <a:t>The </a:t>
+              <a:t>The</a:t>
             </a:r>
             <a:r>
               <a:rPr lang="en-US" sz="3200" dirty="0" smtClean="0"/>
-              <a:t>allows </a:t>
+              <a:t> API allows </a:t>
             </a:r>
             <a:r>
               <a:rPr lang="en-US" sz="3200" dirty="0"/>
@@ -6027,11 +5941,16 @@
               <a:rPr lang="en-US" sz="3200" dirty="0" smtClean="0"/>
               <a:t>library</a:t>
             </a:r>
+            <a:endParaRPr lang="en-US" sz="3200" dirty="0" smtClean="0"/>
           </a:p>
           <a:p>
             <a:r>
               <a:rPr lang="en-US" sz="3200" dirty="0" smtClean="0"/>
-              <a:t>Can use </a:t>
+              <a:t>U</a:t>
+            </a:r>
+            <a:r>
+              <a:rPr lang="en-US" sz="3200" dirty="0" smtClean="0"/>
+              <a:t>se </a:t>
             </a:r>
             <a:r>
               <a:rPr lang="en-US" sz="3200" dirty="0"/>
@@ -6049,7 +5968,15 @@
             </a:r>
             <a:r>
               <a:rPr lang="en-US" sz="3200" dirty="0"/>
-              <a:t>from the server or client </a:t>
+              <a:t>from the </a:t>
+            </a:r>
+            <a:r>
+              <a:rPr lang="en-US" sz="3200" dirty="0" smtClean="0"/>
+              <a:t>server side </a:t>
+            </a:r>
+            <a:r>
+              <a:rPr lang="en-US" sz="3200" dirty="0"/>
+              <a:t>or client </a:t>
             </a:r>
             <a:r>
               <a:rPr lang="en-US" sz="3200" dirty="0" smtClean="0"/>
@@ -6083,7 +6010,6 @@
               <a:rPr lang="en-US" sz="3200" dirty="0" smtClean="0"/>
               <a:t>assets</a:t>
             </a:r>
-            <a:endParaRPr lang="en-US" sz="3200" dirty="0" smtClean="0"/>
           </a:p>
           <a:p>
             <a:endParaRPr lang="en-US" sz="3200" dirty="0"/>
@@ -6093,7 +6019,7 @@
     </p:spTree>
     <p:extLst>
       <p:ext uri="{BB962C8B-B14F-4D97-AF65-F5344CB8AC3E}">
-        <p14:creationId xmlns:p14="http://schemas.microsoft.com/office/powerpoint/2010/main" val="2108713422"/>
+        <p14:creationId xmlns:p14="http://schemas.microsoft.com/office/powerpoint/2010/main" xmlns:p="http://schemas.openxmlformats.org/presentationml/2006/main" xmlns:r="http://schemas.openxmlformats.org/officeDocument/2006/relationships" xmlns:a="http://schemas.openxmlformats.org/drawingml/2006/main" xmlns="" val="2108713422"/>
       </p:ext>
     </p:extLst>
   </p:cSld>
@@ -6103,7 +6029,7 @@
   <p:timing>
     <p:tnLst>
       <p:par>
-        <p:cTn xmlns:p14="http://schemas.microsoft.com/office/powerpoint/2010/main" id="1" dur="indefinite" restart="never" nodeType="tmRoot"/>
+        <p:cTn id="1" dur="indefinite" restart="never" nodeType="tmRoot"/>
       </p:par>
     </p:tnLst>
   </p:timing>
@@ -6111,7 +6037,7 @@
 </file>
 
 <file path=ppt/slides/slide3.xml><?xml version="1.0" encoding="utf-8"?>
-<p:sld xmlns:a="http://schemas.openxmlformats.org/drawingml/2006/main" xmlns:r="http://schemas.openxmlformats.org/officeDocument/2006/relationships" xmlns:p="http://schemas.openxmlformats.org/presentationml/2006/main">
+<p:sld xmlns:a="http://schemas.openxmlformats.org/drawingml/2006/main" xmlns:r="http://schemas.openxmlformats.org/officeDocument/2006/relationships" xmlns:mc="http://schemas.openxmlformats.org/markup-compatibility/2006" xmlns:mv="urn:schemas-microsoft-com:mac:vml" xmlns:p="http://schemas.openxmlformats.org/presentationml/2006/main" mc:Ignorable="mv" mc:PreserveAttributes="mv:*">
   <p:cSld>
     <p:spTree>
       <p:nvGrpSpPr>
@@ -6210,7 +6136,7 @@
     </p:spTree>
     <p:extLst>
       <p:ext uri="{BB962C8B-B14F-4D97-AF65-F5344CB8AC3E}">
-        <p14:creationId xmlns:p14="http://schemas.microsoft.com/office/powerpoint/2010/main" val="2805855639"/>
+        <p14:creationId xmlns:p14="http://schemas.microsoft.com/office/powerpoint/2010/main" xmlns:p="http://schemas.openxmlformats.org/presentationml/2006/main" xmlns:r="http://schemas.openxmlformats.org/officeDocument/2006/relationships" xmlns:a="http://schemas.openxmlformats.org/drawingml/2006/main" xmlns="" val="2805855639"/>
       </p:ext>
     </p:extLst>
   </p:cSld>
@@ -6220,7 +6146,7 @@
   <p:timing>
     <p:tnLst>
       <p:par>
-        <p:cTn xmlns:p14="http://schemas.microsoft.com/office/powerpoint/2010/main" id="1" dur="indefinite" restart="never" nodeType="tmRoot"/>
+        <p:cTn id="1" dur="indefinite" restart="never" nodeType="tmRoot"/>
       </p:par>
     </p:tnLst>
   </p:timing>
@@ -6228,7 +6154,7 @@
 </file>
 
 <file path=ppt/slides/slide4.xml><?xml version="1.0" encoding="utf-8"?>
-<p:sld xmlns:a="http://schemas.openxmlformats.org/drawingml/2006/main" xmlns:r="http://schemas.openxmlformats.org/officeDocument/2006/relationships" xmlns:p="http://schemas.openxmlformats.org/presentationml/2006/main">
+<p:sld xmlns:a="http://schemas.openxmlformats.org/drawingml/2006/main" xmlns:r="http://schemas.openxmlformats.org/officeDocument/2006/relationships" xmlns:mc="http://schemas.openxmlformats.org/markup-compatibility/2006" xmlns:mv="urn:schemas-microsoft-com:mac:vml" xmlns:p="http://schemas.openxmlformats.org/presentationml/2006/main" mc:Ignorable="mv" mc:PreserveAttributes="mv:*">
   <p:cSld>
     <p:spTree>
       <p:nvGrpSpPr>
@@ -6306,7 +6232,6 @@
               <a:rPr lang="en-US" sz="3200" dirty="0" smtClean="0"/>
               <a:t>Results are returned in JSON</a:t>
             </a:r>
-            <a:endParaRPr lang="en-US" sz="3200" dirty="0" smtClean="0"/>
           </a:p>
           <a:p>
             <a:endParaRPr lang="en-US" sz="3200" dirty="0"/>
@@ -6316,7 +6241,7 @@
     </p:spTree>
     <p:extLst>
       <p:ext uri="{BB962C8B-B14F-4D97-AF65-F5344CB8AC3E}">
-        <p14:creationId xmlns:p14="http://schemas.microsoft.com/office/powerpoint/2010/main" val="1723545958"/>
+        <p14:creationId xmlns:p14="http://schemas.microsoft.com/office/powerpoint/2010/main" xmlns:p="http://schemas.openxmlformats.org/presentationml/2006/main" xmlns:r="http://schemas.openxmlformats.org/officeDocument/2006/relationships" xmlns:a="http://schemas.openxmlformats.org/drawingml/2006/main" xmlns="" val="1723545958"/>
       </p:ext>
     </p:extLst>
   </p:cSld>
@@ -6326,7 +6251,7 @@
   <p:timing>
     <p:tnLst>
       <p:par>
-        <p:cTn xmlns:p14="http://schemas.microsoft.com/office/powerpoint/2010/main" id="1" dur="indefinite" restart="never" nodeType="tmRoot"/>
+        <p:cTn id="1" dur="indefinite" restart="never" nodeType="tmRoot"/>
       </p:par>
     </p:tnLst>
   </p:timing>
@@ -6334,7 +6259,7 @@
 </file>
 
 <file path=ppt/slides/slide5.xml><?xml version="1.0" encoding="utf-8"?>
-<p:sld xmlns:a="http://schemas.openxmlformats.org/drawingml/2006/main" xmlns:r="http://schemas.openxmlformats.org/officeDocument/2006/relationships" xmlns:p="http://schemas.openxmlformats.org/presentationml/2006/main">
+<p:sld xmlns:a="http://schemas.openxmlformats.org/drawingml/2006/main" xmlns:r="http://schemas.openxmlformats.org/officeDocument/2006/relationships" xmlns:mc="http://schemas.openxmlformats.org/markup-compatibility/2006" xmlns:mv="urn:schemas-microsoft-com:mac:vml" xmlns:p="http://schemas.openxmlformats.org/presentationml/2006/main" mc:Ignorable="mv" mc:PreserveAttributes="mv:*">
   <p:cSld>
     <p:spTree>
       <p:nvGrpSpPr>
@@ -6372,14 +6297,14 @@
           </a:ln>
           <a:extLst>
             <a:ext uri="{909E8E84-426E-40dd-AFC4-6F175D3DCCD1}">
-              <a14:hiddenFill xmlns:a14="http://schemas.microsoft.com/office/drawing/2010/main">
+              <a14:hiddenFill xmlns:a14="http://schemas.microsoft.com/office/drawing/2010/main" xmlns:p="http://schemas.openxmlformats.org/presentationml/2006/main" xmlns:r="http://schemas.openxmlformats.org/officeDocument/2006/relationships" xmlns:a="http://schemas.openxmlformats.org/drawingml/2006/main" xmlns="">
                 <a:solidFill>
                   <a:srgbClr val="FFFFFF"/>
                 </a:solidFill>
               </a14:hiddenFill>
             </a:ext>
             <a:ext uri="{91240B29-F687-4f45-9708-019B960494DF}">
-              <a14:hiddenLine xmlns:a14="http://schemas.microsoft.com/office/drawing/2010/main" w="9525">
+              <a14:hiddenLine xmlns:a14="http://schemas.microsoft.com/office/drawing/2010/main" xmlns:p="http://schemas.openxmlformats.org/presentationml/2006/main" xmlns:r="http://schemas.openxmlformats.org/officeDocument/2006/relationships" xmlns:a="http://schemas.openxmlformats.org/drawingml/2006/main" xmlns="" w="9525">
                 <a:solidFill>
                   <a:srgbClr val="000000"/>
                 </a:solidFill>
@@ -7027,19 +6952,41 @@
                 <a:ea typeface="ＭＳ Ｐゴシック" charset="0"/>
                 <a:cs typeface="ＭＳ Ｐゴシック" charset="0"/>
               </a:rPr>
-              <a:t>If you are not familiar with JSON, see: </a:t>
-            </a:r>
-            <a:r>
-              <a:rPr lang="en-US" sz="3200" dirty="0">
+              <a:t>If you are not familiar with JSON, see:</a:t>
+            </a:r>
+            <a:r>
+              <a:rPr lang="en-US" sz="3200" dirty="0" smtClean="0">
                 <a:solidFill>
                   <a:srgbClr val="23383A"/>
                 </a:solidFill>
                 <a:latin typeface="Arial" charset="0"/>
                 <a:ea typeface="ＭＳ Ｐゴシック" charset="0"/>
                 <a:cs typeface="ＭＳ Ｐゴシック" charset="0"/>
+              </a:rPr>
+              <a:t> </a:t>
+            </a:r>
+            <a:r>
+              <a:rPr lang="en-US" sz="3200" dirty="0" smtClean="0">
+                <a:solidFill>
+                  <a:srgbClr val="23383A"/>
+                </a:solidFill>
+                <a:latin typeface="Arial" pitchFamily="8" charset="0"/>
+                <a:ea typeface="ＭＳ Ｐゴシック" pitchFamily="8" charset="-128"/>
+                <a:cs typeface="ＭＳ Ｐゴシック" pitchFamily="8" charset="-128"/>
                 <a:hlinkClick r:id="rId5"/>
               </a:rPr>
-              <a:t>Using JSON</a:t>
+              <a:t>http://www.json.org/</a:t>
+            </a:r>
+            <a:r>
+              <a:rPr lang="en-US" sz="3200" dirty="0" smtClean="0">
+                <a:solidFill>
+                  <a:srgbClr val="23383A"/>
+                </a:solidFill>
+                <a:latin typeface="Arial" pitchFamily="8" charset="0"/>
+                <a:ea typeface="ＭＳ Ｐゴシック" pitchFamily="8" charset="-128"/>
+                <a:cs typeface="ＭＳ Ｐゴシック" pitchFamily="8" charset="-128"/>
+              </a:rPr>
+              <a:t> </a:t>
             </a:r>
             <a:endParaRPr lang="en-US" sz="3200" dirty="0">
               <a:solidFill>
@@ -7074,14 +7021,14 @@
           </a:ln>
           <a:extLst>
             <a:ext uri="{909E8E84-426E-40dd-AFC4-6F175D3DCCD1}">
-              <a14:hiddenFill xmlns:a14="http://schemas.microsoft.com/office/drawing/2010/main">
+              <a14:hiddenFill xmlns:a14="http://schemas.microsoft.com/office/drawing/2010/main" xmlns:p="http://schemas.openxmlformats.org/presentationml/2006/main" xmlns:r="http://schemas.openxmlformats.org/officeDocument/2006/relationships" xmlns:a="http://schemas.openxmlformats.org/drawingml/2006/main" xmlns="">
                 <a:solidFill>
                   <a:srgbClr val="FFFFFF"/>
                 </a:solidFill>
               </a14:hiddenFill>
             </a:ext>
             <a:ext uri="{91240B29-F687-4f45-9708-019B960494DF}">
-              <a14:hiddenLine xmlns:a14="http://schemas.microsoft.com/office/drawing/2010/main" w="9525">
+              <a14:hiddenLine xmlns:a14="http://schemas.microsoft.com/office/drawing/2010/main" xmlns:p="http://schemas.openxmlformats.org/presentationml/2006/main" xmlns:r="http://schemas.openxmlformats.org/officeDocument/2006/relationships" xmlns:a="http://schemas.openxmlformats.org/drawingml/2006/main" xmlns="" w="9525">
                 <a:solidFill>
                   <a:srgbClr val="000000"/>
                 </a:solidFill>
@@ -7116,20 +7063,20 @@
     </p:spTree>
     <p:extLst>
       <p:ext uri="{BB962C8B-B14F-4D97-AF65-F5344CB8AC3E}">
-        <p14:creationId xmlns:p14="http://schemas.microsoft.com/office/powerpoint/2010/main" val="1205781187"/>
+        <p14:creationId xmlns:p14="http://schemas.microsoft.com/office/powerpoint/2010/main" xmlns:p="http://schemas.openxmlformats.org/presentationml/2006/main" xmlns:r="http://schemas.openxmlformats.org/officeDocument/2006/relationships" xmlns:a="http://schemas.openxmlformats.org/drawingml/2006/main" xmlns="" val="1205781187"/>
       </p:ext>
     </p:extLst>
   </p:cSld>
   <p:clrMapOvr>
     <a:masterClrMapping/>
   </p:clrMapOvr>
-  <p:transition xmlns:p14="http://schemas.microsoft.com/office/powerpoint/2010/main">
+  <p:transition>
     <p:fade/>
   </p:transition>
   <p:timing>
     <p:tnLst>
       <p:par>
-        <p:cTn xmlns:p14="http://schemas.microsoft.com/office/powerpoint/2010/main" id="1" dur="indefinite" restart="never" nodeType="tmRoot">
+        <p:cTn id="1" dur="indefinite" restart="never" nodeType="tmRoot">
           <p:childTnLst>
             <p:seq concurrent="1" nextAc="seek">
               <p:cTn id="2" dur="indefinite" nodeType="mainSeq">
@@ -7213,7 +7160,7 @@
 </file>
 
 <file path=ppt/slides/slide6.xml><?xml version="1.0" encoding="utf-8"?>
-<p:sld xmlns:a="http://schemas.openxmlformats.org/drawingml/2006/main" xmlns:r="http://schemas.openxmlformats.org/officeDocument/2006/relationships" xmlns:p="http://schemas.openxmlformats.org/presentationml/2006/main">
+<p:sld xmlns:a="http://schemas.openxmlformats.org/drawingml/2006/main" xmlns:r="http://schemas.openxmlformats.org/officeDocument/2006/relationships" xmlns:mc="http://schemas.openxmlformats.org/markup-compatibility/2006" xmlns:mv="urn:schemas-microsoft-com:mac:vml" xmlns:p="http://schemas.openxmlformats.org/presentationml/2006/main" mc:Ignorable="mv" mc:PreserveAttributes="mv:*">
   <p:cSld>
     <p:spTree>
       <p:nvGrpSpPr>
@@ -7471,17 +7418,13 @@
               </a:rPr>
               <a:t>}</a:t>
             </a:r>
-            <a:endParaRPr lang="en-US" sz="3200" dirty="0">
-              <a:latin typeface="Source Code Pro"/>
-              <a:cs typeface="Source Code Pro"/>
-            </a:endParaRPr>
           </a:p>
         </p:txBody>
       </p:sp>
     </p:spTree>
     <p:extLst>
       <p:ext uri="{BB962C8B-B14F-4D97-AF65-F5344CB8AC3E}">
-        <p14:creationId xmlns:p14="http://schemas.microsoft.com/office/powerpoint/2010/main" val="3592400868"/>
+        <p14:creationId xmlns:p14="http://schemas.microsoft.com/office/powerpoint/2010/main" xmlns:p="http://schemas.openxmlformats.org/presentationml/2006/main" xmlns:r="http://schemas.openxmlformats.org/officeDocument/2006/relationships" xmlns:a="http://schemas.openxmlformats.org/drawingml/2006/main" xmlns="" val="3592400868"/>
       </p:ext>
     </p:extLst>
   </p:cSld>
@@ -7491,7 +7434,7 @@
   <p:timing>
     <p:tnLst>
       <p:par>
-        <p:cTn xmlns:p14="http://schemas.microsoft.com/office/powerpoint/2010/main" id="1" dur="indefinite" restart="never" nodeType="tmRoot"/>
+        <p:cTn id="1" dur="indefinite" restart="never" nodeType="tmRoot"/>
       </p:par>
     </p:tnLst>
   </p:timing>
@@ -7499,7 +7442,7 @@
 </file>
 
 <file path=ppt/slides/slide7.xml><?xml version="1.0" encoding="utf-8"?>
-<p:sld xmlns:a="http://schemas.openxmlformats.org/drawingml/2006/main" xmlns:r="http://schemas.openxmlformats.org/officeDocument/2006/relationships" xmlns:p="http://schemas.openxmlformats.org/presentationml/2006/main">
+<p:sld xmlns:a="http://schemas.openxmlformats.org/drawingml/2006/main" xmlns:r="http://schemas.openxmlformats.org/officeDocument/2006/relationships" xmlns:mc="http://schemas.openxmlformats.org/markup-compatibility/2006" xmlns:mv="urn:schemas-microsoft-com:mac:vml" xmlns:p="http://schemas.openxmlformats.org/presentationml/2006/main" mc:Ignorable="mv" mc:PreserveAttributes="mv:*">
   <p:cSld>
     <p:spTree>
       <p:nvGrpSpPr>
@@ -7537,14 +7480,14 @@
           </a:ln>
           <a:extLst>
             <a:ext uri="{909E8E84-426E-40dd-AFC4-6F175D3DCCD1}">
-              <a14:hiddenFill xmlns:a14="http://schemas.microsoft.com/office/drawing/2010/main">
+              <a14:hiddenFill xmlns:a14="http://schemas.microsoft.com/office/drawing/2010/main" xmlns:p="http://schemas.openxmlformats.org/presentationml/2006/main" xmlns:r="http://schemas.openxmlformats.org/officeDocument/2006/relationships" xmlns:a="http://schemas.openxmlformats.org/drawingml/2006/main" xmlns="">
                 <a:solidFill>
                   <a:srgbClr val="FFFFFF"/>
                 </a:solidFill>
               </a14:hiddenFill>
             </a:ext>
             <a:ext uri="{91240B29-F687-4f45-9708-019B960494DF}">
-              <a14:hiddenLine xmlns:a14="http://schemas.microsoft.com/office/drawing/2010/main" w="9525">
+              <a14:hiddenLine xmlns:a14="http://schemas.microsoft.com/office/drawing/2010/main" xmlns:p="http://schemas.openxmlformats.org/presentationml/2006/main" xmlns:r="http://schemas.openxmlformats.org/officeDocument/2006/relationships" xmlns:a="http://schemas.openxmlformats.org/drawingml/2006/main" xmlns="" w="9525">
                 <a:solidFill>
                   <a:srgbClr val="000000"/>
                 </a:solidFill>
@@ -7705,12 +7648,23 @@
           <a:p>
             <a:pPr eaLnBrk="1" hangingPunct="1"/>
             <a:r>
-              <a:rPr lang="en-US">
+              <a:rPr lang="en-US" dirty="0">
                 <a:latin typeface="Arial" charset="0"/>
                 <a:ea typeface="ＭＳ Ｐゴシック" charset="0"/>
               </a:rPr>
-              <a:t>Media API &amp; Security</a:t>
-            </a:r>
+              <a:t>Media API</a:t>
+            </a:r>
+            <a:r>
+              <a:rPr lang="en-US" dirty="0" smtClean="0">
+                <a:latin typeface="Arial" charset="0"/>
+                <a:ea typeface="ＭＳ Ｐゴシック" charset="0"/>
+              </a:rPr>
+              <a:t> Security</a:t>
+            </a:r>
+            <a:endParaRPr lang="en-US" dirty="0">
+              <a:latin typeface="Arial" charset="0"/>
+              <a:ea typeface="ＭＳ Ｐゴシック" charset="0"/>
+            </a:endParaRPr>
           </a:p>
         </p:txBody>
       </p:sp>
@@ -7727,7 +7681,7 @@
         <p:spPr>
           <a:xfrm>
             <a:off x="541338" y="1911350"/>
-            <a:ext cx="15878175" cy="6202363"/>
+            <a:ext cx="15878175" cy="6940067"/>
           </a:xfrm>
         </p:spPr>
         <p:txBody>
@@ -7744,7 +7698,7 @@
               </a:buBlip>
             </a:pPr>
             <a:r>
-              <a:rPr lang="en-US" sz="3000">
+              <a:rPr lang="en-US" sz="3000" dirty="0">
                 <a:solidFill>
                   <a:srgbClr val="23383A"/>
                 </a:solidFill>
@@ -7766,7 +7720,7 @@
               </a:buBlip>
             </a:pPr>
             <a:r>
-              <a:rPr lang="en-US" sz="3000">
+              <a:rPr lang="en-US" sz="3000" dirty="0">
                 <a:solidFill>
                   <a:srgbClr val="23383A"/>
                 </a:solidFill>
@@ -7774,7 +7728,29 @@
                 <a:ea typeface="ＭＳ Ｐゴシック" charset="0"/>
                 <a:cs typeface="ＭＳ Ｐゴシック" charset="0"/>
               </a:rPr>
-              <a:t>Tokens are generated for you by Brightcove and protected by you</a:t>
+              <a:t>Tokens are generated for you by </a:t>
+            </a:r>
+            <a:r>
+              <a:rPr lang="en-US" sz="3000" dirty="0" err="1">
+                <a:solidFill>
+                  <a:srgbClr val="23383A"/>
+                </a:solidFill>
+                <a:latin typeface="Arial" charset="0"/>
+                <a:ea typeface="ＭＳ Ｐゴシック" charset="0"/>
+                <a:cs typeface="ＭＳ Ｐゴシック" charset="0"/>
+              </a:rPr>
+              <a:t>Brightcove</a:t>
+            </a:r>
+            <a:r>
+              <a:rPr lang="en-US" sz="3000" dirty="0">
+                <a:solidFill>
+                  <a:srgbClr val="23383A"/>
+                </a:solidFill>
+                <a:latin typeface="Arial" charset="0"/>
+                <a:ea typeface="ＭＳ Ｐゴシック" charset="0"/>
+                <a:cs typeface="ＭＳ Ｐゴシック" charset="0"/>
+              </a:rPr>
+              <a:t> and protected by you</a:t>
             </a:r>
           </a:p>
           <a:p>
@@ -7788,7 +7764,7 @@
               </a:buBlip>
             </a:pPr>
             <a:r>
-              <a:rPr lang="en-US" sz="3000">
+              <a:rPr lang="en-US" sz="3000" dirty="0">
                 <a:solidFill>
                   <a:srgbClr val="CC3366"/>
                 </a:solidFill>
@@ -7799,7 +7775,7 @@
               <a:t>There is a </a:t>
             </a:r>
             <a:r>
-              <a:rPr lang="en-US" sz="3000" b="1">
+              <a:rPr lang="en-US" sz="3000" b="1" dirty="0">
                 <a:solidFill>
                   <a:srgbClr val="CC3366"/>
                 </a:solidFill>
@@ -7810,7 +7786,7 @@
               <a:t>serious </a:t>
             </a:r>
             <a:r>
-              <a:rPr lang="en-US" sz="3000">
+              <a:rPr lang="en-US" sz="3000" dirty="0">
                 <a:solidFill>
                   <a:srgbClr val="CC3366"/>
                 </a:solidFill>
@@ -7818,10 +7794,32 @@
                 <a:ea typeface="ＭＳ Ｐゴシック" charset="0"/>
                 <a:cs typeface="ＭＳ Ｐゴシック" charset="0"/>
               </a:rPr>
-              <a:t>risk in including tokens in client-side scripts or SWFs, </a:t>
-            </a:r>
-            <a:r>
-              <a:rPr lang="en-US" sz="3000" b="1">
+              <a:t>risk in including tokens in client-side scripts or </a:t>
+            </a:r>
+            <a:r>
+              <a:rPr lang="en-US" sz="3000" dirty="0" err="1">
+                <a:solidFill>
+                  <a:srgbClr val="CC3366"/>
+                </a:solidFill>
+                <a:latin typeface="Arial" charset="0"/>
+                <a:ea typeface="ＭＳ Ｐゴシック" charset="0"/>
+                <a:cs typeface="ＭＳ Ｐゴシック" charset="0"/>
+              </a:rPr>
+              <a:t>SWFs</a:t>
+            </a:r>
+            <a:r>
+              <a:rPr lang="en-US" sz="3000" dirty="0">
+                <a:solidFill>
+                  <a:srgbClr val="CC3366"/>
+                </a:solidFill>
+                <a:latin typeface="Arial" charset="0"/>
+                <a:ea typeface="ＭＳ Ｐゴシック" charset="0"/>
+                <a:cs typeface="ＭＳ Ｐゴシック" charset="0"/>
+              </a:rPr>
+              <a:t>, </a:t>
+            </a:r>
+            <a:r>
+              <a:rPr lang="en-US" sz="3000" b="1" dirty="0">
                 <a:solidFill>
                   <a:srgbClr val="CC3366"/>
                 </a:solidFill>
@@ -7832,7 +7830,7 @@
               <a:t>especially </a:t>
             </a:r>
             <a:r>
-              <a:rPr lang="en-US" sz="3000">
+              <a:rPr lang="en-US" sz="3000" dirty="0">
                 <a:solidFill>
                   <a:srgbClr val="CC3366"/>
                 </a:solidFill>
@@ -7842,7 +7840,7 @@
               </a:rPr>
               <a:t>WRITE tokens</a:t>
             </a:r>
-            <a:endParaRPr lang="en-US" sz="3000">
+            <a:endParaRPr lang="en-US" sz="3000" dirty="0">
               <a:solidFill>
                 <a:srgbClr val="23383A"/>
               </a:solidFill>
@@ -7862,7 +7860,7 @@
               </a:buBlip>
             </a:pPr>
             <a:r>
-              <a:rPr lang="en-US" sz="3000">
+              <a:rPr lang="en-US" sz="3000" dirty="0">
                 <a:solidFill>
                   <a:srgbClr val="23383A"/>
                 </a:solidFill>
@@ -7870,8 +7868,79 @@
                 <a:ea typeface="ＭＳ Ｐゴシック" charset="0"/>
                 <a:cs typeface="ＭＳ Ｐゴシック" charset="0"/>
               </a:rPr>
-              <a:t>There are separate tokens for READ and WRITE access, and two kinds of READ token</a:t>
-            </a:r>
+              <a:t>There are separate tokens for READ and WRITE </a:t>
+            </a:r>
+            <a:r>
+              <a:rPr lang="en-US" sz="3000" dirty="0" smtClean="0">
+                <a:solidFill>
+                  <a:srgbClr val="23383A"/>
+                </a:solidFill>
+                <a:latin typeface="Arial" charset="0"/>
+                <a:ea typeface="ＭＳ Ｐゴシック" charset="0"/>
+                <a:cs typeface="ＭＳ Ｐゴシック" charset="0"/>
+              </a:rPr>
+              <a:t>access</a:t>
+            </a:r>
+          </a:p>
+          <a:p>
+            <a:pPr marL="965200" lvl="1" indent="-479425">
+              <a:spcBef>
+                <a:spcPct val="50000"/>
+              </a:spcBef>
+              <a:buFontTx/>
+              <a:buBlip>
+                <a:blip r:embed="rId3"/>
+              </a:buBlip>
+            </a:pPr>
+            <a:r>
+              <a:rPr lang="en-US" sz="3000" dirty="0" smtClean="0">
+                <a:solidFill>
+                  <a:srgbClr val="23383A"/>
+                </a:solidFill>
+                <a:latin typeface="Arial" charset="0"/>
+                <a:ea typeface="ＭＳ Ｐゴシック" charset="0"/>
+                <a:cs typeface="ＭＳ Ｐゴシック" charset="0"/>
+              </a:rPr>
+              <a:t>This allows you to develop applications with role-based access</a:t>
+            </a:r>
+            <a:endParaRPr lang="en-US" sz="3000" dirty="0" smtClean="0">
+              <a:solidFill>
+                <a:srgbClr val="23383A"/>
+              </a:solidFill>
+              <a:latin typeface="Arial" charset="0"/>
+              <a:ea typeface="ＭＳ Ｐゴシック" charset="0"/>
+              <a:cs typeface="ＭＳ Ｐゴシック" charset="0"/>
+            </a:endParaRPr>
+          </a:p>
+          <a:p>
+            <a:pPr marL="479425" indent="-479425">
+              <a:spcBef>
+                <a:spcPct val="50000"/>
+              </a:spcBef>
+              <a:buFontTx/>
+              <a:buBlip>
+                <a:blip r:embed="rId3"/>
+              </a:buBlip>
+            </a:pPr>
+            <a:r>
+              <a:rPr lang="en-US" sz="3000" dirty="0" smtClean="0">
+                <a:solidFill>
+                  <a:srgbClr val="23383A"/>
+                </a:solidFill>
+                <a:latin typeface="Arial" charset="0"/>
+                <a:ea typeface="ＭＳ Ｐゴシック" charset="0"/>
+                <a:cs typeface="ＭＳ Ｐゴシック" charset="0"/>
+              </a:rPr>
+              <a:t>There are two kinds of READ tokens</a:t>
+            </a:r>
+            <a:endParaRPr lang="en-US" sz="3000" dirty="0" smtClean="0">
+              <a:solidFill>
+                <a:srgbClr val="23383A"/>
+              </a:solidFill>
+              <a:latin typeface="Arial" charset="0"/>
+              <a:ea typeface="ＭＳ Ｐゴシック" charset="0"/>
+              <a:cs typeface="ＭＳ Ｐゴシック" charset="0"/>
+            </a:endParaRPr>
           </a:p>
           <a:p>
             <a:pPr marL="1169988" lvl="1" indent="-396875">
@@ -7884,7 +7953,7 @@
               </a:buBlip>
             </a:pPr>
             <a:r>
-              <a:rPr lang="en-US" sz="3000">
+              <a:rPr lang="en-US" sz="3000" dirty="0">
                 <a:solidFill>
                   <a:srgbClr val="23383A"/>
                 </a:solidFill>
@@ -7892,32 +7961,11 @@
                 <a:ea typeface="ＭＳ Ｐゴシック" charset="0"/>
                 <a:cs typeface="ＭＳ Ｐゴシック" charset="0"/>
               </a:rPr>
-              <a:t>This allows you to develop applications with </a:t>
-            </a:r>
-            <a:br>
-              <a:rPr lang="en-US" sz="3000">
-                <a:solidFill>
-                  <a:srgbClr val="23383A"/>
-                </a:solidFill>
-                <a:latin typeface="Arial" charset="0"/>
-                <a:ea typeface="ＭＳ Ｐゴシック" charset="0"/>
-                <a:cs typeface="ＭＳ Ｐゴシック" charset="0"/>
-              </a:rPr>
-            </a:br>
-            <a:r>
-              <a:rPr lang="en-US" sz="3000">
-                <a:solidFill>
-                  <a:srgbClr val="23383A"/>
-                </a:solidFill>
-                <a:latin typeface="Arial" charset="0"/>
-                <a:ea typeface="ＭＳ Ｐゴシック" charset="0"/>
-                <a:cs typeface="ＭＳ Ｐゴシック" charset="0"/>
-              </a:rPr>
-              <a:t>role-based access</a:t>
-            </a:r>
-          </a:p>
-          <a:p>
-            <a:pPr marL="1169988" lvl="1" indent="-396875">
+              <a:t>URL Read token returns a link to the video rendition files; regular read token does not</a:t>
+            </a:r>
+          </a:p>
+          <a:p>
+            <a:pPr marL="479425" indent="-479425">
               <a:spcBef>
                 <a:spcPct val="50000"/>
               </a:spcBef>
@@ -7927,29 +7975,7 @@
               </a:buBlip>
             </a:pPr>
             <a:r>
-              <a:rPr lang="en-US" sz="3000">
-                <a:solidFill>
-                  <a:srgbClr val="23383A"/>
-                </a:solidFill>
-                <a:latin typeface="Arial" charset="0"/>
-                <a:ea typeface="ＭＳ Ｐゴシック" charset="0"/>
-                <a:cs typeface="ＭＳ Ｐゴシック" charset="0"/>
-              </a:rPr>
-              <a:t>URL Read token returns a link to the video rendition files; regular read token does not</a:t>
-            </a:r>
-          </a:p>
-          <a:p>
-            <a:pPr marL="479425" indent="-479425">
-              <a:spcBef>
-                <a:spcPct val="50000"/>
-              </a:spcBef>
-              <a:buFontTx/>
-              <a:buBlip>
-                <a:blip r:embed="rId3"/>
-              </a:buBlip>
-            </a:pPr>
-            <a:r>
-              <a:rPr lang="en-US" sz="3000">
+              <a:rPr lang="en-US" sz="3000" dirty="0">
                 <a:solidFill>
                   <a:srgbClr val="23383A"/>
                 </a:solidFill>
@@ -7960,7 +7986,7 @@
               <a:t>Tokens generally end with one or more </a:t>
             </a:r>
             <a:r>
-              <a:rPr lang="ja-JP" altLang="en-US" sz="3000">
+              <a:rPr lang="ja-JP" altLang="en-US" sz="3000" dirty="0">
                 <a:solidFill>
                   <a:srgbClr val="23383A"/>
                 </a:solidFill>
@@ -7971,7 +7997,7 @@
               <a:t>“</a:t>
             </a:r>
             <a:r>
-              <a:rPr lang="en-US" altLang="ja-JP" sz="3000">
+              <a:rPr lang="en-US" altLang="ja-JP" sz="3000" dirty="0">
                 <a:solidFill>
                   <a:srgbClr val="23383A"/>
                 </a:solidFill>
@@ -7982,7 +8008,7 @@
               <a:t>.</a:t>
             </a:r>
             <a:r>
-              <a:rPr lang="ja-JP" altLang="en-US" sz="3000">
+              <a:rPr lang="ja-JP" altLang="en-US" sz="3000" dirty="0">
                 <a:solidFill>
                   <a:srgbClr val="23383A"/>
                 </a:solidFill>
@@ -7993,7 +8019,7 @@
               <a:t>”</a:t>
             </a:r>
             <a:r>
-              <a:rPr lang="en-US" altLang="ja-JP" sz="3000">
+              <a:rPr lang="en-US" altLang="ja-JP" sz="3000" dirty="0">
                 <a:solidFill>
                   <a:srgbClr val="23383A"/>
                 </a:solidFill>
@@ -8006,7 +8032,7 @@
           </a:p>
           <a:p>
             <a:pPr marL="479425" indent="-479425"/>
-            <a:endParaRPr lang="en-US" sz="3000">
+            <a:endParaRPr lang="en-US" sz="3000" dirty="0">
               <a:latin typeface="Arial" charset="0"/>
               <a:ea typeface="ＭＳ Ｐゴシック" charset="0"/>
             </a:endParaRPr>
@@ -8016,20 +8042,20 @@
     </p:spTree>
     <p:extLst>
       <p:ext uri="{BB962C8B-B14F-4D97-AF65-F5344CB8AC3E}">
-        <p14:creationId xmlns:p14="http://schemas.microsoft.com/office/powerpoint/2010/main" val="1090292893"/>
+        <p14:creationId xmlns:p14="http://schemas.microsoft.com/office/powerpoint/2010/main" xmlns:p="http://schemas.openxmlformats.org/presentationml/2006/main" xmlns:r="http://schemas.openxmlformats.org/officeDocument/2006/relationships" xmlns:a="http://schemas.openxmlformats.org/drawingml/2006/main" xmlns="" val="1090292893"/>
       </p:ext>
     </p:extLst>
   </p:cSld>
   <p:clrMapOvr>
     <a:masterClrMapping/>
   </p:clrMapOvr>
-  <p:transition xmlns:p14="http://schemas.microsoft.com/office/powerpoint/2010/main">
+  <p:transition>
     <p:fade/>
   </p:transition>
   <p:timing>
     <p:tnLst>
       <p:par>
-        <p:cTn xmlns:p14="http://schemas.microsoft.com/office/powerpoint/2010/main" id="1" dur="indefinite" restart="never" nodeType="tmRoot"/>
+        <p:cTn id="1" dur="indefinite" restart="never" nodeType="tmRoot"/>
       </p:par>
     </p:tnLst>
   </p:timing>
@@ -8037,7 +8063,7 @@
 </file>
 
 <file path=ppt/slides/slide8.xml><?xml version="1.0" encoding="utf-8"?>
-<p:sld xmlns:a="http://schemas.openxmlformats.org/drawingml/2006/main" xmlns:r="http://schemas.openxmlformats.org/officeDocument/2006/relationships" xmlns:p="http://schemas.openxmlformats.org/presentationml/2006/main">
+<p:sld xmlns:a="http://schemas.openxmlformats.org/drawingml/2006/main" xmlns:r="http://schemas.openxmlformats.org/officeDocument/2006/relationships" xmlns:mc="http://schemas.openxmlformats.org/markup-compatibility/2006" xmlns:mv="urn:schemas-microsoft-com:mac:vml" xmlns:p="http://schemas.openxmlformats.org/presentationml/2006/main" mc:Ignorable="mv" mc:PreserveAttributes="mv:*">
   <p:cSld>
     <p:spTree>
       <p:nvGrpSpPr>
@@ -8055,93 +8081,6 @@
       </p:grpSpPr>
       <p:sp>
         <p:nvSpPr>
-          <p:cNvPr id="3" name="Title 2"/>
-          <p:cNvSpPr>
-            <a:spLocks noGrp="1"/>
-          </p:cNvSpPr>
-          <p:nvPr>
-            <p:ph type="title"/>
-          </p:nvPr>
-        </p:nvSpPr>
-        <p:spPr/>
-        <p:txBody>
-          <a:bodyPr/>
-          <a:lstStyle/>
-          <a:p>
-            <a:r>
-              <a:rPr lang="en-US" dirty="0" smtClean="0"/>
-              <a:t>Title</a:t>
-            </a:r>
-            <a:endParaRPr lang="en-US" dirty="0"/>
-          </a:p>
-        </p:txBody>
-      </p:sp>
-      <p:sp>
-        <p:nvSpPr>
-          <p:cNvPr id="4" name="Content Placeholder 3"/>
-          <p:cNvSpPr>
-            <a:spLocks noGrp="1"/>
-          </p:cNvSpPr>
-          <p:nvPr>
-            <p:ph idx="1"/>
-          </p:nvPr>
-        </p:nvSpPr>
-        <p:spPr/>
-        <p:txBody>
-          <a:bodyPr>
-            <a:normAutofit/>
-          </a:bodyPr>
-          <a:lstStyle/>
-          <a:p>
-            <a:r>
-              <a:rPr lang="en-US" sz="3200" dirty="0" smtClean="0"/>
-              <a:t>Content</a:t>
-            </a:r>
-          </a:p>
-          <a:p>
-            <a:endParaRPr lang="en-US" sz="3200" dirty="0"/>
-          </a:p>
-        </p:txBody>
-      </p:sp>
-    </p:spTree>
-    <p:extLst>
-      <p:ext uri="{BB962C8B-B14F-4D97-AF65-F5344CB8AC3E}">
-        <p14:creationId xmlns:p14="http://schemas.microsoft.com/office/powerpoint/2010/main" val="2514608167"/>
-      </p:ext>
-    </p:extLst>
-  </p:cSld>
-  <p:clrMapOvr>
-    <a:masterClrMapping/>
-  </p:clrMapOvr>
-  <p:timing>
-    <p:tnLst>
-      <p:par>
-        <p:cTn xmlns:p14="http://schemas.microsoft.com/office/powerpoint/2010/main" id="1" dur="indefinite" restart="never" nodeType="tmRoot"/>
-      </p:par>
-    </p:tnLst>
-  </p:timing>
-</p:sld>
-</file>
-
-<file path=ppt/slides/slide9.xml><?xml version="1.0" encoding="utf-8"?>
-<p:sld xmlns:a="http://schemas.openxmlformats.org/drawingml/2006/main" xmlns:r="http://schemas.openxmlformats.org/officeDocument/2006/relationships" xmlns:p="http://schemas.openxmlformats.org/presentationml/2006/main">
-  <p:cSld>
-    <p:spTree>
-      <p:nvGrpSpPr>
-        <p:cNvPr id="1" name=""/>
-        <p:cNvGrpSpPr/>
-        <p:nvPr/>
-      </p:nvGrpSpPr>
-      <p:grpSpPr>
-        <a:xfrm>
-          <a:off x="0" y="0"/>
-          <a:ext cx="0" cy="0"/>
-          <a:chOff x="0" y="0"/>
-          <a:chExt cx="0" cy="0"/>
-        </a:xfrm>
-      </p:grpSpPr>
-      <p:sp>
-        <p:nvSpPr>
           <p:cNvPr id="3" name="Text Placeholder 2"/>
           <p:cNvSpPr>
             <a:spLocks noGrp="1"/>
@@ -8216,7 +8155,7 @@
               <a:pPr>
                 <a:defRPr/>
               </a:pPr>
-              <a:t>9</a:t>
+              <a:t>8</a:t>
             </a:fld>
             <a:endParaRPr lang="en-US" dirty="0"/>
           </a:p>
@@ -8225,20 +8164,20 @@
     </p:spTree>
     <p:extLst>
       <p:ext uri="{BB962C8B-B14F-4D97-AF65-F5344CB8AC3E}">
-        <p14:creationId xmlns:p14="http://schemas.microsoft.com/office/powerpoint/2010/main" val="3700295984"/>
+        <p14:creationId xmlns:p14="http://schemas.microsoft.com/office/powerpoint/2010/main" xmlns:p="http://schemas.openxmlformats.org/presentationml/2006/main" xmlns:r="http://schemas.openxmlformats.org/officeDocument/2006/relationships" xmlns:a="http://schemas.openxmlformats.org/drawingml/2006/main" xmlns="" val="3700295984"/>
       </p:ext>
     </p:extLst>
   </p:cSld>
   <p:clrMapOvr>
     <a:masterClrMapping/>
   </p:clrMapOvr>
-  <p:transition xmlns:p14="http://schemas.microsoft.com/office/powerpoint/2010/main" spd="med">
+  <p:transition spd="med">
     <p:fade/>
   </p:transition>
   <p:timing>
     <p:tnLst>
       <p:par>
-        <p:cTn xmlns:p14="http://schemas.microsoft.com/office/powerpoint/2010/main" id="1" dur="indefinite" restart="never" nodeType="tmRoot"/>
+        <p:cTn id="1" dur="indefinite" restart="never" nodeType="tmRoot"/>
       </p:par>
     </p:tnLst>
   </p:timing>

--- a/VideoSessionsMaterials/understanding.pptx
+++ b/VideoSessionsMaterials/understanding.pptx
@@ -1,6 +1,6 @@
 
 <file path=ppt/presentation.xml><?xml version="1.0" encoding="utf-8"?>
-<p:presentation xmlns:a="http://schemas.openxmlformats.org/drawingml/2006/main" xmlns:r="http://schemas.openxmlformats.org/officeDocument/2006/relationships" xmlns:mc="http://schemas.openxmlformats.org/markup-compatibility/2006" xmlns:mv="urn:schemas-microsoft-com:mac:vml" xmlns:p="http://schemas.openxmlformats.org/presentationml/2006/main" mc:Ignorable="mv" mc:PreserveAttributes="mv:*" showSpecialPlsOnTitleSld="0" saveSubsetFonts="1" autoCompressPictures="0">
+<p:presentation xmlns:a="http://schemas.openxmlformats.org/drawingml/2006/main" xmlns:r="http://schemas.openxmlformats.org/officeDocument/2006/relationships" xmlns:p="http://schemas.openxmlformats.org/presentationml/2006/main" showSpecialPlsOnTitleSld="0" saveSubsetFonts="1" autoCompressPictures="0">
   <p:sldMasterIdLst>
     <p:sldMasterId id="2147483648" r:id="rId1"/>
   </p:sldMasterIdLst>
@@ -148,7 +148,7 @@
 </file>
 
 <file path=ppt/notesMasters/notesMaster1.xml><?xml version="1.0" encoding="utf-8"?>
-<p:notesMaster xmlns:a="http://schemas.openxmlformats.org/drawingml/2006/main" xmlns:r="http://schemas.openxmlformats.org/officeDocument/2006/relationships" xmlns:mc="http://schemas.openxmlformats.org/markup-compatibility/2006" xmlns:mv="urn:schemas-microsoft-com:mac:vml" xmlns:p="http://schemas.openxmlformats.org/presentationml/2006/main" mc:Ignorable="mv" mc:PreserveAttributes="mv:*">
+<p:notesMaster xmlns:a="http://schemas.openxmlformats.org/drawingml/2006/main" xmlns:r="http://schemas.openxmlformats.org/officeDocument/2006/relationships" xmlns:p="http://schemas.openxmlformats.org/presentationml/2006/main">
   <p:cSld>
     <p:bg>
       <p:bgRef idx="1001">
@@ -230,7 +230,7 @@
             <a:fld id="{DDC063FE-8627-9A42-970F-0BBEEB02B587}" type="datetimeFigureOut">
               <a:rPr lang="en-US" smtClean="0"/>
               <a:pPr/>
-              <a:t>12/6/13</a:t>
+              <a:t>12/9/13</a:t>
             </a:fld>
             <a:endParaRPr lang="en-US" dirty="0"/>
           </a:p>
@@ -399,7 +399,7 @@
     </p:spTree>
     <p:extLst>
       <p:ext uri="{BB962C8B-B14F-4D97-AF65-F5344CB8AC3E}">
-        <p14:creationId xmlns:p14="http://schemas.microsoft.com/office/powerpoint/2010/main" xmlns:p="http://schemas.openxmlformats.org/presentationml/2006/main" xmlns:r="http://schemas.openxmlformats.org/officeDocument/2006/relationships" xmlns:a="http://schemas.openxmlformats.org/drawingml/2006/main" xmlns="" val="4045051341"/>
+        <p14:creationId xmlns:p14="http://schemas.microsoft.com/office/powerpoint/2010/main" val="4045051341"/>
       </p:ext>
     </p:extLst>
   </p:cSld>
@@ -500,7 +500,7 @@
 </file>
 
 <file path=ppt/notesSlides/notesSlide1.xml><?xml version="1.0" encoding="utf-8"?>
-<p:notes xmlns:a="http://schemas.openxmlformats.org/drawingml/2006/main" xmlns:r="http://schemas.openxmlformats.org/officeDocument/2006/relationships" xmlns:mc="http://schemas.openxmlformats.org/markup-compatibility/2006" xmlns:mv="urn:schemas-microsoft-com:mac:vml" xmlns:p="http://schemas.openxmlformats.org/presentationml/2006/main" mc:Ignorable="mv" mc:PreserveAttributes="mv:*">
+<p:notes xmlns:a="http://schemas.openxmlformats.org/drawingml/2006/main" xmlns:r="http://schemas.openxmlformats.org/officeDocument/2006/relationships" xmlns:p="http://schemas.openxmlformats.org/presentationml/2006/main">
   <p:cSld>
     <p:spTree>
       <p:nvGrpSpPr>
@@ -574,7 +574,7 @@
     </p:spTree>
     <p:extLst>
       <p:ext uri="{BB962C8B-B14F-4D97-AF65-F5344CB8AC3E}">
-        <p14:creationId xmlns:p14="http://schemas.microsoft.com/office/powerpoint/2010/main" xmlns:p="http://schemas.openxmlformats.org/presentationml/2006/main" xmlns:r="http://schemas.openxmlformats.org/officeDocument/2006/relationships" xmlns:a="http://schemas.openxmlformats.org/drawingml/2006/main" xmlns="" val="3250658828"/>
+        <p14:creationId xmlns:p14="http://schemas.microsoft.com/office/powerpoint/2010/main" val="3250658828"/>
       </p:ext>
     </p:extLst>
   </p:cSld>
@@ -585,7 +585,7 @@
 </file>
 
 <file path=ppt/notesSlides/notesSlide2.xml><?xml version="1.0" encoding="utf-8"?>
-<p:notes xmlns:a="http://schemas.openxmlformats.org/drawingml/2006/main" xmlns:r="http://schemas.openxmlformats.org/officeDocument/2006/relationships" xmlns:mc="http://schemas.openxmlformats.org/markup-compatibility/2006" xmlns:mv="urn:schemas-microsoft-com:mac:vml" xmlns:p="http://schemas.openxmlformats.org/presentationml/2006/main" mc:Ignorable="mv" mc:PreserveAttributes="mv:*">
+<p:notes xmlns:a="http://schemas.openxmlformats.org/drawingml/2006/main" xmlns:r="http://schemas.openxmlformats.org/officeDocument/2006/relationships" xmlns:p="http://schemas.openxmlformats.org/presentationml/2006/main">
   <p:cSld>
     <p:spTree>
       <p:nvGrpSpPr>
@@ -659,7 +659,7 @@
     </p:spTree>
     <p:extLst>
       <p:ext uri="{BB962C8B-B14F-4D97-AF65-F5344CB8AC3E}">
-        <p14:creationId xmlns:p14="http://schemas.microsoft.com/office/powerpoint/2010/main" xmlns:p="http://schemas.openxmlformats.org/presentationml/2006/main" xmlns:r="http://schemas.openxmlformats.org/officeDocument/2006/relationships" xmlns:a="http://schemas.openxmlformats.org/drawingml/2006/main" xmlns="" val="963676054"/>
+        <p14:creationId xmlns:p14="http://schemas.microsoft.com/office/powerpoint/2010/main" val="963676054"/>
       </p:ext>
     </p:extLst>
   </p:cSld>
@@ -670,7 +670,7 @@
 </file>
 
 <file path=ppt/notesSlides/notesSlide3.xml><?xml version="1.0" encoding="utf-8"?>
-<p:notes xmlns:a="http://schemas.openxmlformats.org/drawingml/2006/main" xmlns:r="http://schemas.openxmlformats.org/officeDocument/2006/relationships" xmlns:mc="http://schemas.openxmlformats.org/markup-compatibility/2006" xmlns:mv="urn:schemas-microsoft-com:mac:vml" xmlns:p="http://schemas.openxmlformats.org/presentationml/2006/main" mc:Ignorable="mv" mc:PreserveAttributes="mv:*">
+<p:notes xmlns:a="http://schemas.openxmlformats.org/drawingml/2006/main" xmlns:r="http://schemas.openxmlformats.org/officeDocument/2006/relationships" xmlns:p="http://schemas.openxmlformats.org/presentationml/2006/main">
   <p:cSld>
     <p:spTree>
       <p:nvGrpSpPr>
@@ -744,7 +744,7 @@
     </p:spTree>
     <p:extLst>
       <p:ext uri="{BB962C8B-B14F-4D97-AF65-F5344CB8AC3E}">
-        <p14:creationId xmlns:p14="http://schemas.microsoft.com/office/powerpoint/2010/main" xmlns:p="http://schemas.openxmlformats.org/presentationml/2006/main" xmlns:r="http://schemas.openxmlformats.org/officeDocument/2006/relationships" xmlns:a="http://schemas.openxmlformats.org/drawingml/2006/main" xmlns="" val="963676054"/>
+        <p14:creationId xmlns:p14="http://schemas.microsoft.com/office/powerpoint/2010/main" val="963676054"/>
       </p:ext>
     </p:extLst>
   </p:cSld>
@@ -755,7 +755,7 @@
 </file>
 
 <file path=ppt/notesSlides/notesSlide4.xml><?xml version="1.0" encoding="utf-8"?>
-<p:notes xmlns:a="http://schemas.openxmlformats.org/drawingml/2006/main" xmlns:r="http://schemas.openxmlformats.org/officeDocument/2006/relationships" xmlns:mc="http://schemas.openxmlformats.org/markup-compatibility/2006" xmlns:mv="urn:schemas-microsoft-com:mac:vml" xmlns:p="http://schemas.openxmlformats.org/presentationml/2006/main" mc:Ignorable="mv" mc:PreserveAttributes="mv:*">
+<p:notes xmlns:a="http://schemas.openxmlformats.org/drawingml/2006/main" xmlns:r="http://schemas.openxmlformats.org/officeDocument/2006/relationships" xmlns:p="http://schemas.openxmlformats.org/presentationml/2006/main">
   <p:cSld>
     <p:spTree>
       <p:nvGrpSpPr>
@@ -829,7 +829,7 @@
     </p:spTree>
     <p:extLst>
       <p:ext uri="{BB962C8B-B14F-4D97-AF65-F5344CB8AC3E}">
-        <p14:creationId xmlns:p14="http://schemas.microsoft.com/office/powerpoint/2010/main" xmlns:p="http://schemas.openxmlformats.org/presentationml/2006/main" xmlns:r="http://schemas.openxmlformats.org/officeDocument/2006/relationships" xmlns:a="http://schemas.openxmlformats.org/drawingml/2006/main" xmlns="" val="963676054"/>
+        <p14:creationId xmlns:p14="http://schemas.microsoft.com/office/powerpoint/2010/main" val="963676054"/>
       </p:ext>
     </p:extLst>
   </p:cSld>
@@ -840,7 +840,7 @@
 </file>
 
 <file path=ppt/notesSlides/notesSlide5.xml><?xml version="1.0" encoding="utf-8"?>
-<p:notes xmlns:a="http://schemas.openxmlformats.org/drawingml/2006/main" xmlns:r="http://schemas.openxmlformats.org/officeDocument/2006/relationships" xmlns:mc="http://schemas.openxmlformats.org/markup-compatibility/2006" xmlns:mv="urn:schemas-microsoft-com:mac:vml" xmlns:p="http://schemas.openxmlformats.org/presentationml/2006/main" mc:Ignorable="mv" mc:PreserveAttributes="mv:*">
+<p:notes xmlns:a="http://schemas.openxmlformats.org/drawingml/2006/main" xmlns:r="http://schemas.openxmlformats.org/officeDocument/2006/relationships" xmlns:p="http://schemas.openxmlformats.org/presentationml/2006/main">
   <p:cSld>
     <p:spTree>
       <p:nvGrpSpPr>
@@ -878,14 +878,14 @@
           </a:ln>
           <a:extLst>
             <a:ext uri="{909E8E84-426E-40dd-AFC4-6F175D3DCCD1}">
-              <a14:hiddenFill xmlns:a14="http://schemas.microsoft.com/office/drawing/2010/main" xmlns:p="http://schemas.openxmlformats.org/presentationml/2006/main" xmlns:r="http://schemas.openxmlformats.org/officeDocument/2006/relationships" xmlns:a="http://schemas.openxmlformats.org/drawingml/2006/main" xmlns="">
+              <a14:hiddenFill xmlns:a14="http://schemas.microsoft.com/office/drawing/2010/main">
                 <a:solidFill>
                   <a:srgbClr val="FFFFFF"/>
                 </a:solidFill>
               </a14:hiddenFill>
             </a:ext>
             <a:ext uri="{91240B29-F687-4f45-9708-019B960494DF}">
-              <a14:hiddenLine xmlns:a14="http://schemas.microsoft.com/office/drawing/2010/main" xmlns:p="http://schemas.openxmlformats.org/presentationml/2006/main" xmlns:r="http://schemas.openxmlformats.org/officeDocument/2006/relationships" xmlns:a="http://schemas.openxmlformats.org/drawingml/2006/main" xmlns="" w="9525">
+              <a14:hiddenLine xmlns:a14="http://schemas.microsoft.com/office/drawing/2010/main" w="9525">
                 <a:solidFill>
                   <a:srgbClr val="000000"/>
                 </a:solidFill>
@@ -1039,14 +1039,14 @@
           </a:ln>
           <a:extLst>
             <a:ext uri="{909E8E84-426E-40dd-AFC4-6F175D3DCCD1}">
-              <a14:hiddenFill xmlns:a14="http://schemas.microsoft.com/office/drawing/2010/main" xmlns:p="http://schemas.openxmlformats.org/presentationml/2006/main" xmlns:r="http://schemas.openxmlformats.org/officeDocument/2006/relationships" xmlns:a="http://schemas.openxmlformats.org/drawingml/2006/main" xmlns="">
+              <a14:hiddenFill xmlns:a14="http://schemas.microsoft.com/office/drawing/2010/main">
                 <a:solidFill>
                   <a:srgbClr val="FFFFFF"/>
                 </a:solidFill>
               </a14:hiddenFill>
             </a:ext>
             <a:ext uri="{FAA26D3D-D897-4be2-8F04-BA451C77F1D7}">
-              <ma14:placeholderFlag xmlns:ma14="http://schemas.microsoft.com/office/mac/drawingml/2011/main" xmlns:p="http://schemas.openxmlformats.org/presentationml/2006/main" xmlns:r="http://schemas.openxmlformats.org/officeDocument/2006/relationships" xmlns:a="http://schemas.openxmlformats.org/drawingml/2006/main" xmlns="" val="1"/>
+              <ma14:placeholderFlag xmlns:ma14="http://schemas.microsoft.com/office/mac/drawingml/2011/main" val="1"/>
             </a:ext>
           </a:extLst>
         </p:spPr>
@@ -1065,14 +1065,14 @@
           <a:noFill/>
           <a:extLst>
             <a:ext uri="{909E8E84-426E-40dd-AFC4-6F175D3DCCD1}">
-              <a14:hiddenFill xmlns:a14="http://schemas.microsoft.com/office/drawing/2010/main" xmlns:p="http://schemas.openxmlformats.org/presentationml/2006/main" xmlns:r="http://schemas.openxmlformats.org/officeDocument/2006/relationships" xmlns:a="http://schemas.openxmlformats.org/drawingml/2006/main" xmlns="">
+              <a14:hiddenFill xmlns:a14="http://schemas.microsoft.com/office/drawing/2010/main">
                 <a:solidFill>
                   <a:srgbClr val="FFFFFF"/>
                 </a:solidFill>
               </a14:hiddenFill>
             </a:ext>
             <a:ext uri="{91240B29-F687-4f45-9708-019B960494DF}">
-              <a14:hiddenLine xmlns:a14="http://schemas.microsoft.com/office/drawing/2010/main" xmlns:p="http://schemas.openxmlformats.org/presentationml/2006/main" xmlns:r="http://schemas.openxmlformats.org/officeDocument/2006/relationships" xmlns:a="http://schemas.openxmlformats.org/drawingml/2006/main" xmlns="" w="9525">
+              <a14:hiddenLine xmlns:a14="http://schemas.microsoft.com/office/drawing/2010/main" w="9525">
                 <a:solidFill>
                   <a:srgbClr val="000000"/>
                 </a:solidFill>
@@ -1082,7 +1082,7 @@
               </a14:hiddenLine>
             </a:ext>
             <a:ext uri="{FAA26D3D-D897-4be2-8F04-BA451C77F1D7}">
-              <ma14:placeholderFlag xmlns:ma14="http://schemas.microsoft.com/office/mac/drawingml/2011/main" xmlns:p="http://schemas.openxmlformats.org/presentationml/2006/main" xmlns:r="http://schemas.openxmlformats.org/officeDocument/2006/relationships" xmlns:a="http://schemas.openxmlformats.org/drawingml/2006/main" xmlns="" val="1"/>
+              <ma14:placeholderFlag xmlns:ma14="http://schemas.microsoft.com/office/mac/drawingml/2011/main" val="1"/>
             </a:ext>
           </a:extLst>
         </p:spPr>
@@ -1110,7 +1110,7 @@
 </file>
 
 <file path=ppt/notesSlides/notesSlide6.xml><?xml version="1.0" encoding="utf-8"?>
-<p:notes xmlns:a="http://schemas.openxmlformats.org/drawingml/2006/main" xmlns:r="http://schemas.openxmlformats.org/officeDocument/2006/relationships" xmlns:mc="http://schemas.openxmlformats.org/markup-compatibility/2006" xmlns:mv="urn:schemas-microsoft-com:mac:vml" xmlns:p="http://schemas.openxmlformats.org/presentationml/2006/main" mc:Ignorable="mv" mc:PreserveAttributes="mv:*">
+<p:notes xmlns:a="http://schemas.openxmlformats.org/drawingml/2006/main" xmlns:r="http://schemas.openxmlformats.org/officeDocument/2006/relationships" xmlns:p="http://schemas.openxmlformats.org/presentationml/2006/main">
   <p:cSld>
     <p:spTree>
       <p:nvGrpSpPr>
@@ -1184,7 +1184,7 @@
     </p:spTree>
     <p:extLst>
       <p:ext uri="{BB962C8B-B14F-4D97-AF65-F5344CB8AC3E}">
-        <p14:creationId xmlns:p14="http://schemas.microsoft.com/office/powerpoint/2010/main" xmlns:p="http://schemas.openxmlformats.org/presentationml/2006/main" xmlns:r="http://schemas.openxmlformats.org/officeDocument/2006/relationships" xmlns:a="http://schemas.openxmlformats.org/drawingml/2006/main" xmlns="" val="963676054"/>
+        <p14:creationId xmlns:p14="http://schemas.microsoft.com/office/powerpoint/2010/main" val="963676054"/>
       </p:ext>
     </p:extLst>
   </p:cSld>
@@ -1195,7 +1195,7 @@
 </file>
 
 <file path=ppt/notesSlides/notesSlide7.xml><?xml version="1.0" encoding="utf-8"?>
-<p:notes xmlns:a="http://schemas.openxmlformats.org/drawingml/2006/main" xmlns:r="http://schemas.openxmlformats.org/officeDocument/2006/relationships" xmlns:mc="http://schemas.openxmlformats.org/markup-compatibility/2006" xmlns:mv="urn:schemas-microsoft-com:mac:vml" xmlns:p="http://schemas.openxmlformats.org/presentationml/2006/main" mc:Ignorable="mv" mc:PreserveAttributes="mv:*">
+<p:notes xmlns:a="http://schemas.openxmlformats.org/drawingml/2006/main" xmlns:r="http://schemas.openxmlformats.org/officeDocument/2006/relationships" xmlns:p="http://schemas.openxmlformats.org/presentationml/2006/main">
   <p:cSld>
     <p:spTree>
       <p:nvGrpSpPr>
@@ -1233,14 +1233,14 @@
           </a:ln>
           <a:extLst>
             <a:ext uri="{909E8E84-426E-40dd-AFC4-6F175D3DCCD1}">
-              <a14:hiddenFill xmlns:a14="http://schemas.microsoft.com/office/drawing/2010/main" xmlns:p="http://schemas.openxmlformats.org/presentationml/2006/main" xmlns:r="http://schemas.openxmlformats.org/officeDocument/2006/relationships" xmlns:a="http://schemas.openxmlformats.org/drawingml/2006/main" xmlns="">
+              <a14:hiddenFill xmlns:a14="http://schemas.microsoft.com/office/drawing/2010/main">
                 <a:solidFill>
                   <a:srgbClr val="FFFFFF"/>
                 </a:solidFill>
               </a14:hiddenFill>
             </a:ext>
             <a:ext uri="{91240B29-F687-4f45-9708-019B960494DF}">
-              <a14:hiddenLine xmlns:a14="http://schemas.microsoft.com/office/drawing/2010/main" xmlns:p="http://schemas.openxmlformats.org/presentationml/2006/main" xmlns:r="http://schemas.openxmlformats.org/officeDocument/2006/relationships" xmlns:a="http://schemas.openxmlformats.org/drawingml/2006/main" xmlns="" w="9525">
+              <a14:hiddenLine xmlns:a14="http://schemas.microsoft.com/office/drawing/2010/main" w="9525">
                 <a:solidFill>
                   <a:srgbClr val="000000"/>
                 </a:solidFill>
@@ -1394,14 +1394,14 @@
           </a:ln>
           <a:extLst>
             <a:ext uri="{909E8E84-426E-40dd-AFC4-6F175D3DCCD1}">
-              <a14:hiddenFill xmlns:a14="http://schemas.microsoft.com/office/drawing/2010/main" xmlns:p="http://schemas.openxmlformats.org/presentationml/2006/main" xmlns:r="http://schemas.openxmlformats.org/officeDocument/2006/relationships" xmlns:a="http://schemas.openxmlformats.org/drawingml/2006/main" xmlns="">
+              <a14:hiddenFill xmlns:a14="http://schemas.microsoft.com/office/drawing/2010/main">
                 <a:solidFill>
                   <a:srgbClr val="FFFFFF"/>
                 </a:solidFill>
               </a14:hiddenFill>
             </a:ext>
             <a:ext uri="{FAA26D3D-D897-4be2-8F04-BA451C77F1D7}">
-              <ma14:placeholderFlag xmlns:ma14="http://schemas.microsoft.com/office/mac/drawingml/2011/main" xmlns:p="http://schemas.openxmlformats.org/presentationml/2006/main" xmlns:r="http://schemas.openxmlformats.org/officeDocument/2006/relationships" xmlns:a="http://schemas.openxmlformats.org/drawingml/2006/main" xmlns="" val="1"/>
+              <ma14:placeholderFlag xmlns:ma14="http://schemas.microsoft.com/office/mac/drawingml/2011/main" val="1"/>
             </a:ext>
           </a:extLst>
         </p:spPr>
@@ -1420,14 +1420,14 @@
           <a:noFill/>
           <a:extLst>
             <a:ext uri="{909E8E84-426E-40dd-AFC4-6F175D3DCCD1}">
-              <a14:hiddenFill xmlns:a14="http://schemas.microsoft.com/office/drawing/2010/main" xmlns:p="http://schemas.openxmlformats.org/presentationml/2006/main" xmlns:r="http://schemas.openxmlformats.org/officeDocument/2006/relationships" xmlns:a="http://schemas.openxmlformats.org/drawingml/2006/main" xmlns="">
+              <a14:hiddenFill xmlns:a14="http://schemas.microsoft.com/office/drawing/2010/main">
                 <a:solidFill>
                   <a:srgbClr val="FFFFFF"/>
                 </a:solidFill>
               </a14:hiddenFill>
             </a:ext>
             <a:ext uri="{91240B29-F687-4f45-9708-019B960494DF}">
-              <a14:hiddenLine xmlns:a14="http://schemas.microsoft.com/office/drawing/2010/main" xmlns:p="http://schemas.openxmlformats.org/presentationml/2006/main" xmlns:r="http://schemas.openxmlformats.org/officeDocument/2006/relationships" xmlns:a="http://schemas.openxmlformats.org/drawingml/2006/main" xmlns="" w="9525">
+              <a14:hiddenLine xmlns:a14="http://schemas.microsoft.com/office/drawing/2010/main" w="9525">
                 <a:solidFill>
                   <a:srgbClr val="000000"/>
                 </a:solidFill>
@@ -1437,7 +1437,7 @@
               </a14:hiddenLine>
             </a:ext>
             <a:ext uri="{FAA26D3D-D897-4be2-8F04-BA451C77F1D7}">
-              <ma14:placeholderFlag xmlns:ma14="http://schemas.microsoft.com/office/mac/drawingml/2011/main" xmlns:p="http://schemas.openxmlformats.org/presentationml/2006/main" xmlns:r="http://schemas.openxmlformats.org/officeDocument/2006/relationships" xmlns:a="http://schemas.openxmlformats.org/drawingml/2006/main" xmlns="" val="1"/>
+              <ma14:placeholderFlag xmlns:ma14="http://schemas.microsoft.com/office/mac/drawingml/2011/main" val="1"/>
             </a:ext>
           </a:extLst>
         </p:spPr>
@@ -1465,7 +1465,7 @@
 </file>
 
 <file path=ppt/notesSlides/notesSlide8.xml><?xml version="1.0" encoding="utf-8"?>
-<p:notes xmlns:a="http://schemas.openxmlformats.org/drawingml/2006/main" xmlns:r="http://schemas.openxmlformats.org/officeDocument/2006/relationships" xmlns:mc="http://schemas.openxmlformats.org/markup-compatibility/2006" xmlns:mv="urn:schemas-microsoft-com:mac:vml" xmlns:p="http://schemas.openxmlformats.org/presentationml/2006/main" mc:Ignorable="mv" mc:PreserveAttributes="mv:*">
+<p:notes xmlns:a="http://schemas.openxmlformats.org/drawingml/2006/main" xmlns:r="http://schemas.openxmlformats.org/officeDocument/2006/relationships" xmlns:p="http://schemas.openxmlformats.org/presentationml/2006/main">
   <p:cSld>
     <p:spTree>
       <p:nvGrpSpPr>
@@ -1539,7 +1539,7 @@
     </p:spTree>
     <p:extLst>
       <p:ext uri="{BB962C8B-B14F-4D97-AF65-F5344CB8AC3E}">
-        <p14:creationId xmlns:p14="http://schemas.microsoft.com/office/powerpoint/2010/main" xmlns:p="http://schemas.openxmlformats.org/presentationml/2006/main" xmlns:r="http://schemas.openxmlformats.org/officeDocument/2006/relationships" xmlns:a="http://schemas.openxmlformats.org/drawingml/2006/main" xmlns="" val="1443086944"/>
+        <p14:creationId xmlns:p14="http://schemas.microsoft.com/office/powerpoint/2010/main" val="1443086944"/>
       </p:ext>
     </p:extLst>
   </p:cSld>
@@ -1550,7 +1550,7 @@
 </file>
 
 <file path=ppt/slideLayouts/slideLayout1.xml><?xml version="1.0" encoding="utf-8"?>
-<p:sldLayout xmlns:a="http://schemas.openxmlformats.org/drawingml/2006/main" xmlns:r="http://schemas.openxmlformats.org/officeDocument/2006/relationships" xmlns:mc="http://schemas.openxmlformats.org/markup-compatibility/2006" xmlns:mv="urn:schemas-microsoft-com:mac:vml" xmlns:p="http://schemas.openxmlformats.org/presentationml/2006/main" mc:Ignorable="mv" mc:PreserveAttributes="mv:*" type="title" preserve="1">
+<p:sldLayout xmlns:a="http://schemas.openxmlformats.org/drawingml/2006/main" xmlns:r="http://schemas.openxmlformats.org/officeDocument/2006/relationships" xmlns:p="http://schemas.openxmlformats.org/presentationml/2006/main" type="title" preserve="1">
   <p:cSld name="Title Slide">
     <p:bg>
       <p:bgPr>
@@ -1774,7 +1774,7 @@
 </file>
 
 <file path=ppt/slideLayouts/slideLayout10.xml><?xml version="1.0" encoding="utf-8"?>
-<p:sldLayout xmlns:a="http://schemas.openxmlformats.org/drawingml/2006/main" xmlns:r="http://schemas.openxmlformats.org/officeDocument/2006/relationships" xmlns:mc="http://schemas.openxmlformats.org/markup-compatibility/2006" xmlns:mv="urn:schemas-microsoft-com:mac:vml" xmlns:p="http://schemas.openxmlformats.org/presentationml/2006/main" mc:Ignorable="mv" mc:PreserveAttributes="mv:*" preserve="1" userDrawn="1">
+<p:sldLayout xmlns:a="http://schemas.openxmlformats.org/drawingml/2006/main" xmlns:r="http://schemas.openxmlformats.org/officeDocument/2006/relationships" xmlns:p="http://schemas.openxmlformats.org/presentationml/2006/main" preserve="1" userDrawn="1">
   <p:cSld name="Impact Slide - Pink">
     <p:bg>
       <p:bgPr>
@@ -1847,7 +1847,7 @@
 </file>
 
 <file path=ppt/slideLayouts/slideLayout11.xml><?xml version="1.0" encoding="utf-8"?>
-<p:sldLayout xmlns:a="http://schemas.openxmlformats.org/drawingml/2006/main" xmlns:r="http://schemas.openxmlformats.org/officeDocument/2006/relationships" xmlns:mc="http://schemas.openxmlformats.org/markup-compatibility/2006" xmlns:mv="urn:schemas-microsoft-com:mac:vml" xmlns:p="http://schemas.openxmlformats.org/presentationml/2006/main" mc:Ignorable="mv" mc:PreserveAttributes="mv:*" preserve="1" userDrawn="1">
+<p:sldLayout xmlns:a="http://schemas.openxmlformats.org/drawingml/2006/main" xmlns:r="http://schemas.openxmlformats.org/officeDocument/2006/relationships" xmlns:p="http://schemas.openxmlformats.org/presentationml/2006/main" preserve="1" userDrawn="1">
   <p:cSld name="Quote Slide - Neutral">
     <p:bg>
       <p:bgPr>
@@ -2006,7 +2006,7 @@
 </file>
 
 <file path=ppt/slideLayouts/slideLayout12.xml><?xml version="1.0" encoding="utf-8"?>
-<p:sldLayout xmlns:a="http://schemas.openxmlformats.org/drawingml/2006/main" xmlns:r="http://schemas.openxmlformats.org/officeDocument/2006/relationships" xmlns:mc="http://schemas.openxmlformats.org/markup-compatibility/2006" xmlns:mv="urn:schemas-microsoft-com:mac:vml" xmlns:p="http://schemas.openxmlformats.org/presentationml/2006/main" mc:Ignorable="mv" mc:PreserveAttributes="mv:*" preserve="1" userDrawn="1">
+<p:sldLayout xmlns:a="http://schemas.openxmlformats.org/drawingml/2006/main" xmlns:r="http://schemas.openxmlformats.org/officeDocument/2006/relationships" xmlns:p="http://schemas.openxmlformats.org/presentationml/2006/main" preserve="1" userDrawn="1">
   <p:cSld name="Quote Slide - Teal">
     <p:bg>
       <p:bgPr>
@@ -2159,7 +2159,7 @@
 </file>
 
 <file path=ppt/slideLayouts/slideLayout13.xml><?xml version="1.0" encoding="utf-8"?>
-<p:sldLayout xmlns:a="http://schemas.openxmlformats.org/drawingml/2006/main" xmlns:r="http://schemas.openxmlformats.org/officeDocument/2006/relationships" xmlns:mc="http://schemas.openxmlformats.org/markup-compatibility/2006" xmlns:mv="urn:schemas-microsoft-com:mac:vml" xmlns:p="http://schemas.openxmlformats.org/presentationml/2006/main" mc:Ignorable="mv" mc:PreserveAttributes="mv:*" preserve="1" userDrawn="1">
+<p:sldLayout xmlns:a="http://schemas.openxmlformats.org/drawingml/2006/main" xmlns:r="http://schemas.openxmlformats.org/officeDocument/2006/relationships" xmlns:p="http://schemas.openxmlformats.org/presentationml/2006/main" preserve="1" userDrawn="1">
   <p:cSld name="Quote Slide - Green">
     <p:bg>
       <p:bgPr>
@@ -2312,7 +2312,7 @@
 </file>
 
 <file path=ppt/slideLayouts/slideLayout14.xml><?xml version="1.0" encoding="utf-8"?>
-<p:sldLayout xmlns:a="http://schemas.openxmlformats.org/drawingml/2006/main" xmlns:r="http://schemas.openxmlformats.org/officeDocument/2006/relationships" xmlns:mc="http://schemas.openxmlformats.org/markup-compatibility/2006" xmlns:mv="urn:schemas-microsoft-com:mac:vml" xmlns:p="http://schemas.openxmlformats.org/presentationml/2006/main" mc:Ignorable="mv" mc:PreserveAttributes="mv:*" preserve="1" userDrawn="1">
+<p:sldLayout xmlns:a="http://schemas.openxmlformats.org/drawingml/2006/main" xmlns:r="http://schemas.openxmlformats.org/officeDocument/2006/relationships" xmlns:p="http://schemas.openxmlformats.org/presentationml/2006/main" preserve="1" userDrawn="1">
   <p:cSld name="Orange Quote Slide">
     <p:bg>
       <p:bgPr>
@@ -2465,7 +2465,7 @@
 </file>
 
 <file path=ppt/slideLayouts/slideLayout15.xml><?xml version="1.0" encoding="utf-8"?>
-<p:sldLayout xmlns:a="http://schemas.openxmlformats.org/drawingml/2006/main" xmlns:r="http://schemas.openxmlformats.org/officeDocument/2006/relationships" xmlns:mc="http://schemas.openxmlformats.org/markup-compatibility/2006" xmlns:mv="urn:schemas-microsoft-com:mac:vml" xmlns:p="http://schemas.openxmlformats.org/presentationml/2006/main" mc:Ignorable="mv" mc:PreserveAttributes="mv:*" preserve="1" userDrawn="1">
+<p:sldLayout xmlns:a="http://schemas.openxmlformats.org/drawingml/2006/main" xmlns:r="http://schemas.openxmlformats.org/officeDocument/2006/relationships" xmlns:p="http://schemas.openxmlformats.org/presentationml/2006/main" preserve="1" userDrawn="1">
   <p:cSld name="Quote Slide - Pink">
     <p:bg>
       <p:bgPr>
@@ -2618,7 +2618,7 @@
 </file>
 
 <file path=ppt/slideLayouts/slideLayout16.xml><?xml version="1.0" encoding="utf-8"?>
-<p:sldLayout xmlns:a="http://schemas.openxmlformats.org/drawingml/2006/main" xmlns:r="http://schemas.openxmlformats.org/officeDocument/2006/relationships" xmlns:mc="http://schemas.openxmlformats.org/markup-compatibility/2006" xmlns:mv="urn:schemas-microsoft-com:mac:vml" xmlns:p="http://schemas.openxmlformats.org/presentationml/2006/main" mc:Ignorable="mv" mc:PreserveAttributes="mv:*" preserve="1" userDrawn="1">
+<p:sldLayout xmlns:a="http://schemas.openxmlformats.org/drawingml/2006/main" xmlns:r="http://schemas.openxmlformats.org/officeDocument/2006/relationships" xmlns:p="http://schemas.openxmlformats.org/presentationml/2006/main" preserve="1" userDrawn="1">
   <p:cSld name="Thank You - Teal">
     <p:bg>
       <p:bgPr>
@@ -2749,7 +2749,7 @@
 </file>
 
 <file path=ppt/slideLayouts/slideLayout17.xml><?xml version="1.0" encoding="utf-8"?>
-<p:sldLayout xmlns:a="http://schemas.openxmlformats.org/drawingml/2006/main" xmlns:r="http://schemas.openxmlformats.org/officeDocument/2006/relationships" xmlns:mc="http://schemas.openxmlformats.org/markup-compatibility/2006" xmlns:mv="urn:schemas-microsoft-com:mac:vml" xmlns:p="http://schemas.openxmlformats.org/presentationml/2006/main" mc:Ignorable="mv" mc:PreserveAttributes="mv:*" preserve="1" userDrawn="1">
+<p:sldLayout xmlns:a="http://schemas.openxmlformats.org/drawingml/2006/main" xmlns:r="http://schemas.openxmlformats.org/officeDocument/2006/relationships" xmlns:p="http://schemas.openxmlformats.org/presentationml/2006/main" preserve="1" userDrawn="1">
   <p:cSld name="Thank You - Green">
     <p:bg>
       <p:bgPr>
@@ -2880,7 +2880,7 @@
 </file>
 
 <file path=ppt/slideLayouts/slideLayout18.xml><?xml version="1.0" encoding="utf-8"?>
-<p:sldLayout xmlns:a="http://schemas.openxmlformats.org/drawingml/2006/main" xmlns:r="http://schemas.openxmlformats.org/officeDocument/2006/relationships" xmlns:mc="http://schemas.openxmlformats.org/markup-compatibility/2006" xmlns:mv="urn:schemas-microsoft-com:mac:vml" xmlns:p="http://schemas.openxmlformats.org/presentationml/2006/main" mc:Ignorable="mv" mc:PreserveAttributes="mv:*" userDrawn="1">
+<p:sldLayout xmlns:a="http://schemas.openxmlformats.org/drawingml/2006/main" xmlns:r="http://schemas.openxmlformats.org/officeDocument/2006/relationships" xmlns:p="http://schemas.openxmlformats.org/presentationml/2006/main" userDrawn="1">
   <p:cSld name="Thank You - Orange">
     <p:bg>
       <p:bgPr>
@@ -3011,7 +3011,7 @@
 </file>
 
 <file path=ppt/slideLayouts/slideLayout19.xml><?xml version="1.0" encoding="utf-8"?>
-<p:sldLayout xmlns:a="http://schemas.openxmlformats.org/drawingml/2006/main" xmlns:r="http://schemas.openxmlformats.org/officeDocument/2006/relationships" xmlns:mc="http://schemas.openxmlformats.org/markup-compatibility/2006" xmlns:mv="urn:schemas-microsoft-com:mac:vml" xmlns:p="http://schemas.openxmlformats.org/presentationml/2006/main" mc:Ignorable="mv" mc:PreserveAttributes="mv:*" userDrawn="1">
+<p:sldLayout xmlns:a="http://schemas.openxmlformats.org/drawingml/2006/main" xmlns:r="http://schemas.openxmlformats.org/officeDocument/2006/relationships" xmlns:p="http://schemas.openxmlformats.org/presentationml/2006/main" userDrawn="1">
   <p:cSld name="Thank You - Pink">
     <p:bg>
       <p:bgPr>
@@ -3142,7 +3142,7 @@
 </file>
 
 <file path=ppt/slideLayouts/slideLayout2.xml><?xml version="1.0" encoding="utf-8"?>
-<p:sldLayout xmlns:a="http://schemas.openxmlformats.org/drawingml/2006/main" xmlns:r="http://schemas.openxmlformats.org/officeDocument/2006/relationships" xmlns:mc="http://schemas.openxmlformats.org/markup-compatibility/2006" xmlns:mv="urn:schemas-microsoft-com:mac:vml" xmlns:p="http://schemas.openxmlformats.org/presentationml/2006/main" mc:Ignorable="mv" mc:PreserveAttributes="mv:*" preserve="1" userDrawn="1">
+<p:sldLayout xmlns:a="http://schemas.openxmlformats.org/drawingml/2006/main" xmlns:r="http://schemas.openxmlformats.org/officeDocument/2006/relationships" xmlns:p="http://schemas.openxmlformats.org/presentationml/2006/main" preserve="1" userDrawn="1">
   <p:cSld name="Title and Single Element">
     <p:spTree>
       <p:nvGrpSpPr>
@@ -3473,7 +3473,7 @@
 </file>
 
 <file path=ppt/slideLayouts/slideLayout3.xml><?xml version="1.0" encoding="utf-8"?>
-<p:sldLayout xmlns:a="http://schemas.openxmlformats.org/drawingml/2006/main" xmlns:r="http://schemas.openxmlformats.org/officeDocument/2006/relationships" xmlns:mc="http://schemas.openxmlformats.org/markup-compatibility/2006" xmlns:mv="urn:schemas-microsoft-com:mac:vml" xmlns:p="http://schemas.openxmlformats.org/presentationml/2006/main" mc:Ignorable="mv" mc:PreserveAttributes="mv:*" preserve="1" userDrawn="1">
+<p:sldLayout xmlns:a="http://schemas.openxmlformats.org/drawingml/2006/main" xmlns:r="http://schemas.openxmlformats.org/officeDocument/2006/relationships" xmlns:p="http://schemas.openxmlformats.org/presentationml/2006/main" preserve="1" userDrawn="1">
   <p:cSld name="Title and Two Element">
     <p:spTree>
       <p:nvGrpSpPr>
@@ -3865,7 +3865,7 @@
 </file>
 
 <file path=ppt/slideLayouts/slideLayout4.xml><?xml version="1.0" encoding="utf-8"?>
-<p:sldLayout xmlns:a="http://schemas.openxmlformats.org/drawingml/2006/main" xmlns:r="http://schemas.openxmlformats.org/officeDocument/2006/relationships" xmlns:mc="http://schemas.openxmlformats.org/markup-compatibility/2006" xmlns:mv="urn:schemas-microsoft-com:mac:vml" xmlns:p="http://schemas.openxmlformats.org/presentationml/2006/main" mc:Ignorable="mv" mc:PreserveAttributes="mv:*" preserve="1" userDrawn="1">
+<p:sldLayout xmlns:a="http://schemas.openxmlformats.org/drawingml/2006/main" xmlns:r="http://schemas.openxmlformats.org/officeDocument/2006/relationships" xmlns:p="http://schemas.openxmlformats.org/presentationml/2006/main" preserve="1" userDrawn="1">
   <p:cSld name="Title Only and Blank">
     <p:spTree>
       <p:nvGrpSpPr>
@@ -4139,7 +4139,7 @@
 </file>
 
 <file path=ppt/slideLayouts/slideLayout5.xml><?xml version="1.0" encoding="utf-8"?>
-<p:sldLayout xmlns:a="http://schemas.openxmlformats.org/drawingml/2006/main" xmlns:r="http://schemas.openxmlformats.org/officeDocument/2006/relationships" xmlns:mc="http://schemas.openxmlformats.org/markup-compatibility/2006" xmlns:mv="urn:schemas-microsoft-com:mac:vml" xmlns:p="http://schemas.openxmlformats.org/presentationml/2006/main" mc:Ignorable="mv" mc:PreserveAttributes="mv:*" userDrawn="1">
+<p:sldLayout xmlns:a="http://schemas.openxmlformats.org/drawingml/2006/main" xmlns:r="http://schemas.openxmlformats.org/officeDocument/2006/relationships" xmlns:p="http://schemas.openxmlformats.org/presentationml/2006/main" userDrawn="1">
   <p:cSld name="Left Text and Right Image">
     <p:spTree>
       <p:nvGrpSpPr>
@@ -4500,7 +4500,7 @@
 </file>
 
 <file path=ppt/slideLayouts/slideLayout6.xml><?xml version="1.0" encoding="utf-8"?>
-<p:sldLayout xmlns:a="http://schemas.openxmlformats.org/drawingml/2006/main" xmlns:r="http://schemas.openxmlformats.org/officeDocument/2006/relationships" xmlns:mc="http://schemas.openxmlformats.org/markup-compatibility/2006" xmlns:mv="urn:schemas-microsoft-com:mac:vml" xmlns:p="http://schemas.openxmlformats.org/presentationml/2006/main" mc:Ignorable="mv" mc:PreserveAttributes="mv:*" preserve="1" userDrawn="1">
+<p:sldLayout xmlns:a="http://schemas.openxmlformats.org/drawingml/2006/main" xmlns:r="http://schemas.openxmlformats.org/officeDocument/2006/relationships" xmlns:p="http://schemas.openxmlformats.org/presentationml/2006/main" preserve="1" userDrawn="1">
   <p:cSld name="Left Image and Right Text">
     <p:spTree>
       <p:nvGrpSpPr>
@@ -4861,7 +4861,7 @@
 </file>
 
 <file path=ppt/slideLayouts/slideLayout7.xml><?xml version="1.0" encoding="utf-8"?>
-<p:sldLayout xmlns:a="http://schemas.openxmlformats.org/drawingml/2006/main" xmlns:r="http://schemas.openxmlformats.org/officeDocument/2006/relationships" xmlns:mc="http://schemas.openxmlformats.org/markup-compatibility/2006" xmlns:mv="urn:schemas-microsoft-com:mac:vml" xmlns:p="http://schemas.openxmlformats.org/presentationml/2006/main" mc:Ignorable="mv" mc:PreserveAttributes="mv:*" preserve="1" userDrawn="1">
+<p:sldLayout xmlns:a="http://schemas.openxmlformats.org/drawingml/2006/main" xmlns:r="http://schemas.openxmlformats.org/officeDocument/2006/relationships" xmlns:p="http://schemas.openxmlformats.org/presentationml/2006/main" preserve="1" userDrawn="1">
   <p:cSld name="Impact Slide - Teal">
     <p:bg>
       <p:bgPr>
@@ -4956,7 +4956,7 @@
 </file>
 
 <file path=ppt/slideLayouts/slideLayout8.xml><?xml version="1.0" encoding="utf-8"?>
-<p:sldLayout xmlns:a="http://schemas.openxmlformats.org/drawingml/2006/main" xmlns:r="http://schemas.openxmlformats.org/officeDocument/2006/relationships" xmlns:mc="http://schemas.openxmlformats.org/markup-compatibility/2006" xmlns:mv="urn:schemas-microsoft-com:mac:vml" xmlns:p="http://schemas.openxmlformats.org/presentationml/2006/main" mc:Ignorable="mv" mc:PreserveAttributes="mv:*" preserve="1" userDrawn="1">
+<p:sldLayout xmlns:a="http://schemas.openxmlformats.org/drawingml/2006/main" xmlns:r="http://schemas.openxmlformats.org/officeDocument/2006/relationships" xmlns:p="http://schemas.openxmlformats.org/presentationml/2006/main" preserve="1" userDrawn="1">
   <p:cSld name="Impact Slide - Green">
     <p:bg>
       <p:bgPr>
@@ -5051,7 +5051,7 @@
 </file>
 
 <file path=ppt/slideLayouts/slideLayout9.xml><?xml version="1.0" encoding="utf-8"?>
-<p:sldLayout xmlns:a="http://schemas.openxmlformats.org/drawingml/2006/main" xmlns:r="http://schemas.openxmlformats.org/officeDocument/2006/relationships" xmlns:mc="http://schemas.openxmlformats.org/markup-compatibility/2006" xmlns:mv="urn:schemas-microsoft-com:mac:vml" xmlns:p="http://schemas.openxmlformats.org/presentationml/2006/main" mc:Ignorable="mv" mc:PreserveAttributes="mv:*" preserve="1" userDrawn="1">
+<p:sldLayout xmlns:a="http://schemas.openxmlformats.org/drawingml/2006/main" xmlns:r="http://schemas.openxmlformats.org/officeDocument/2006/relationships" xmlns:p="http://schemas.openxmlformats.org/presentationml/2006/main" preserve="1" userDrawn="1">
   <p:cSld name="Impact Slide - Orange">
     <p:bg>
       <p:bgPr>
@@ -5146,7 +5146,7 @@
 </file>
 
 <file path=ppt/slideMasters/slideMaster1.xml><?xml version="1.0" encoding="utf-8"?>
-<p:sldMaster xmlns:a="http://schemas.openxmlformats.org/drawingml/2006/main" xmlns:r="http://schemas.openxmlformats.org/officeDocument/2006/relationships" xmlns:mc="http://schemas.openxmlformats.org/markup-compatibility/2006" xmlns:mv="urn:schemas-microsoft-com:mac:vml" xmlns:p="http://schemas.openxmlformats.org/presentationml/2006/main" mc:Ignorable="mv" mc:PreserveAttributes="mv:*">
+<p:sldMaster xmlns:a="http://schemas.openxmlformats.org/drawingml/2006/main" xmlns:r="http://schemas.openxmlformats.org/officeDocument/2006/relationships" xmlns:p="http://schemas.openxmlformats.org/presentationml/2006/main">
   <p:cSld>
     <p:bg>
       <p:bgPr>
@@ -5768,7 +5768,7 @@
 </file>
 
 <file path=ppt/slides/slide1.xml><?xml version="1.0" encoding="utf-8"?>
-<p:sld xmlns:a="http://schemas.openxmlformats.org/drawingml/2006/main" xmlns:r="http://schemas.openxmlformats.org/officeDocument/2006/relationships" xmlns:mc="http://schemas.openxmlformats.org/markup-compatibility/2006" xmlns:mv="urn:schemas-microsoft-com:mac:vml" xmlns:p="http://schemas.openxmlformats.org/presentationml/2006/main" mc:Ignorable="mv" mc:PreserveAttributes="mv:*">
+<p:sld xmlns:a="http://schemas.openxmlformats.org/drawingml/2006/main" xmlns:r="http://schemas.openxmlformats.org/officeDocument/2006/relationships" xmlns:p="http://schemas.openxmlformats.org/presentationml/2006/main">
   <p:cSld>
     <p:spTree>
       <p:nvGrpSpPr>
@@ -5848,20 +5848,20 @@
     </p:spTree>
     <p:extLst>
       <p:ext uri="{BB962C8B-B14F-4D97-AF65-F5344CB8AC3E}">
-        <p14:creationId xmlns:p14="http://schemas.microsoft.com/office/powerpoint/2010/main" xmlns:p="http://schemas.openxmlformats.org/presentationml/2006/main" xmlns:r="http://schemas.openxmlformats.org/officeDocument/2006/relationships" xmlns:a="http://schemas.openxmlformats.org/drawingml/2006/main" xmlns="" val="2352184382"/>
+        <p14:creationId xmlns:p14="http://schemas.microsoft.com/office/powerpoint/2010/main" val="2352184382"/>
       </p:ext>
     </p:extLst>
   </p:cSld>
   <p:clrMapOvr>
     <a:masterClrMapping/>
   </p:clrMapOvr>
-  <p:transition spd="med">
+  <p:transition xmlns:p14="http://schemas.microsoft.com/office/powerpoint/2010/main" spd="med">
     <p:fade/>
   </p:transition>
   <p:timing>
     <p:tnLst>
       <p:par>
-        <p:cTn id="1" dur="indefinite" restart="never" nodeType="tmRoot"/>
+        <p:cTn xmlns:p14="http://schemas.microsoft.com/office/powerpoint/2010/main" id="1" dur="indefinite" restart="never" nodeType="tmRoot"/>
       </p:par>
     </p:tnLst>
   </p:timing>
@@ -5869,7 +5869,7 @@
 </file>
 
 <file path=ppt/slides/slide2.xml><?xml version="1.0" encoding="utf-8"?>
-<p:sld xmlns:a="http://schemas.openxmlformats.org/drawingml/2006/main" xmlns:r="http://schemas.openxmlformats.org/officeDocument/2006/relationships" xmlns:mc="http://schemas.openxmlformats.org/markup-compatibility/2006" xmlns:mv="urn:schemas-microsoft-com:mac:vml" xmlns:p="http://schemas.openxmlformats.org/presentationml/2006/main" mc:Ignorable="mv" mc:PreserveAttributes="mv:*">
+<p:sld xmlns:a="http://schemas.openxmlformats.org/drawingml/2006/main" xmlns:r="http://schemas.openxmlformats.org/officeDocument/2006/relationships" xmlns:p="http://schemas.openxmlformats.org/presentationml/2006/main">
   <p:cSld>
     <p:spTree>
       <p:nvGrpSpPr>
@@ -5941,16 +5941,11 @@
               <a:rPr lang="en-US" sz="3200" dirty="0" smtClean="0"/>
               <a:t>library</a:t>
             </a:r>
-            <a:endParaRPr lang="en-US" sz="3200" dirty="0" smtClean="0"/>
           </a:p>
           <a:p>
             <a:r>
               <a:rPr lang="en-US" sz="3200" dirty="0" smtClean="0"/>
-              <a:t>U</a:t>
-            </a:r>
-            <a:r>
-              <a:rPr lang="en-US" sz="3200" dirty="0" smtClean="0"/>
-              <a:t>se </a:t>
+              <a:t>Use </a:t>
             </a:r>
             <a:r>
               <a:rPr lang="en-US" sz="3200" dirty="0"/>
@@ -6013,13 +6008,181 @@
           </a:p>
           <a:p>
             <a:endParaRPr lang="en-US" sz="3200" dirty="0"/>
+          </a:p>
+        </p:txBody>
+      </p:sp>
+      <p:sp>
+        <p:nvSpPr>
+          <p:cNvPr id="5" name="Slide Number Placeholder 4"/>
+          <p:cNvSpPr txBox="1">
+            <a:spLocks noGrp="1"/>
+          </p:cNvSpPr>
+          <p:nvPr/>
+        </p:nvSpPr>
+        <p:spPr bwMode="auto">
+          <a:xfrm>
+            <a:off x="315913" y="9190038"/>
+            <a:ext cx="866775" cy="541337"/>
+          </a:xfrm>
+          <a:prstGeom prst="rect">
+            <a:avLst/>
+          </a:prstGeom>
+          <a:noFill/>
+          <a:ln>
+            <a:noFill/>
+          </a:ln>
+          <a:extLst>
+            <a:ext uri="{909E8E84-426E-40dd-AFC4-6F175D3DCCD1}">
+              <a14:hiddenFill xmlns:a14="http://schemas.microsoft.com/office/drawing/2010/main">
+                <a:solidFill>
+                  <a:srgbClr val="FFFFFF"/>
+                </a:solidFill>
+              </a14:hiddenFill>
+            </a:ext>
+            <a:ext uri="{91240B29-F687-4f45-9708-019B960494DF}">
+              <a14:hiddenLine xmlns:a14="http://schemas.microsoft.com/office/drawing/2010/main" w="9525">
+                <a:solidFill>
+                  <a:srgbClr val="000000"/>
+                </a:solidFill>
+                <a:miter lim="800000"/>
+                <a:headEnd/>
+                <a:tailEnd/>
+              </a14:hiddenLine>
+            </a:ext>
+          </a:extLst>
+        </p:spPr>
+        <p:txBody>
+          <a:bodyPr lIns="154707" tIns="77354" rIns="154707" bIns="77354"/>
+          <a:lstStyle>
+            <a:lvl1pPr eaLnBrk="0" hangingPunct="0">
+              <a:defRPr sz="3000">
+                <a:solidFill>
+                  <a:schemeClr val="tx1"/>
+                </a:solidFill>
+                <a:latin typeface="Arial" charset="0"/>
+                <a:ea typeface="ＭＳ Ｐゴシック" charset="0"/>
+                <a:cs typeface="ＭＳ Ｐゴシック" charset="0"/>
+              </a:defRPr>
+            </a:lvl1pPr>
+            <a:lvl2pPr marL="742950" indent="-285750" eaLnBrk="0" hangingPunct="0">
+              <a:defRPr sz="3000">
+                <a:solidFill>
+                  <a:schemeClr val="tx1"/>
+                </a:solidFill>
+                <a:latin typeface="Arial" charset="0"/>
+                <a:ea typeface="ＭＳ Ｐゴシック" charset="0"/>
+              </a:defRPr>
+            </a:lvl2pPr>
+            <a:lvl3pPr marL="1143000" indent="-228600" eaLnBrk="0" hangingPunct="0">
+              <a:defRPr sz="3000">
+                <a:solidFill>
+                  <a:schemeClr val="tx1"/>
+                </a:solidFill>
+                <a:latin typeface="Arial" charset="0"/>
+                <a:ea typeface="ＭＳ Ｐゴシック" charset="0"/>
+              </a:defRPr>
+            </a:lvl3pPr>
+            <a:lvl4pPr marL="1600200" indent="-228600" eaLnBrk="0" hangingPunct="0">
+              <a:defRPr sz="3000">
+                <a:solidFill>
+                  <a:schemeClr val="tx1"/>
+                </a:solidFill>
+                <a:latin typeface="Arial" charset="0"/>
+                <a:ea typeface="ＭＳ Ｐゴシック" charset="0"/>
+              </a:defRPr>
+            </a:lvl4pPr>
+            <a:lvl5pPr marL="2057400" indent="-228600" eaLnBrk="0" hangingPunct="0">
+              <a:defRPr sz="3000">
+                <a:solidFill>
+                  <a:schemeClr val="tx1"/>
+                </a:solidFill>
+                <a:latin typeface="Arial" charset="0"/>
+                <a:ea typeface="ＭＳ Ｐゴシック" charset="0"/>
+              </a:defRPr>
+            </a:lvl5pPr>
+            <a:lvl6pPr marL="2514600" indent="-228600" defTabSz="773113" eaLnBrk="0" fontAlgn="base" hangingPunct="0">
+              <a:spcBef>
+                <a:spcPct val="0"/>
+              </a:spcBef>
+              <a:spcAft>
+                <a:spcPct val="0"/>
+              </a:spcAft>
+              <a:defRPr sz="3000">
+                <a:solidFill>
+                  <a:schemeClr val="tx1"/>
+                </a:solidFill>
+                <a:latin typeface="Arial" charset="0"/>
+                <a:ea typeface="ＭＳ Ｐゴシック" charset="0"/>
+              </a:defRPr>
+            </a:lvl6pPr>
+            <a:lvl7pPr marL="2971800" indent="-228600" defTabSz="773113" eaLnBrk="0" fontAlgn="base" hangingPunct="0">
+              <a:spcBef>
+                <a:spcPct val="0"/>
+              </a:spcBef>
+              <a:spcAft>
+                <a:spcPct val="0"/>
+              </a:spcAft>
+              <a:defRPr sz="3000">
+                <a:solidFill>
+                  <a:schemeClr val="tx1"/>
+                </a:solidFill>
+                <a:latin typeface="Arial" charset="0"/>
+                <a:ea typeface="ＭＳ Ｐゴシック" charset="0"/>
+              </a:defRPr>
+            </a:lvl7pPr>
+            <a:lvl8pPr marL="3429000" indent="-228600" defTabSz="773113" eaLnBrk="0" fontAlgn="base" hangingPunct="0">
+              <a:spcBef>
+                <a:spcPct val="0"/>
+              </a:spcBef>
+              <a:spcAft>
+                <a:spcPct val="0"/>
+              </a:spcAft>
+              <a:defRPr sz="3000">
+                <a:solidFill>
+                  <a:schemeClr val="tx1"/>
+                </a:solidFill>
+                <a:latin typeface="Arial" charset="0"/>
+                <a:ea typeface="ＭＳ Ｐゴシック" charset="0"/>
+              </a:defRPr>
+            </a:lvl8pPr>
+            <a:lvl9pPr marL="3886200" indent="-228600" defTabSz="773113" eaLnBrk="0" fontAlgn="base" hangingPunct="0">
+              <a:spcBef>
+                <a:spcPct val="0"/>
+              </a:spcBef>
+              <a:spcAft>
+                <a:spcPct val="0"/>
+              </a:spcAft>
+              <a:defRPr sz="3000">
+                <a:solidFill>
+                  <a:schemeClr val="tx1"/>
+                </a:solidFill>
+                <a:latin typeface="Arial" charset="0"/>
+                <a:ea typeface="ＭＳ Ｐゴシック" charset="0"/>
+              </a:defRPr>
+            </a:lvl9pPr>
+          </a:lstStyle>
+          <a:p>
+            <a:fld id="{12F579D4-BAC5-D946-87EB-0068FA8271F5}" type="slidenum">
+              <a:rPr lang="en-US" sz="1500" b="1">
+                <a:solidFill>
+                  <a:srgbClr val="7B7B7B"/>
+                </a:solidFill>
+              </a:rPr>
+              <a:pPr/>
+              <a:t>2</a:t>
+            </a:fld>
+            <a:endParaRPr lang="en-US" sz="1500" b="1">
+              <a:solidFill>
+                <a:srgbClr val="7B7B7B"/>
+              </a:solidFill>
+            </a:endParaRPr>
           </a:p>
         </p:txBody>
       </p:sp>
     </p:spTree>
     <p:extLst>
       <p:ext uri="{BB962C8B-B14F-4D97-AF65-F5344CB8AC3E}">
-        <p14:creationId xmlns:p14="http://schemas.microsoft.com/office/powerpoint/2010/main" xmlns:p="http://schemas.openxmlformats.org/presentationml/2006/main" xmlns:r="http://schemas.openxmlformats.org/officeDocument/2006/relationships" xmlns:a="http://schemas.openxmlformats.org/drawingml/2006/main" xmlns="" val="2108713422"/>
+        <p14:creationId xmlns:p14="http://schemas.microsoft.com/office/powerpoint/2010/main" val="2108713422"/>
       </p:ext>
     </p:extLst>
   </p:cSld>
@@ -6029,7 +6192,7 @@
   <p:timing>
     <p:tnLst>
       <p:par>
-        <p:cTn id="1" dur="indefinite" restart="never" nodeType="tmRoot"/>
+        <p:cTn xmlns:p14="http://schemas.microsoft.com/office/powerpoint/2010/main" id="1" dur="indefinite" restart="never" nodeType="tmRoot"/>
       </p:par>
     </p:tnLst>
   </p:timing>
@@ -6037,7 +6200,7 @@
 </file>
 
 <file path=ppt/slides/slide3.xml><?xml version="1.0" encoding="utf-8"?>
-<p:sld xmlns:a="http://schemas.openxmlformats.org/drawingml/2006/main" xmlns:r="http://schemas.openxmlformats.org/officeDocument/2006/relationships" xmlns:mc="http://schemas.openxmlformats.org/markup-compatibility/2006" xmlns:mv="urn:schemas-microsoft-com:mac:vml" xmlns:p="http://schemas.openxmlformats.org/presentationml/2006/main" mc:Ignorable="mv" mc:PreserveAttributes="mv:*">
+<p:sld xmlns:a="http://schemas.openxmlformats.org/drawingml/2006/main" xmlns:r="http://schemas.openxmlformats.org/officeDocument/2006/relationships" xmlns:p="http://schemas.openxmlformats.org/presentationml/2006/main">
   <p:cSld>
     <p:spTree>
       <p:nvGrpSpPr>
@@ -6111,32 +6274,208 @@
               <a:buNone/>
             </a:pPr>
             <a:r>
-              <a:rPr lang="en-US" sz="3200" dirty="0"/>
+              <a:rPr lang="en-US" sz="3200" dirty="0">
+                <a:hlinkClick r:id="rId3"/>
+              </a:rPr>
               <a:t>http://</a:t>
             </a:r>
             <a:r>
-              <a:rPr lang="en-US" sz="3200" dirty="0" err="1"/>
+              <a:rPr lang="en-US" sz="3200" dirty="0" err="1">
+                <a:hlinkClick r:id="rId3"/>
+              </a:rPr>
               <a:t>docs.brightcove.com</a:t>
             </a:r>
             <a:r>
-              <a:rPr lang="en-US" sz="3200" dirty="0"/>
+              <a:rPr lang="en-US" sz="3200" dirty="0">
+                <a:hlinkClick r:id="rId3"/>
+              </a:rPr>
               <a:t>/en/video-cloud/media/</a:t>
             </a:r>
             <a:r>
-              <a:rPr lang="en-US" sz="3200" dirty="0" err="1"/>
+              <a:rPr lang="en-US" sz="3200" dirty="0" err="1">
+                <a:hlinkClick r:id="rId3"/>
+              </a:rPr>
               <a:t>reference.html</a:t>
             </a:r>
             <a:endParaRPr lang="en-US" sz="3200" dirty="0" smtClean="0"/>
           </a:p>
           <a:p>
             <a:endParaRPr lang="en-US" sz="3200" dirty="0"/>
+          </a:p>
+        </p:txBody>
+      </p:sp>
+      <p:sp>
+        <p:nvSpPr>
+          <p:cNvPr id="5" name="Slide Number Placeholder 4"/>
+          <p:cNvSpPr txBox="1">
+            <a:spLocks noGrp="1"/>
+          </p:cNvSpPr>
+          <p:nvPr/>
+        </p:nvSpPr>
+        <p:spPr bwMode="auto">
+          <a:xfrm>
+            <a:off x="315913" y="9190038"/>
+            <a:ext cx="866775" cy="541337"/>
+          </a:xfrm>
+          <a:prstGeom prst="rect">
+            <a:avLst/>
+          </a:prstGeom>
+          <a:noFill/>
+          <a:ln>
+            <a:noFill/>
+          </a:ln>
+          <a:extLst>
+            <a:ext uri="{909E8E84-426E-40dd-AFC4-6F175D3DCCD1}">
+              <a14:hiddenFill xmlns:a14="http://schemas.microsoft.com/office/drawing/2010/main">
+                <a:solidFill>
+                  <a:srgbClr val="FFFFFF"/>
+                </a:solidFill>
+              </a14:hiddenFill>
+            </a:ext>
+            <a:ext uri="{91240B29-F687-4f45-9708-019B960494DF}">
+              <a14:hiddenLine xmlns:a14="http://schemas.microsoft.com/office/drawing/2010/main" w="9525">
+                <a:solidFill>
+                  <a:srgbClr val="000000"/>
+                </a:solidFill>
+                <a:miter lim="800000"/>
+                <a:headEnd/>
+                <a:tailEnd/>
+              </a14:hiddenLine>
+            </a:ext>
+          </a:extLst>
+        </p:spPr>
+        <p:txBody>
+          <a:bodyPr lIns="154707" tIns="77354" rIns="154707" bIns="77354"/>
+          <a:lstStyle>
+            <a:lvl1pPr eaLnBrk="0" hangingPunct="0">
+              <a:defRPr sz="3000">
+                <a:solidFill>
+                  <a:schemeClr val="tx1"/>
+                </a:solidFill>
+                <a:latin typeface="Arial" charset="0"/>
+                <a:ea typeface="ＭＳ Ｐゴシック" charset="0"/>
+                <a:cs typeface="ＭＳ Ｐゴシック" charset="0"/>
+              </a:defRPr>
+            </a:lvl1pPr>
+            <a:lvl2pPr marL="742950" indent="-285750" eaLnBrk="0" hangingPunct="0">
+              <a:defRPr sz="3000">
+                <a:solidFill>
+                  <a:schemeClr val="tx1"/>
+                </a:solidFill>
+                <a:latin typeface="Arial" charset="0"/>
+                <a:ea typeface="ＭＳ Ｐゴシック" charset="0"/>
+              </a:defRPr>
+            </a:lvl2pPr>
+            <a:lvl3pPr marL="1143000" indent="-228600" eaLnBrk="0" hangingPunct="0">
+              <a:defRPr sz="3000">
+                <a:solidFill>
+                  <a:schemeClr val="tx1"/>
+                </a:solidFill>
+                <a:latin typeface="Arial" charset="0"/>
+                <a:ea typeface="ＭＳ Ｐゴシック" charset="0"/>
+              </a:defRPr>
+            </a:lvl3pPr>
+            <a:lvl4pPr marL="1600200" indent="-228600" eaLnBrk="0" hangingPunct="0">
+              <a:defRPr sz="3000">
+                <a:solidFill>
+                  <a:schemeClr val="tx1"/>
+                </a:solidFill>
+                <a:latin typeface="Arial" charset="0"/>
+                <a:ea typeface="ＭＳ Ｐゴシック" charset="0"/>
+              </a:defRPr>
+            </a:lvl4pPr>
+            <a:lvl5pPr marL="2057400" indent="-228600" eaLnBrk="0" hangingPunct="0">
+              <a:defRPr sz="3000">
+                <a:solidFill>
+                  <a:schemeClr val="tx1"/>
+                </a:solidFill>
+                <a:latin typeface="Arial" charset="0"/>
+                <a:ea typeface="ＭＳ Ｐゴシック" charset="0"/>
+              </a:defRPr>
+            </a:lvl5pPr>
+            <a:lvl6pPr marL="2514600" indent="-228600" defTabSz="773113" eaLnBrk="0" fontAlgn="base" hangingPunct="0">
+              <a:spcBef>
+                <a:spcPct val="0"/>
+              </a:spcBef>
+              <a:spcAft>
+                <a:spcPct val="0"/>
+              </a:spcAft>
+              <a:defRPr sz="3000">
+                <a:solidFill>
+                  <a:schemeClr val="tx1"/>
+                </a:solidFill>
+                <a:latin typeface="Arial" charset="0"/>
+                <a:ea typeface="ＭＳ Ｐゴシック" charset="0"/>
+              </a:defRPr>
+            </a:lvl6pPr>
+            <a:lvl7pPr marL="2971800" indent="-228600" defTabSz="773113" eaLnBrk="0" fontAlgn="base" hangingPunct="0">
+              <a:spcBef>
+                <a:spcPct val="0"/>
+              </a:spcBef>
+              <a:spcAft>
+                <a:spcPct val="0"/>
+              </a:spcAft>
+              <a:defRPr sz="3000">
+                <a:solidFill>
+                  <a:schemeClr val="tx1"/>
+                </a:solidFill>
+                <a:latin typeface="Arial" charset="0"/>
+                <a:ea typeface="ＭＳ Ｐゴシック" charset="0"/>
+              </a:defRPr>
+            </a:lvl7pPr>
+            <a:lvl8pPr marL="3429000" indent="-228600" defTabSz="773113" eaLnBrk="0" fontAlgn="base" hangingPunct="0">
+              <a:spcBef>
+                <a:spcPct val="0"/>
+              </a:spcBef>
+              <a:spcAft>
+                <a:spcPct val="0"/>
+              </a:spcAft>
+              <a:defRPr sz="3000">
+                <a:solidFill>
+                  <a:schemeClr val="tx1"/>
+                </a:solidFill>
+                <a:latin typeface="Arial" charset="0"/>
+                <a:ea typeface="ＭＳ Ｐゴシック" charset="0"/>
+              </a:defRPr>
+            </a:lvl8pPr>
+            <a:lvl9pPr marL="3886200" indent="-228600" defTabSz="773113" eaLnBrk="0" fontAlgn="base" hangingPunct="0">
+              <a:spcBef>
+                <a:spcPct val="0"/>
+              </a:spcBef>
+              <a:spcAft>
+                <a:spcPct val="0"/>
+              </a:spcAft>
+              <a:defRPr sz="3000">
+                <a:solidFill>
+                  <a:schemeClr val="tx1"/>
+                </a:solidFill>
+                <a:latin typeface="Arial" charset="0"/>
+                <a:ea typeface="ＭＳ Ｐゴシック" charset="0"/>
+              </a:defRPr>
+            </a:lvl9pPr>
+          </a:lstStyle>
+          <a:p>
+            <a:fld id="{12F579D4-BAC5-D946-87EB-0068FA8271F5}" type="slidenum">
+              <a:rPr lang="en-US" sz="1500" b="1">
+                <a:solidFill>
+                  <a:srgbClr val="7B7B7B"/>
+                </a:solidFill>
+              </a:rPr>
+              <a:pPr/>
+              <a:t>3</a:t>
+            </a:fld>
+            <a:endParaRPr lang="en-US" sz="1500" b="1">
+              <a:solidFill>
+                <a:srgbClr val="7B7B7B"/>
+              </a:solidFill>
+            </a:endParaRPr>
           </a:p>
         </p:txBody>
       </p:sp>
     </p:spTree>
     <p:extLst>
       <p:ext uri="{BB962C8B-B14F-4D97-AF65-F5344CB8AC3E}">
-        <p14:creationId xmlns:p14="http://schemas.microsoft.com/office/powerpoint/2010/main" xmlns:p="http://schemas.openxmlformats.org/presentationml/2006/main" xmlns:r="http://schemas.openxmlformats.org/officeDocument/2006/relationships" xmlns:a="http://schemas.openxmlformats.org/drawingml/2006/main" xmlns="" val="2805855639"/>
+        <p14:creationId xmlns:p14="http://schemas.microsoft.com/office/powerpoint/2010/main" val="2805855639"/>
       </p:ext>
     </p:extLst>
   </p:cSld>
@@ -6146,7 +6485,7 @@
   <p:timing>
     <p:tnLst>
       <p:par>
-        <p:cTn id="1" dur="indefinite" restart="never" nodeType="tmRoot"/>
+        <p:cTn xmlns:p14="http://schemas.microsoft.com/office/powerpoint/2010/main" id="1" dur="indefinite" restart="never" nodeType="tmRoot"/>
       </p:par>
     </p:tnLst>
   </p:timing>
@@ -6154,7 +6493,7 @@
 </file>
 
 <file path=ppt/slides/slide4.xml><?xml version="1.0" encoding="utf-8"?>
-<p:sld xmlns:a="http://schemas.openxmlformats.org/drawingml/2006/main" xmlns:r="http://schemas.openxmlformats.org/officeDocument/2006/relationships" xmlns:mc="http://schemas.openxmlformats.org/markup-compatibility/2006" xmlns:mv="urn:schemas-microsoft-com:mac:vml" xmlns:p="http://schemas.openxmlformats.org/presentationml/2006/main" mc:Ignorable="mv" mc:PreserveAttributes="mv:*">
+<p:sld xmlns:a="http://schemas.openxmlformats.org/drawingml/2006/main" xmlns:r="http://schemas.openxmlformats.org/officeDocument/2006/relationships" xmlns:p="http://schemas.openxmlformats.org/presentationml/2006/main">
   <p:cSld>
     <p:spTree>
       <p:nvGrpSpPr>
@@ -6238,10 +6577,178 @@
           </a:p>
         </p:txBody>
       </p:sp>
+      <p:sp>
+        <p:nvSpPr>
+          <p:cNvPr id="5" name="Slide Number Placeholder 4"/>
+          <p:cNvSpPr txBox="1">
+            <a:spLocks noGrp="1"/>
+          </p:cNvSpPr>
+          <p:nvPr/>
+        </p:nvSpPr>
+        <p:spPr bwMode="auto">
+          <a:xfrm>
+            <a:off x="315913" y="9190038"/>
+            <a:ext cx="866775" cy="541337"/>
+          </a:xfrm>
+          <a:prstGeom prst="rect">
+            <a:avLst/>
+          </a:prstGeom>
+          <a:noFill/>
+          <a:ln>
+            <a:noFill/>
+          </a:ln>
+          <a:extLst>
+            <a:ext uri="{909E8E84-426E-40dd-AFC4-6F175D3DCCD1}">
+              <a14:hiddenFill xmlns:a14="http://schemas.microsoft.com/office/drawing/2010/main">
+                <a:solidFill>
+                  <a:srgbClr val="FFFFFF"/>
+                </a:solidFill>
+              </a14:hiddenFill>
+            </a:ext>
+            <a:ext uri="{91240B29-F687-4f45-9708-019B960494DF}">
+              <a14:hiddenLine xmlns:a14="http://schemas.microsoft.com/office/drawing/2010/main" w="9525">
+                <a:solidFill>
+                  <a:srgbClr val="000000"/>
+                </a:solidFill>
+                <a:miter lim="800000"/>
+                <a:headEnd/>
+                <a:tailEnd/>
+              </a14:hiddenLine>
+            </a:ext>
+          </a:extLst>
+        </p:spPr>
+        <p:txBody>
+          <a:bodyPr lIns="154707" tIns="77354" rIns="154707" bIns="77354"/>
+          <a:lstStyle>
+            <a:lvl1pPr eaLnBrk="0" hangingPunct="0">
+              <a:defRPr sz="3000">
+                <a:solidFill>
+                  <a:schemeClr val="tx1"/>
+                </a:solidFill>
+                <a:latin typeface="Arial" charset="0"/>
+                <a:ea typeface="ＭＳ Ｐゴシック" charset="0"/>
+                <a:cs typeface="ＭＳ Ｐゴシック" charset="0"/>
+              </a:defRPr>
+            </a:lvl1pPr>
+            <a:lvl2pPr marL="742950" indent="-285750" eaLnBrk="0" hangingPunct="0">
+              <a:defRPr sz="3000">
+                <a:solidFill>
+                  <a:schemeClr val="tx1"/>
+                </a:solidFill>
+                <a:latin typeface="Arial" charset="0"/>
+                <a:ea typeface="ＭＳ Ｐゴシック" charset="0"/>
+              </a:defRPr>
+            </a:lvl2pPr>
+            <a:lvl3pPr marL="1143000" indent="-228600" eaLnBrk="0" hangingPunct="0">
+              <a:defRPr sz="3000">
+                <a:solidFill>
+                  <a:schemeClr val="tx1"/>
+                </a:solidFill>
+                <a:latin typeface="Arial" charset="0"/>
+                <a:ea typeface="ＭＳ Ｐゴシック" charset="0"/>
+              </a:defRPr>
+            </a:lvl3pPr>
+            <a:lvl4pPr marL="1600200" indent="-228600" eaLnBrk="0" hangingPunct="0">
+              <a:defRPr sz="3000">
+                <a:solidFill>
+                  <a:schemeClr val="tx1"/>
+                </a:solidFill>
+                <a:latin typeface="Arial" charset="0"/>
+                <a:ea typeface="ＭＳ Ｐゴシック" charset="0"/>
+              </a:defRPr>
+            </a:lvl4pPr>
+            <a:lvl5pPr marL="2057400" indent="-228600" eaLnBrk="0" hangingPunct="0">
+              <a:defRPr sz="3000">
+                <a:solidFill>
+                  <a:schemeClr val="tx1"/>
+                </a:solidFill>
+                <a:latin typeface="Arial" charset="0"/>
+                <a:ea typeface="ＭＳ Ｐゴシック" charset="0"/>
+              </a:defRPr>
+            </a:lvl5pPr>
+            <a:lvl6pPr marL="2514600" indent="-228600" defTabSz="773113" eaLnBrk="0" fontAlgn="base" hangingPunct="0">
+              <a:spcBef>
+                <a:spcPct val="0"/>
+              </a:spcBef>
+              <a:spcAft>
+                <a:spcPct val="0"/>
+              </a:spcAft>
+              <a:defRPr sz="3000">
+                <a:solidFill>
+                  <a:schemeClr val="tx1"/>
+                </a:solidFill>
+                <a:latin typeface="Arial" charset="0"/>
+                <a:ea typeface="ＭＳ Ｐゴシック" charset="0"/>
+              </a:defRPr>
+            </a:lvl6pPr>
+            <a:lvl7pPr marL="2971800" indent="-228600" defTabSz="773113" eaLnBrk="0" fontAlgn="base" hangingPunct="0">
+              <a:spcBef>
+                <a:spcPct val="0"/>
+              </a:spcBef>
+              <a:spcAft>
+                <a:spcPct val="0"/>
+              </a:spcAft>
+              <a:defRPr sz="3000">
+                <a:solidFill>
+                  <a:schemeClr val="tx1"/>
+                </a:solidFill>
+                <a:latin typeface="Arial" charset="0"/>
+                <a:ea typeface="ＭＳ Ｐゴシック" charset="0"/>
+              </a:defRPr>
+            </a:lvl7pPr>
+            <a:lvl8pPr marL="3429000" indent="-228600" defTabSz="773113" eaLnBrk="0" fontAlgn="base" hangingPunct="0">
+              <a:spcBef>
+                <a:spcPct val="0"/>
+              </a:spcBef>
+              <a:spcAft>
+                <a:spcPct val="0"/>
+              </a:spcAft>
+              <a:defRPr sz="3000">
+                <a:solidFill>
+                  <a:schemeClr val="tx1"/>
+                </a:solidFill>
+                <a:latin typeface="Arial" charset="0"/>
+                <a:ea typeface="ＭＳ Ｐゴシック" charset="0"/>
+              </a:defRPr>
+            </a:lvl8pPr>
+            <a:lvl9pPr marL="3886200" indent="-228600" defTabSz="773113" eaLnBrk="0" fontAlgn="base" hangingPunct="0">
+              <a:spcBef>
+                <a:spcPct val="0"/>
+              </a:spcBef>
+              <a:spcAft>
+                <a:spcPct val="0"/>
+              </a:spcAft>
+              <a:defRPr sz="3000">
+                <a:solidFill>
+                  <a:schemeClr val="tx1"/>
+                </a:solidFill>
+                <a:latin typeface="Arial" charset="0"/>
+                <a:ea typeface="ＭＳ Ｐゴシック" charset="0"/>
+              </a:defRPr>
+            </a:lvl9pPr>
+          </a:lstStyle>
+          <a:p>
+            <a:fld id="{12F579D4-BAC5-D946-87EB-0068FA8271F5}" type="slidenum">
+              <a:rPr lang="en-US" sz="1500" b="1">
+                <a:solidFill>
+                  <a:srgbClr val="7B7B7B"/>
+                </a:solidFill>
+              </a:rPr>
+              <a:pPr/>
+              <a:t>4</a:t>
+            </a:fld>
+            <a:endParaRPr lang="en-US" sz="1500" b="1">
+              <a:solidFill>
+                <a:srgbClr val="7B7B7B"/>
+              </a:solidFill>
+            </a:endParaRPr>
+          </a:p>
+        </p:txBody>
+      </p:sp>
     </p:spTree>
     <p:extLst>
       <p:ext uri="{BB962C8B-B14F-4D97-AF65-F5344CB8AC3E}">
-        <p14:creationId xmlns:p14="http://schemas.microsoft.com/office/powerpoint/2010/main" xmlns:p="http://schemas.openxmlformats.org/presentationml/2006/main" xmlns:r="http://schemas.openxmlformats.org/officeDocument/2006/relationships" xmlns:a="http://schemas.openxmlformats.org/drawingml/2006/main" xmlns="" val="1723545958"/>
+        <p14:creationId xmlns:p14="http://schemas.microsoft.com/office/powerpoint/2010/main" val="1723545958"/>
       </p:ext>
     </p:extLst>
   </p:cSld>
@@ -6251,7 +6758,7 @@
   <p:timing>
     <p:tnLst>
       <p:par>
-        <p:cTn id="1" dur="indefinite" restart="never" nodeType="tmRoot"/>
+        <p:cTn xmlns:p14="http://schemas.microsoft.com/office/powerpoint/2010/main" id="1" dur="indefinite" restart="never" nodeType="tmRoot"/>
       </p:par>
     </p:tnLst>
   </p:timing>
@@ -6259,7 +6766,7 @@
 </file>
 
 <file path=ppt/slides/slide5.xml><?xml version="1.0" encoding="utf-8"?>
-<p:sld xmlns:a="http://schemas.openxmlformats.org/drawingml/2006/main" xmlns:r="http://schemas.openxmlformats.org/officeDocument/2006/relationships" xmlns:mc="http://schemas.openxmlformats.org/markup-compatibility/2006" xmlns:mv="urn:schemas-microsoft-com:mac:vml" xmlns:p="http://schemas.openxmlformats.org/presentationml/2006/main" mc:Ignorable="mv" mc:PreserveAttributes="mv:*">
+<p:sld xmlns:a="http://schemas.openxmlformats.org/drawingml/2006/main" xmlns:r="http://schemas.openxmlformats.org/officeDocument/2006/relationships" xmlns:p="http://schemas.openxmlformats.org/presentationml/2006/main">
   <p:cSld>
     <p:spTree>
       <p:nvGrpSpPr>
@@ -6297,14 +6804,14 @@
           </a:ln>
           <a:extLst>
             <a:ext uri="{909E8E84-426E-40dd-AFC4-6F175D3DCCD1}">
-              <a14:hiddenFill xmlns:a14="http://schemas.microsoft.com/office/drawing/2010/main" xmlns:p="http://schemas.openxmlformats.org/presentationml/2006/main" xmlns:r="http://schemas.openxmlformats.org/officeDocument/2006/relationships" xmlns:a="http://schemas.openxmlformats.org/drawingml/2006/main" xmlns="">
+              <a14:hiddenFill xmlns:a14="http://schemas.microsoft.com/office/drawing/2010/main">
                 <a:solidFill>
                   <a:srgbClr val="FFFFFF"/>
                 </a:solidFill>
               </a14:hiddenFill>
             </a:ext>
             <a:ext uri="{91240B29-F687-4f45-9708-019B960494DF}">
-              <a14:hiddenLine xmlns:a14="http://schemas.microsoft.com/office/drawing/2010/main" xmlns:p="http://schemas.openxmlformats.org/presentationml/2006/main" xmlns:r="http://schemas.openxmlformats.org/officeDocument/2006/relationships" xmlns:a="http://schemas.openxmlformats.org/drawingml/2006/main" xmlns="" w="9525">
+              <a14:hiddenLine xmlns:a14="http://schemas.microsoft.com/office/drawing/2010/main" w="9525">
                 <a:solidFill>
                   <a:srgbClr val="000000"/>
                 </a:solidFill>
@@ -7021,14 +7528,14 @@
           </a:ln>
           <a:extLst>
             <a:ext uri="{909E8E84-426E-40dd-AFC4-6F175D3DCCD1}">
-              <a14:hiddenFill xmlns:a14="http://schemas.microsoft.com/office/drawing/2010/main" xmlns:p="http://schemas.openxmlformats.org/presentationml/2006/main" xmlns:r="http://schemas.openxmlformats.org/officeDocument/2006/relationships" xmlns:a="http://schemas.openxmlformats.org/drawingml/2006/main" xmlns="">
+              <a14:hiddenFill xmlns:a14="http://schemas.microsoft.com/office/drawing/2010/main">
                 <a:solidFill>
                   <a:srgbClr val="FFFFFF"/>
                 </a:solidFill>
               </a14:hiddenFill>
             </a:ext>
             <a:ext uri="{91240B29-F687-4f45-9708-019B960494DF}">
-              <a14:hiddenLine xmlns:a14="http://schemas.microsoft.com/office/drawing/2010/main" xmlns:p="http://schemas.openxmlformats.org/presentationml/2006/main" xmlns:r="http://schemas.openxmlformats.org/officeDocument/2006/relationships" xmlns:a="http://schemas.openxmlformats.org/drawingml/2006/main" xmlns="" w="9525">
+              <a14:hiddenLine xmlns:a14="http://schemas.microsoft.com/office/drawing/2010/main" w="9525">
                 <a:solidFill>
                   <a:srgbClr val="000000"/>
                 </a:solidFill>
@@ -7063,20 +7570,20 @@
     </p:spTree>
     <p:extLst>
       <p:ext uri="{BB962C8B-B14F-4D97-AF65-F5344CB8AC3E}">
-        <p14:creationId xmlns:p14="http://schemas.microsoft.com/office/powerpoint/2010/main" xmlns:p="http://schemas.openxmlformats.org/presentationml/2006/main" xmlns:r="http://schemas.openxmlformats.org/officeDocument/2006/relationships" xmlns:a="http://schemas.openxmlformats.org/drawingml/2006/main" xmlns="" val="1205781187"/>
+        <p14:creationId xmlns:p14="http://schemas.microsoft.com/office/powerpoint/2010/main" val="1205781187"/>
       </p:ext>
     </p:extLst>
   </p:cSld>
   <p:clrMapOvr>
     <a:masterClrMapping/>
   </p:clrMapOvr>
-  <p:transition>
+  <p:transition xmlns:p14="http://schemas.microsoft.com/office/powerpoint/2010/main">
     <p:fade/>
   </p:transition>
   <p:timing>
     <p:tnLst>
       <p:par>
-        <p:cTn id="1" dur="indefinite" restart="never" nodeType="tmRoot">
+        <p:cTn xmlns:p14="http://schemas.microsoft.com/office/powerpoint/2010/main" id="1" dur="indefinite" restart="never" nodeType="tmRoot">
           <p:childTnLst>
             <p:seq concurrent="1" nextAc="seek">
               <p:cTn id="2" dur="indefinite" nodeType="mainSeq">
@@ -7160,7 +7667,7 @@
 </file>
 
 <file path=ppt/slides/slide6.xml><?xml version="1.0" encoding="utf-8"?>
-<p:sld xmlns:a="http://schemas.openxmlformats.org/drawingml/2006/main" xmlns:r="http://schemas.openxmlformats.org/officeDocument/2006/relationships" xmlns:mc="http://schemas.openxmlformats.org/markup-compatibility/2006" xmlns:mv="urn:schemas-microsoft-com:mac:vml" xmlns:p="http://schemas.openxmlformats.org/presentationml/2006/main" mc:Ignorable="mv" mc:PreserveAttributes="mv:*">
+<p:sld xmlns:a="http://schemas.openxmlformats.org/drawingml/2006/main" xmlns:r="http://schemas.openxmlformats.org/officeDocument/2006/relationships" xmlns:p="http://schemas.openxmlformats.org/presentationml/2006/main">
   <p:cSld>
     <p:spTree>
       <p:nvGrpSpPr>
@@ -7421,10 +7928,178 @@
           </a:p>
         </p:txBody>
       </p:sp>
+      <p:sp>
+        <p:nvSpPr>
+          <p:cNvPr id="5" name="Slide Number Placeholder 4"/>
+          <p:cNvSpPr txBox="1">
+            <a:spLocks noGrp="1"/>
+          </p:cNvSpPr>
+          <p:nvPr/>
+        </p:nvSpPr>
+        <p:spPr bwMode="auto">
+          <a:xfrm>
+            <a:off x="315913" y="9190038"/>
+            <a:ext cx="866775" cy="541337"/>
+          </a:xfrm>
+          <a:prstGeom prst="rect">
+            <a:avLst/>
+          </a:prstGeom>
+          <a:noFill/>
+          <a:ln>
+            <a:noFill/>
+          </a:ln>
+          <a:extLst>
+            <a:ext uri="{909E8E84-426E-40dd-AFC4-6F175D3DCCD1}">
+              <a14:hiddenFill xmlns:a14="http://schemas.microsoft.com/office/drawing/2010/main">
+                <a:solidFill>
+                  <a:srgbClr val="FFFFFF"/>
+                </a:solidFill>
+              </a14:hiddenFill>
+            </a:ext>
+            <a:ext uri="{91240B29-F687-4f45-9708-019B960494DF}">
+              <a14:hiddenLine xmlns:a14="http://schemas.microsoft.com/office/drawing/2010/main" w="9525">
+                <a:solidFill>
+                  <a:srgbClr val="000000"/>
+                </a:solidFill>
+                <a:miter lim="800000"/>
+                <a:headEnd/>
+                <a:tailEnd/>
+              </a14:hiddenLine>
+            </a:ext>
+          </a:extLst>
+        </p:spPr>
+        <p:txBody>
+          <a:bodyPr lIns="154707" tIns="77354" rIns="154707" bIns="77354"/>
+          <a:lstStyle>
+            <a:lvl1pPr eaLnBrk="0" hangingPunct="0">
+              <a:defRPr sz="3000">
+                <a:solidFill>
+                  <a:schemeClr val="tx1"/>
+                </a:solidFill>
+                <a:latin typeface="Arial" charset="0"/>
+                <a:ea typeface="ＭＳ Ｐゴシック" charset="0"/>
+                <a:cs typeface="ＭＳ Ｐゴシック" charset="0"/>
+              </a:defRPr>
+            </a:lvl1pPr>
+            <a:lvl2pPr marL="742950" indent="-285750" eaLnBrk="0" hangingPunct="0">
+              <a:defRPr sz="3000">
+                <a:solidFill>
+                  <a:schemeClr val="tx1"/>
+                </a:solidFill>
+                <a:latin typeface="Arial" charset="0"/>
+                <a:ea typeface="ＭＳ Ｐゴシック" charset="0"/>
+              </a:defRPr>
+            </a:lvl2pPr>
+            <a:lvl3pPr marL="1143000" indent="-228600" eaLnBrk="0" hangingPunct="0">
+              <a:defRPr sz="3000">
+                <a:solidFill>
+                  <a:schemeClr val="tx1"/>
+                </a:solidFill>
+                <a:latin typeface="Arial" charset="0"/>
+                <a:ea typeface="ＭＳ Ｐゴシック" charset="0"/>
+              </a:defRPr>
+            </a:lvl3pPr>
+            <a:lvl4pPr marL="1600200" indent="-228600" eaLnBrk="0" hangingPunct="0">
+              <a:defRPr sz="3000">
+                <a:solidFill>
+                  <a:schemeClr val="tx1"/>
+                </a:solidFill>
+                <a:latin typeface="Arial" charset="0"/>
+                <a:ea typeface="ＭＳ Ｐゴシック" charset="0"/>
+              </a:defRPr>
+            </a:lvl4pPr>
+            <a:lvl5pPr marL="2057400" indent="-228600" eaLnBrk="0" hangingPunct="0">
+              <a:defRPr sz="3000">
+                <a:solidFill>
+                  <a:schemeClr val="tx1"/>
+                </a:solidFill>
+                <a:latin typeface="Arial" charset="0"/>
+                <a:ea typeface="ＭＳ Ｐゴシック" charset="0"/>
+              </a:defRPr>
+            </a:lvl5pPr>
+            <a:lvl6pPr marL="2514600" indent="-228600" defTabSz="773113" eaLnBrk="0" fontAlgn="base" hangingPunct="0">
+              <a:spcBef>
+                <a:spcPct val="0"/>
+              </a:spcBef>
+              <a:spcAft>
+                <a:spcPct val="0"/>
+              </a:spcAft>
+              <a:defRPr sz="3000">
+                <a:solidFill>
+                  <a:schemeClr val="tx1"/>
+                </a:solidFill>
+                <a:latin typeface="Arial" charset="0"/>
+                <a:ea typeface="ＭＳ Ｐゴシック" charset="0"/>
+              </a:defRPr>
+            </a:lvl6pPr>
+            <a:lvl7pPr marL="2971800" indent="-228600" defTabSz="773113" eaLnBrk="0" fontAlgn="base" hangingPunct="0">
+              <a:spcBef>
+                <a:spcPct val="0"/>
+              </a:spcBef>
+              <a:spcAft>
+                <a:spcPct val="0"/>
+              </a:spcAft>
+              <a:defRPr sz="3000">
+                <a:solidFill>
+                  <a:schemeClr val="tx1"/>
+                </a:solidFill>
+                <a:latin typeface="Arial" charset="0"/>
+                <a:ea typeface="ＭＳ Ｐゴシック" charset="0"/>
+              </a:defRPr>
+            </a:lvl7pPr>
+            <a:lvl8pPr marL="3429000" indent="-228600" defTabSz="773113" eaLnBrk="0" fontAlgn="base" hangingPunct="0">
+              <a:spcBef>
+                <a:spcPct val="0"/>
+              </a:spcBef>
+              <a:spcAft>
+                <a:spcPct val="0"/>
+              </a:spcAft>
+              <a:defRPr sz="3000">
+                <a:solidFill>
+                  <a:schemeClr val="tx1"/>
+                </a:solidFill>
+                <a:latin typeface="Arial" charset="0"/>
+                <a:ea typeface="ＭＳ Ｐゴシック" charset="0"/>
+              </a:defRPr>
+            </a:lvl8pPr>
+            <a:lvl9pPr marL="3886200" indent="-228600" defTabSz="773113" eaLnBrk="0" fontAlgn="base" hangingPunct="0">
+              <a:spcBef>
+                <a:spcPct val="0"/>
+              </a:spcBef>
+              <a:spcAft>
+                <a:spcPct val="0"/>
+              </a:spcAft>
+              <a:defRPr sz="3000">
+                <a:solidFill>
+                  <a:schemeClr val="tx1"/>
+                </a:solidFill>
+                <a:latin typeface="Arial" charset="0"/>
+                <a:ea typeface="ＭＳ Ｐゴシック" charset="0"/>
+              </a:defRPr>
+            </a:lvl9pPr>
+          </a:lstStyle>
+          <a:p>
+            <a:fld id="{12F579D4-BAC5-D946-87EB-0068FA8271F5}" type="slidenum">
+              <a:rPr lang="en-US" sz="1500" b="1">
+                <a:solidFill>
+                  <a:srgbClr val="7B7B7B"/>
+                </a:solidFill>
+              </a:rPr>
+              <a:pPr/>
+              <a:t>6</a:t>
+            </a:fld>
+            <a:endParaRPr lang="en-US" sz="1500" b="1">
+              <a:solidFill>
+                <a:srgbClr val="7B7B7B"/>
+              </a:solidFill>
+            </a:endParaRPr>
+          </a:p>
+        </p:txBody>
+      </p:sp>
     </p:spTree>
     <p:extLst>
       <p:ext uri="{BB962C8B-B14F-4D97-AF65-F5344CB8AC3E}">
-        <p14:creationId xmlns:p14="http://schemas.microsoft.com/office/powerpoint/2010/main" xmlns:p="http://schemas.openxmlformats.org/presentationml/2006/main" xmlns:r="http://schemas.openxmlformats.org/officeDocument/2006/relationships" xmlns:a="http://schemas.openxmlformats.org/drawingml/2006/main" xmlns="" val="3592400868"/>
+        <p14:creationId xmlns:p14="http://schemas.microsoft.com/office/powerpoint/2010/main" val="3592400868"/>
       </p:ext>
     </p:extLst>
   </p:cSld>
@@ -7434,7 +8109,7 @@
   <p:timing>
     <p:tnLst>
       <p:par>
-        <p:cTn id="1" dur="indefinite" restart="never" nodeType="tmRoot"/>
+        <p:cTn xmlns:p14="http://schemas.microsoft.com/office/powerpoint/2010/main" id="1" dur="indefinite" restart="never" nodeType="tmRoot"/>
       </p:par>
     </p:tnLst>
   </p:timing>
@@ -7442,7 +8117,7 @@
 </file>
 
 <file path=ppt/slides/slide7.xml><?xml version="1.0" encoding="utf-8"?>
-<p:sld xmlns:a="http://schemas.openxmlformats.org/drawingml/2006/main" xmlns:r="http://schemas.openxmlformats.org/officeDocument/2006/relationships" xmlns:mc="http://schemas.openxmlformats.org/markup-compatibility/2006" xmlns:mv="urn:schemas-microsoft-com:mac:vml" xmlns:p="http://schemas.openxmlformats.org/presentationml/2006/main" mc:Ignorable="mv" mc:PreserveAttributes="mv:*">
+<p:sld xmlns:a="http://schemas.openxmlformats.org/drawingml/2006/main" xmlns:r="http://schemas.openxmlformats.org/officeDocument/2006/relationships" xmlns:p="http://schemas.openxmlformats.org/presentationml/2006/main">
   <p:cSld>
     <p:spTree>
       <p:nvGrpSpPr>
@@ -7480,14 +8155,14 @@
           </a:ln>
           <a:extLst>
             <a:ext uri="{909E8E84-426E-40dd-AFC4-6F175D3DCCD1}">
-              <a14:hiddenFill xmlns:a14="http://schemas.microsoft.com/office/drawing/2010/main" xmlns:p="http://schemas.openxmlformats.org/presentationml/2006/main" xmlns:r="http://schemas.openxmlformats.org/officeDocument/2006/relationships" xmlns:a="http://schemas.openxmlformats.org/drawingml/2006/main" xmlns="">
+              <a14:hiddenFill xmlns:a14="http://schemas.microsoft.com/office/drawing/2010/main">
                 <a:solidFill>
                   <a:srgbClr val="FFFFFF"/>
                 </a:solidFill>
               </a14:hiddenFill>
             </a:ext>
             <a:ext uri="{91240B29-F687-4f45-9708-019B960494DF}">
-              <a14:hiddenLine xmlns:a14="http://schemas.microsoft.com/office/drawing/2010/main" xmlns:p="http://schemas.openxmlformats.org/presentationml/2006/main" xmlns:r="http://schemas.openxmlformats.org/officeDocument/2006/relationships" xmlns:a="http://schemas.openxmlformats.org/drawingml/2006/main" xmlns="" w="9525">
+              <a14:hiddenLine xmlns:a14="http://schemas.microsoft.com/office/drawing/2010/main" w="9525">
                 <a:solidFill>
                   <a:srgbClr val="000000"/>
                 </a:solidFill>
@@ -7903,14 +8578,6 @@
               </a:rPr>
               <a:t>This allows you to develop applications with role-based access</a:t>
             </a:r>
-            <a:endParaRPr lang="en-US" sz="3000" dirty="0" smtClean="0">
-              <a:solidFill>
-                <a:srgbClr val="23383A"/>
-              </a:solidFill>
-              <a:latin typeface="Arial" charset="0"/>
-              <a:ea typeface="ＭＳ Ｐゴシック" charset="0"/>
-              <a:cs typeface="ＭＳ Ｐゴシック" charset="0"/>
-            </a:endParaRPr>
           </a:p>
           <a:p>
             <a:pPr marL="479425" indent="-479425">
@@ -7933,14 +8600,6 @@
               </a:rPr>
               <a:t>There are two kinds of READ tokens</a:t>
             </a:r>
-            <a:endParaRPr lang="en-US" sz="3000" dirty="0" smtClean="0">
-              <a:solidFill>
-                <a:srgbClr val="23383A"/>
-              </a:solidFill>
-              <a:latin typeface="Arial" charset="0"/>
-              <a:ea typeface="ＭＳ Ｐゴシック" charset="0"/>
-              <a:cs typeface="ＭＳ Ｐゴシック" charset="0"/>
-            </a:endParaRPr>
           </a:p>
           <a:p>
             <a:pPr marL="1169988" lvl="1" indent="-396875">
@@ -8042,20 +8701,20 @@
     </p:spTree>
     <p:extLst>
       <p:ext uri="{BB962C8B-B14F-4D97-AF65-F5344CB8AC3E}">
-        <p14:creationId xmlns:p14="http://schemas.microsoft.com/office/powerpoint/2010/main" xmlns:p="http://schemas.openxmlformats.org/presentationml/2006/main" xmlns:r="http://schemas.openxmlformats.org/officeDocument/2006/relationships" xmlns:a="http://schemas.openxmlformats.org/drawingml/2006/main" xmlns="" val="1090292893"/>
+        <p14:creationId xmlns:p14="http://schemas.microsoft.com/office/powerpoint/2010/main" val="1090292893"/>
       </p:ext>
     </p:extLst>
   </p:cSld>
   <p:clrMapOvr>
     <a:masterClrMapping/>
   </p:clrMapOvr>
-  <p:transition>
+  <p:transition xmlns:p14="http://schemas.microsoft.com/office/powerpoint/2010/main">
     <p:fade/>
   </p:transition>
   <p:timing>
     <p:tnLst>
       <p:par>
-        <p:cTn id="1" dur="indefinite" restart="never" nodeType="tmRoot"/>
+        <p:cTn xmlns:p14="http://schemas.microsoft.com/office/powerpoint/2010/main" id="1" dur="indefinite" restart="never" nodeType="tmRoot"/>
       </p:par>
     </p:tnLst>
   </p:timing>
@@ -8063,7 +8722,7 @@
 </file>
 
 <file path=ppt/slides/slide8.xml><?xml version="1.0" encoding="utf-8"?>
-<p:sld xmlns:a="http://schemas.openxmlformats.org/drawingml/2006/main" xmlns:r="http://schemas.openxmlformats.org/officeDocument/2006/relationships" xmlns:mc="http://schemas.openxmlformats.org/markup-compatibility/2006" xmlns:mv="urn:schemas-microsoft-com:mac:vml" xmlns:p="http://schemas.openxmlformats.org/presentationml/2006/main" mc:Ignorable="mv" mc:PreserveAttributes="mv:*">
+<p:sld xmlns:a="http://schemas.openxmlformats.org/drawingml/2006/main" xmlns:r="http://schemas.openxmlformats.org/officeDocument/2006/relationships" xmlns:p="http://schemas.openxmlformats.org/presentationml/2006/main">
   <p:cSld>
     <p:spTree>
       <p:nvGrpSpPr>
@@ -8164,20 +8823,20 @@
     </p:spTree>
     <p:extLst>
       <p:ext uri="{BB962C8B-B14F-4D97-AF65-F5344CB8AC3E}">
-        <p14:creationId xmlns:p14="http://schemas.microsoft.com/office/powerpoint/2010/main" xmlns:p="http://schemas.openxmlformats.org/presentationml/2006/main" xmlns:r="http://schemas.openxmlformats.org/officeDocument/2006/relationships" xmlns:a="http://schemas.openxmlformats.org/drawingml/2006/main" xmlns="" val="3700295984"/>
+        <p14:creationId xmlns:p14="http://schemas.microsoft.com/office/powerpoint/2010/main" val="3700295984"/>
       </p:ext>
     </p:extLst>
   </p:cSld>
   <p:clrMapOvr>
     <a:masterClrMapping/>
   </p:clrMapOvr>
-  <p:transition spd="med">
+  <p:transition xmlns:p14="http://schemas.microsoft.com/office/powerpoint/2010/main" spd="med">
     <p:fade/>
   </p:transition>
   <p:timing>
     <p:tnLst>
       <p:par>
-        <p:cTn id="1" dur="indefinite" restart="never" nodeType="tmRoot"/>
+        <p:cTn xmlns:p14="http://schemas.microsoft.com/office/powerpoint/2010/main" id="1" dur="indefinite" restart="never" nodeType="tmRoot"/>
       </p:par>
     </p:tnLst>
   </p:timing>
